--- a/モデル提出用/モデル.pptx
+++ b/モデル提出用/モデル.pptx
@@ -8682,8 +8682,8 @@
           </a:extLst>
         </p:spPr>
       </p:cxnSp>
-      <mc:AlternateContent xmlns:mc="http://schemas.openxmlformats.org/markup-compatibility/2006">
-        <mc:Choice xmlns:a14="http://schemas.microsoft.com/office/drawing/2010/main" Requires="a14">
+      <mc:AlternateContent xmlns:mc="http://schemas.openxmlformats.org/markup-compatibility/2006" xmlns:a14="http://schemas.microsoft.com/office/drawing/2010/main">
+        <mc:Choice Requires="a14">
           <p:graphicFrame>
             <p:nvGraphicFramePr>
               <p:cNvPr id="10" name="表 9">
@@ -9123,7 +9123,7 @@
             </a:graphic>
           </p:graphicFrame>
         </mc:Choice>
-        <mc:Fallback>
+        <mc:Fallback xmlns="">
           <p:graphicFrame>
             <p:nvGraphicFramePr>
               <p:cNvPr id="10" name="表 9">
@@ -9600,8 +9600,8 @@
           </a:extLst>
         </p:spPr>
       </p:cxnSp>
-      <mc:AlternateContent xmlns:mc="http://schemas.openxmlformats.org/markup-compatibility/2006">
-        <mc:Choice xmlns:a14="http://schemas.microsoft.com/office/drawing/2010/main" Requires="a14">
+      <mc:AlternateContent xmlns:mc="http://schemas.openxmlformats.org/markup-compatibility/2006" xmlns:a14="http://schemas.microsoft.com/office/drawing/2010/main">
+        <mc:Choice Requires="a14">
           <p:sp>
             <p:nvSpPr>
               <p:cNvPr id="21" name="テキスト ボックス 20">
@@ -9658,7 +9658,7 @@
             </p:txBody>
           </p:sp>
         </mc:Choice>
-        <mc:Fallback>
+        <mc:Fallback xmlns="">
           <p:sp>
             <p:nvSpPr>
               <p:cNvPr id="21" name="テキスト ボックス 20">
@@ -9703,8 +9703,8 @@
           </p:sp>
         </mc:Fallback>
       </mc:AlternateContent>
-      <mc:AlternateContent xmlns:mc="http://schemas.openxmlformats.org/markup-compatibility/2006">
-        <mc:Choice xmlns:a14="http://schemas.microsoft.com/office/drawing/2010/main" Requires="a14">
+      <mc:AlternateContent xmlns:mc="http://schemas.openxmlformats.org/markup-compatibility/2006" xmlns:a14="http://schemas.microsoft.com/office/drawing/2010/main">
+        <mc:Choice Requires="a14">
           <p:sp>
             <p:nvSpPr>
               <p:cNvPr id="23" name="テキスト ボックス 22">
@@ -9761,7 +9761,7 @@
             </p:txBody>
           </p:sp>
         </mc:Choice>
-        <mc:Fallback>
+        <mc:Fallback xmlns="">
           <p:sp>
             <p:nvSpPr>
               <p:cNvPr id="23" name="テキスト ボックス 22">
@@ -9959,8 +9959,8 @@
           </a:p>
         </p:txBody>
       </p:sp>
-      <mc:AlternateContent xmlns:mc="http://schemas.openxmlformats.org/markup-compatibility/2006">
-        <mc:Choice xmlns:a14="http://schemas.microsoft.com/office/drawing/2010/main" Requires="a14">
+      <mc:AlternateContent xmlns:mc="http://schemas.openxmlformats.org/markup-compatibility/2006" xmlns:a14="http://schemas.microsoft.com/office/drawing/2010/main">
+        <mc:Choice Requires="a14">
           <p:sp>
             <p:nvSpPr>
               <p:cNvPr id="45" name="吹き出し: 角を丸めた四角形 44">
@@ -10276,7 +10276,7 @@
             </p:txBody>
           </p:sp>
         </mc:Choice>
-        <mc:Fallback>
+        <mc:Fallback xmlns="">
           <p:sp>
             <p:nvSpPr>
               <p:cNvPr id="45" name="吹き出し: 角を丸めた四角形 44">
@@ -10346,8 +10346,8 @@
           </p:sp>
         </mc:Fallback>
       </mc:AlternateContent>
-      <mc:AlternateContent xmlns:mc="http://schemas.openxmlformats.org/markup-compatibility/2006">
-        <mc:Choice xmlns:a14="http://schemas.microsoft.com/office/drawing/2010/main" Requires="a14">
+      <mc:AlternateContent xmlns:mc="http://schemas.openxmlformats.org/markup-compatibility/2006" xmlns:a14="http://schemas.microsoft.com/office/drawing/2010/main">
+        <mc:Choice Requires="a14">
           <p:sp>
             <p:nvSpPr>
               <p:cNvPr id="46" name="吹き出し: 角を丸めた四角形 45">
@@ -10647,7 +10647,7 @@
             </p:txBody>
           </p:sp>
         </mc:Choice>
-        <mc:Fallback>
+        <mc:Fallback xmlns="">
           <p:sp>
             <p:nvSpPr>
               <p:cNvPr id="46" name="吹き出し: 角を丸めた四角形 45">
@@ -10861,8 +10861,8 @@
           </a:p>
         </p:txBody>
       </p:sp>
-      <mc:AlternateContent xmlns:mc="http://schemas.openxmlformats.org/markup-compatibility/2006">
-        <mc:Choice xmlns:a14="http://schemas.microsoft.com/office/drawing/2010/main" Requires="a14">
+      <mc:AlternateContent xmlns:mc="http://schemas.openxmlformats.org/markup-compatibility/2006" xmlns:a14="http://schemas.microsoft.com/office/drawing/2010/main">
+        <mc:Choice Requires="a14">
           <p:sp>
             <p:nvSpPr>
               <p:cNvPr id="48" name="吹き出し: 角を丸めた四角形 47">
@@ -10962,7 +10962,7 @@
             </p:txBody>
           </p:sp>
         </mc:Choice>
-        <mc:Fallback>
+        <mc:Fallback xmlns="">
           <p:sp>
             <p:nvSpPr>
               <p:cNvPr id="48" name="吹き出し: 角を丸めた四角形 47">
@@ -11119,8 +11119,8 @@
           </a:p>
         </p:txBody>
       </p:sp>
-      <mc:AlternateContent xmlns:mc="http://schemas.openxmlformats.org/markup-compatibility/2006">
-        <mc:Choice xmlns:a14="http://schemas.microsoft.com/office/drawing/2010/main" Requires="a14">
+      <mc:AlternateContent xmlns:mc="http://schemas.openxmlformats.org/markup-compatibility/2006" xmlns:a14="http://schemas.microsoft.com/office/drawing/2010/main">
+        <mc:Choice Requires="a14">
           <p:graphicFrame>
             <p:nvGraphicFramePr>
               <p:cNvPr id="54" name="表 53">
@@ -12004,7 +12004,7 @@
             </a:graphic>
           </p:graphicFrame>
         </mc:Choice>
-        <mc:Fallback>
+        <mc:Fallback xmlns="">
           <p:graphicFrame>
             <p:nvGraphicFramePr>
               <p:cNvPr id="54" name="表 53">
@@ -13092,8 +13092,8 @@
           </a:p>
         </p:txBody>
       </p:sp>
-      <mc:AlternateContent xmlns:mc="http://schemas.openxmlformats.org/markup-compatibility/2006">
-        <mc:Choice xmlns:a14="http://schemas.microsoft.com/office/drawing/2010/main" Requires="a14">
+      <mc:AlternateContent xmlns:mc="http://schemas.openxmlformats.org/markup-compatibility/2006" xmlns:a14="http://schemas.microsoft.com/office/drawing/2010/main">
+        <mc:Choice Requires="a14">
           <p:graphicFrame>
             <p:nvGraphicFramePr>
               <p:cNvPr id="78" name="表 77">
@@ -13692,7 +13692,7 @@
             </a:graphic>
           </p:graphicFrame>
         </mc:Choice>
-        <mc:Fallback>
+        <mc:Fallback xmlns="">
           <p:graphicFrame>
             <p:nvGraphicFramePr>
               <p:cNvPr id="78" name="表 77">
@@ -13879,7 +13879,7 @@
         <p:spPr>
           <a:xfrm>
             <a:off x="9359875" y="1828957"/>
-            <a:ext cx="5342521" cy="830997"/>
+            <a:ext cx="5619346" cy="830997"/>
           </a:xfrm>
           <a:prstGeom prst="rect">
             <a:avLst/>
@@ -13897,7 +13897,7 @@
             <a:pPr algn="l"/>
             <a:r>
               <a:rPr kumimoji="1" lang="ja-JP" altLang="en-US" sz="1600" dirty="0"/>
-              <a:t>走行体は常に自己位置推定を行っている。ここではその情報を走行データと呼ぶ。走行データとコース情報を比較することで離脱の判定を実現する。</a:t>
+              <a:t>離脱と判定された場合、走行体は正しいコースに復帰する必要がある。走行データとコース情報を用いて、最適なコース復帰を実現する。</a:t>
             </a:r>
             <a:endParaRPr kumimoji="1" lang="en-US" altLang="ja-JP" sz="1600" dirty="0"/>
           </a:p>
@@ -14378,8 +14378,8 @@
           </a:p>
         </p:txBody>
       </p:sp>
-      <mc:AlternateContent xmlns:mc="http://schemas.openxmlformats.org/markup-compatibility/2006">
-        <mc:Choice xmlns:a14="http://schemas.microsoft.com/office/drawing/2010/main" Requires="a14">
+      <mc:AlternateContent xmlns:mc="http://schemas.openxmlformats.org/markup-compatibility/2006" xmlns:a14="http://schemas.microsoft.com/office/drawing/2010/main">
+        <mc:Choice Requires="a14">
           <p:sp>
             <p:nvSpPr>
               <p:cNvPr id="34" name="正方形/長方形 33">
@@ -14407,6 +14407,7 @@
               </a:bodyPr>
               <a:lstStyle/>
               <a:p>
+                <a:pPr/>
                 <a14:m>
                   <m:oMathPara xmlns:m="http://schemas.openxmlformats.org/officeDocument/2006/math">
                     <m:oMathParaPr>
@@ -14487,7 +14488,7 @@
             </p:txBody>
           </p:sp>
         </mc:Choice>
-        <mc:Fallback>
+        <mc:Fallback xmlns="">
           <p:sp>
             <p:nvSpPr>
               <p:cNvPr id="34" name="正方形/長方形 33">
@@ -14612,8 +14613,8 @@
           </a:p>
         </p:txBody>
       </p:sp>
-      <mc:AlternateContent xmlns:mc="http://schemas.openxmlformats.org/markup-compatibility/2006">
-        <mc:Choice xmlns:a14="http://schemas.microsoft.com/office/drawing/2010/main" Requires="a14">
+      <mc:AlternateContent xmlns:mc="http://schemas.openxmlformats.org/markup-compatibility/2006" xmlns:a14="http://schemas.microsoft.com/office/drawing/2010/main">
+        <mc:Choice Requires="a14">
           <p:sp>
             <p:nvSpPr>
               <p:cNvPr id="71" name="正方形/長方形 70">
@@ -14641,6 +14642,7 @@
               </a:bodyPr>
               <a:lstStyle/>
               <a:p>
+                <a:pPr/>
                 <a14:m>
                   <m:oMathPara xmlns:m="http://schemas.openxmlformats.org/officeDocument/2006/math">
                     <m:oMathParaPr>
@@ -14682,7 +14684,7 @@
             </p:txBody>
           </p:sp>
         </mc:Choice>
-        <mc:Fallback>
+        <mc:Fallback xmlns="">
           <p:sp>
             <p:nvSpPr>
               <p:cNvPr id="71" name="正方形/長方形 70">
@@ -14807,8 +14809,8 @@
           </a:p>
         </p:txBody>
       </p:sp>
-      <mc:AlternateContent xmlns:mc="http://schemas.openxmlformats.org/markup-compatibility/2006">
-        <mc:Choice xmlns:a14="http://schemas.microsoft.com/office/drawing/2010/main" Requires="a14">
+      <mc:AlternateContent xmlns:mc="http://schemas.openxmlformats.org/markup-compatibility/2006" xmlns:a14="http://schemas.microsoft.com/office/drawing/2010/main">
+        <mc:Choice Requires="a14">
           <p:sp>
             <p:nvSpPr>
               <p:cNvPr id="82" name="テキスト ボックス 81">
@@ -15128,7 +15130,7 @@
             </p:txBody>
           </p:sp>
         </mc:Choice>
-        <mc:Fallback>
+        <mc:Fallback xmlns="">
           <p:sp>
             <p:nvSpPr>
               <p:cNvPr id="82" name="テキスト ボックス 81">
@@ -15260,8 +15262,8 @@
           </a:p>
         </p:txBody>
       </p:sp>
-      <mc:AlternateContent xmlns:mc="http://schemas.openxmlformats.org/markup-compatibility/2006">
-        <mc:Choice xmlns:a14="http://schemas.microsoft.com/office/drawing/2010/main" Requires="a14">
+      <mc:AlternateContent xmlns:mc="http://schemas.openxmlformats.org/markup-compatibility/2006" xmlns:a14="http://schemas.microsoft.com/office/drawing/2010/main">
+        <mc:Choice Requires="a14">
           <p:sp>
             <p:nvSpPr>
               <p:cNvPr id="86" name="正方形/長方形 85">
@@ -15289,6 +15291,7 @@
               </a:bodyPr>
               <a:lstStyle/>
               <a:p>
+                <a:pPr/>
                 <a14:m>
                   <m:oMathPara xmlns:m="http://schemas.openxmlformats.org/officeDocument/2006/math">
                     <m:oMathParaPr>
@@ -15371,7 +15374,7 @@
             </p:txBody>
           </p:sp>
         </mc:Choice>
-        <mc:Fallback>
+        <mc:Fallback xmlns="">
           <p:sp>
             <p:nvSpPr>
               <p:cNvPr id="86" name="正方形/長方形 85">
@@ -15503,8 +15506,8 @@
           </a:p>
         </p:txBody>
       </p:sp>
-      <mc:AlternateContent xmlns:mc="http://schemas.openxmlformats.org/markup-compatibility/2006">
-        <mc:Choice xmlns:a14="http://schemas.microsoft.com/office/drawing/2010/main" Requires="a14">
+      <mc:AlternateContent xmlns:mc="http://schemas.openxmlformats.org/markup-compatibility/2006" xmlns:a14="http://schemas.microsoft.com/office/drawing/2010/main">
+        <mc:Choice Requires="a14">
           <p:sp>
             <p:nvSpPr>
               <p:cNvPr id="89" name="正方形/長方形 88">
@@ -15615,7 +15618,7 @@
             </p:txBody>
           </p:sp>
         </mc:Choice>
-        <mc:Fallback>
+        <mc:Fallback xmlns="">
           <p:sp>
             <p:nvSpPr>
               <p:cNvPr id="89" name="正方形/長方形 88">
@@ -15985,8 +15988,8 @@
           </a:p>
         </p:txBody>
       </p:sp>
-      <mc:AlternateContent xmlns:mc="http://schemas.openxmlformats.org/markup-compatibility/2006">
-        <mc:Choice xmlns:a14="http://schemas.microsoft.com/office/drawing/2010/main" Requires="a14">
+      <mc:AlternateContent xmlns:mc="http://schemas.openxmlformats.org/markup-compatibility/2006" xmlns:a14="http://schemas.microsoft.com/office/drawing/2010/main">
+        <mc:Choice Requires="a14">
           <p:sp>
             <p:nvSpPr>
               <p:cNvPr id="105" name="正方形/長方形 104">
@@ -16014,6 +16017,7 @@
               </a:bodyPr>
               <a:lstStyle/>
               <a:p>
+                <a:pPr/>
                 <a14:m>
                   <m:oMathPara xmlns:m="http://schemas.openxmlformats.org/officeDocument/2006/math">
                     <m:oMathParaPr>
@@ -16096,7 +16100,7 @@
             </p:txBody>
           </p:sp>
         </mc:Choice>
-        <mc:Fallback>
+        <mc:Fallback xmlns="">
           <p:sp>
             <p:nvSpPr>
               <p:cNvPr id="105" name="正方形/長方形 104">
@@ -16602,8 +16606,8 @@
           </a:p>
         </p:txBody>
       </p:sp>
-      <mc:AlternateContent xmlns:mc="http://schemas.openxmlformats.org/markup-compatibility/2006">
-        <mc:Choice xmlns:a14="http://schemas.microsoft.com/office/drawing/2010/main" Requires="a14">
+      <mc:AlternateContent xmlns:mc="http://schemas.openxmlformats.org/markup-compatibility/2006" xmlns:a14="http://schemas.microsoft.com/office/drawing/2010/main">
+        <mc:Choice Requires="a14">
           <p:sp>
             <p:nvSpPr>
               <p:cNvPr id="116" name="正方形/長方形 115">
@@ -16631,6 +16635,7 @@
               </a:bodyPr>
               <a:lstStyle/>
               <a:p>
+                <a:pPr/>
                 <a14:m>
                   <m:oMathPara xmlns:m="http://schemas.openxmlformats.org/officeDocument/2006/math">
                     <m:oMathParaPr>
@@ -16711,7 +16716,7 @@
             </p:txBody>
           </p:sp>
         </mc:Choice>
-        <mc:Fallback>
+        <mc:Fallback xmlns="">
           <p:sp>
             <p:nvSpPr>
               <p:cNvPr id="116" name="正方形/長方形 115">
@@ -16836,8 +16841,8 @@
           </a:p>
         </p:txBody>
       </p:sp>
-      <mc:AlternateContent xmlns:mc="http://schemas.openxmlformats.org/markup-compatibility/2006">
-        <mc:Choice xmlns:a14="http://schemas.microsoft.com/office/drawing/2010/main" Requires="a14">
+      <mc:AlternateContent xmlns:mc="http://schemas.openxmlformats.org/markup-compatibility/2006" xmlns:a14="http://schemas.microsoft.com/office/drawing/2010/main">
+        <mc:Choice Requires="a14">
           <p:sp>
             <p:nvSpPr>
               <p:cNvPr id="118" name="正方形/長方形 117">
@@ -16865,6 +16870,7 @@
               </a:bodyPr>
               <a:lstStyle/>
               <a:p>
+                <a:pPr/>
                 <a14:m>
                   <m:oMathPara xmlns:m="http://schemas.openxmlformats.org/officeDocument/2006/math">
                     <m:oMathParaPr>
@@ -16906,7 +16912,7 @@
             </p:txBody>
           </p:sp>
         </mc:Choice>
-        <mc:Fallback>
+        <mc:Fallback xmlns="">
           <p:sp>
             <p:nvSpPr>
               <p:cNvPr id="118" name="正方形/長方形 117">
@@ -17031,8 +17037,8 @@
           </a:p>
         </p:txBody>
       </p:sp>
-      <mc:AlternateContent xmlns:mc="http://schemas.openxmlformats.org/markup-compatibility/2006">
-        <mc:Choice xmlns:a14="http://schemas.microsoft.com/office/drawing/2010/main" Requires="a14">
+      <mc:AlternateContent xmlns:mc="http://schemas.openxmlformats.org/markup-compatibility/2006" xmlns:a14="http://schemas.microsoft.com/office/drawing/2010/main">
+        <mc:Choice Requires="a14">
           <p:sp>
             <p:nvSpPr>
               <p:cNvPr id="120" name="テキスト ボックス 119">
@@ -17170,7 +17176,7 @@
             </p:txBody>
           </p:sp>
         </mc:Choice>
-        <mc:Fallback>
+        <mc:Fallback xmlns="">
           <p:sp>
             <p:nvSpPr>
               <p:cNvPr id="120" name="テキスト ボックス 119">
@@ -17215,8 +17221,8 @@
           </p:sp>
         </mc:Fallback>
       </mc:AlternateContent>
-      <mc:AlternateContent xmlns:mc="http://schemas.openxmlformats.org/markup-compatibility/2006">
-        <mc:Choice xmlns:a14="http://schemas.microsoft.com/office/drawing/2010/main" Requires="a14">
+      <mc:AlternateContent xmlns:mc="http://schemas.openxmlformats.org/markup-compatibility/2006" xmlns:a14="http://schemas.microsoft.com/office/drawing/2010/main">
+        <mc:Choice Requires="a14">
           <p:sp>
             <p:nvSpPr>
               <p:cNvPr id="122" name="正方形/長方形 121">
@@ -17244,6 +17250,7 @@
               </a:bodyPr>
               <a:lstStyle/>
               <a:p>
+                <a:pPr/>
                 <a14:m>
                   <m:oMathPara xmlns:m="http://schemas.openxmlformats.org/officeDocument/2006/math">
                     <m:oMathParaPr>
@@ -17326,7 +17333,7 @@
             </p:txBody>
           </p:sp>
         </mc:Choice>
-        <mc:Fallback>
+        <mc:Fallback xmlns="">
           <p:sp>
             <p:nvSpPr>
               <p:cNvPr id="122" name="正方形/長方形 121">
@@ -18143,8 +18150,8 @@
           </a:p>
         </p:txBody>
       </p:sp>
-      <mc:AlternateContent xmlns:mc="http://schemas.openxmlformats.org/markup-compatibility/2006">
-        <mc:Choice xmlns:a14="http://schemas.microsoft.com/office/drawing/2010/main" Requires="a14">
+      <mc:AlternateContent xmlns:mc="http://schemas.openxmlformats.org/markup-compatibility/2006" xmlns:a14="http://schemas.microsoft.com/office/drawing/2010/main">
+        <mc:Choice Requires="a14">
           <p:sp>
             <p:nvSpPr>
               <p:cNvPr id="16" name="正方形/長方形 15">
@@ -18172,6 +18179,7 @@
               </a:bodyPr>
               <a:lstStyle/>
               <a:p>
+                <a:pPr/>
                 <a14:m>
                   <m:oMathPara xmlns:m="http://schemas.openxmlformats.org/officeDocument/2006/math">
                     <m:oMathParaPr>
@@ -18211,7 +18219,7 @@
             </p:txBody>
           </p:sp>
         </mc:Choice>
-        <mc:Fallback>
+        <mc:Fallback xmlns="">
           <p:sp>
             <p:nvSpPr>
               <p:cNvPr id="16" name="正方形/長方形 15">
@@ -18256,8 +18264,8 @@
           </p:sp>
         </mc:Fallback>
       </mc:AlternateContent>
-      <mc:AlternateContent xmlns:mc="http://schemas.openxmlformats.org/markup-compatibility/2006">
-        <mc:Choice xmlns:a14="http://schemas.microsoft.com/office/drawing/2010/main" Requires="a14">
+      <mc:AlternateContent xmlns:mc="http://schemas.openxmlformats.org/markup-compatibility/2006" xmlns:a14="http://schemas.microsoft.com/office/drawing/2010/main">
+        <mc:Choice Requires="a14">
           <p:sp>
             <p:nvSpPr>
               <p:cNvPr id="17" name="正方形/長方形 16">
@@ -18285,6 +18293,7 @@
               </a:bodyPr>
               <a:lstStyle/>
               <a:p>
+                <a:pPr/>
                 <a14:m>
                   <m:oMathPara xmlns:m="http://schemas.openxmlformats.org/officeDocument/2006/math">
                     <m:oMathParaPr>
@@ -18324,7 +18333,7 @@
             </p:txBody>
           </p:sp>
         </mc:Choice>
-        <mc:Fallback>
+        <mc:Fallback xmlns="">
           <p:sp>
             <p:nvSpPr>
               <p:cNvPr id="17" name="正方形/長方形 16">
@@ -18919,8 +18928,8 @@
           </a:p>
         </p:txBody>
       </p:sp>
-      <mc:AlternateContent xmlns:mc="http://schemas.openxmlformats.org/markup-compatibility/2006">
-        <mc:Choice xmlns:a14="http://schemas.microsoft.com/office/drawing/2010/main" Requires="a14">
+      <mc:AlternateContent xmlns:mc="http://schemas.openxmlformats.org/markup-compatibility/2006" xmlns:a14="http://schemas.microsoft.com/office/drawing/2010/main">
+        <mc:Choice Requires="a14">
           <p:sp>
             <p:nvSpPr>
               <p:cNvPr id="27" name="正方形/長方形 26">
@@ -18948,6 +18957,7 @@
               </a:bodyPr>
               <a:lstStyle/>
               <a:p>
+                <a:pPr/>
                 <a14:m>
                   <m:oMathPara xmlns:m="http://schemas.openxmlformats.org/officeDocument/2006/math">
                     <m:oMathParaPr>
@@ -19028,7 +19038,7 @@
             </p:txBody>
           </p:sp>
         </mc:Choice>
-        <mc:Fallback>
+        <mc:Fallback xmlns="">
           <p:sp>
             <p:nvSpPr>
               <p:cNvPr id="27" name="正方形/長方形 26">
@@ -19153,8 +19163,8 @@
           </a:p>
         </p:txBody>
       </p:sp>
-      <mc:AlternateContent xmlns:mc="http://schemas.openxmlformats.org/markup-compatibility/2006">
-        <mc:Choice xmlns:a14="http://schemas.microsoft.com/office/drawing/2010/main" Requires="a14">
+      <mc:AlternateContent xmlns:mc="http://schemas.openxmlformats.org/markup-compatibility/2006" xmlns:a14="http://schemas.microsoft.com/office/drawing/2010/main">
+        <mc:Choice Requires="a14">
           <p:sp>
             <p:nvSpPr>
               <p:cNvPr id="29" name="正方形/長方形 28">
@@ -19182,6 +19192,7 @@
               </a:bodyPr>
               <a:lstStyle/>
               <a:p>
+                <a:pPr/>
                 <a14:m>
                   <m:oMathPara xmlns:m="http://schemas.openxmlformats.org/officeDocument/2006/math">
                     <m:oMathParaPr>
@@ -19262,7 +19273,7 @@
             </p:txBody>
           </p:sp>
         </mc:Choice>
-        <mc:Fallback>
+        <mc:Fallback xmlns="">
           <p:sp>
             <p:nvSpPr>
               <p:cNvPr id="29" name="正方形/長方形 28">
@@ -19810,8 +19821,8 @@
           </a:p>
         </p:txBody>
       </p:sp>
-      <mc:AlternateContent xmlns:mc="http://schemas.openxmlformats.org/markup-compatibility/2006">
-        <mc:Choice xmlns:a14="http://schemas.microsoft.com/office/drawing/2010/main" Requires="a14">
+      <mc:AlternateContent xmlns:mc="http://schemas.openxmlformats.org/markup-compatibility/2006" xmlns:a14="http://schemas.microsoft.com/office/drawing/2010/main">
+        <mc:Choice Requires="a14">
           <p:sp>
             <p:nvSpPr>
               <p:cNvPr id="38" name="正方形/長方形 37">
@@ -19839,6 +19850,7 @@
               </a:bodyPr>
               <a:lstStyle/>
               <a:p>
+                <a:pPr/>
                 <a14:m>
                   <m:oMathPara xmlns:m="http://schemas.openxmlformats.org/officeDocument/2006/math">
                     <m:oMathParaPr>
@@ -19919,7 +19931,7 @@
             </p:txBody>
           </p:sp>
         </mc:Choice>
-        <mc:Fallback>
+        <mc:Fallback xmlns="">
           <p:sp>
             <p:nvSpPr>
               <p:cNvPr id="38" name="正方形/長方形 37">
@@ -20044,8 +20056,8 @@
           </a:p>
         </p:txBody>
       </p:sp>
-      <mc:AlternateContent xmlns:mc="http://schemas.openxmlformats.org/markup-compatibility/2006">
-        <mc:Choice xmlns:a14="http://schemas.microsoft.com/office/drawing/2010/main" Requires="a14">
+      <mc:AlternateContent xmlns:mc="http://schemas.openxmlformats.org/markup-compatibility/2006" xmlns:a14="http://schemas.microsoft.com/office/drawing/2010/main">
+        <mc:Choice Requires="a14">
           <p:sp>
             <p:nvSpPr>
               <p:cNvPr id="40" name="正方形/長方形 39">
@@ -20073,6 +20085,7 @@
               </a:bodyPr>
               <a:lstStyle/>
               <a:p>
+                <a:pPr/>
                 <a14:m>
                   <m:oMathPara xmlns:m="http://schemas.openxmlformats.org/officeDocument/2006/math">
                     <m:oMathParaPr>
@@ -20114,7 +20127,7 @@
             </p:txBody>
           </p:sp>
         </mc:Choice>
-        <mc:Fallback>
+        <mc:Fallback xmlns="">
           <p:sp>
             <p:nvSpPr>
               <p:cNvPr id="40" name="正方形/長方形 39">
@@ -20239,8 +20252,8 @@
           </a:p>
         </p:txBody>
       </p:sp>
-      <mc:AlternateContent xmlns:mc="http://schemas.openxmlformats.org/markup-compatibility/2006">
-        <mc:Choice xmlns:a14="http://schemas.microsoft.com/office/drawing/2010/main" Requires="a14">
+      <mc:AlternateContent xmlns:mc="http://schemas.openxmlformats.org/markup-compatibility/2006" xmlns:a14="http://schemas.microsoft.com/office/drawing/2010/main">
+        <mc:Choice Requires="a14">
           <p:sp>
             <p:nvSpPr>
               <p:cNvPr id="42" name="テキスト ボックス 41">
@@ -20560,7 +20573,7 @@
             </p:txBody>
           </p:sp>
         </mc:Choice>
-        <mc:Fallback>
+        <mc:Fallback xmlns="">
           <p:sp>
             <p:nvSpPr>
               <p:cNvPr id="42" name="テキスト ボックス 41">
@@ -20692,8 +20705,8 @@
           </a:p>
         </p:txBody>
       </p:sp>
-      <mc:AlternateContent xmlns:mc="http://schemas.openxmlformats.org/markup-compatibility/2006">
-        <mc:Choice xmlns:a14="http://schemas.microsoft.com/office/drawing/2010/main" Requires="a14">
+      <mc:AlternateContent xmlns:mc="http://schemas.openxmlformats.org/markup-compatibility/2006" xmlns:a14="http://schemas.microsoft.com/office/drawing/2010/main">
+        <mc:Choice Requires="a14">
           <p:sp>
             <p:nvSpPr>
               <p:cNvPr id="44" name="正方形/長方形 43">
@@ -20721,6 +20734,7 @@
               </a:bodyPr>
               <a:lstStyle/>
               <a:p>
+                <a:pPr/>
                 <a14:m>
                   <m:oMathPara xmlns:m="http://schemas.openxmlformats.org/officeDocument/2006/math">
                     <m:oMathParaPr>
@@ -20803,7 +20817,7 @@
             </p:txBody>
           </p:sp>
         </mc:Choice>
-        <mc:Fallback>
+        <mc:Fallback xmlns="">
           <p:sp>
             <p:nvSpPr>
               <p:cNvPr id="44" name="正方形/長方形 43">
@@ -20935,8 +20949,8 @@
           </a:p>
         </p:txBody>
       </p:sp>
-      <mc:AlternateContent xmlns:mc="http://schemas.openxmlformats.org/markup-compatibility/2006">
-        <mc:Choice xmlns:a14="http://schemas.microsoft.com/office/drawing/2010/main" Requires="a14">
+      <mc:AlternateContent xmlns:mc="http://schemas.openxmlformats.org/markup-compatibility/2006" xmlns:a14="http://schemas.microsoft.com/office/drawing/2010/main">
+        <mc:Choice Requires="a14">
           <p:sp>
             <p:nvSpPr>
               <p:cNvPr id="46" name="正方形/長方形 45">
@@ -21047,7 +21061,7 @@
             </p:txBody>
           </p:sp>
         </mc:Choice>
-        <mc:Fallback>
+        <mc:Fallback xmlns="">
           <p:sp>
             <p:nvSpPr>
               <p:cNvPr id="46" name="正方形/長方形 45">

--- a/モデル提出用/モデル.pptx
+++ b/モデル提出用/モデル.pptx
@@ -6,15 +6,16 @@
     <p:sldMasterId id="2147483652" r:id="rId3"/>
   </p:sldMasterIdLst>
   <p:notesMasterIdLst>
-    <p:notesMasterId r:id="rId7"/>
+    <p:notesMasterId r:id="rId8"/>
   </p:notesMasterIdLst>
   <p:handoutMasterIdLst>
-    <p:handoutMasterId r:id="rId8"/>
+    <p:handoutMasterId r:id="rId9"/>
   </p:handoutMasterIdLst>
   <p:sldIdLst>
     <p:sldId id="257" r:id="rId4"/>
     <p:sldId id="259" r:id="rId5"/>
     <p:sldId id="260" r:id="rId6"/>
+    <p:sldId id="261" r:id="rId7"/>
   </p:sldIdLst>
   <p:sldSz cx="15119350" cy="10691813"/>
   <p:notesSz cx="7285038" cy="10418763"/>
@@ -7395,8 +7396,8 @@
         </p:nvGrpSpPr>
         <p:grpSpPr>
           <a:xfrm>
-            <a:off x="142851" y="3041436"/>
-            <a:ext cx="5832648" cy="4752742"/>
+            <a:off x="365049" y="2969642"/>
+            <a:ext cx="7554665" cy="5688632"/>
             <a:chOff x="125860" y="3144416"/>
             <a:chExt cx="5328592" cy="4342011"/>
           </a:xfrm>
@@ -8026,8 +8027,8 @@
         </p:blipFill>
         <p:spPr>
           <a:xfrm>
-            <a:off x="6119515" y="2969642"/>
-            <a:ext cx="3632426" cy="4489971"/>
+            <a:off x="8351763" y="2858815"/>
+            <a:ext cx="4680520" cy="5785500"/>
           </a:xfrm>
           <a:prstGeom prst="rect">
             <a:avLst/>
@@ -8135,7 +8136,7 @@
         </p:nvSpPr>
         <p:spPr>
           <a:xfrm>
-            <a:off x="3457053" y="2243734"/>
+            <a:off x="3427803" y="2040370"/>
             <a:ext cx="9286135" cy="584775"/>
           </a:xfrm>
           <a:prstGeom prst="rect">
@@ -8160,9 +8161,41 @@
             <a:pPr algn="l"/>
             <a:r>
               <a:rPr kumimoji="1" lang="ja-JP" altLang="en-US" sz="1600" dirty="0"/>
-              <a:t>暴走などでコースを逸脱したことを想定し、復帰する制御も持つようにしました。</a:t>
+              <a:t>暴走などでコースを逸脱したことを想定し、復帰する制御を盛り込みました。</a:t>
             </a:r>
             <a:endParaRPr kumimoji="1" lang="en-US" altLang="ja-JP" sz="1600" dirty="0"/>
+          </a:p>
+        </p:txBody>
+      </p:sp>
+      <p:sp>
+        <p:nvSpPr>
+          <p:cNvPr id="3" name="タイトル 2">
+            <a:extLst>
+              <a:ext uri="{FF2B5EF4-FFF2-40B4-BE49-F238E27FC236}">
+                <a16:creationId xmlns:a16="http://schemas.microsoft.com/office/drawing/2014/main" id="{AF4AE8F4-ADF3-4D69-8859-88EFEC80EC74}"/>
+              </a:ext>
+            </a:extLst>
+          </p:cNvPr>
+          <p:cNvSpPr>
+            <a:spLocks noGrp="1"/>
+          </p:cNvSpPr>
+          <p:nvPr>
+            <p:ph type="title"/>
+          </p:nvPr>
+        </p:nvSpPr>
+        <p:spPr/>
+        <p:txBody>
+          <a:bodyPr/>
+          <a:lstStyle/>
+          <a:p>
+            <a:r>
+              <a:rPr kumimoji="1" lang="en-US" altLang="ja-JP" dirty="0"/>
+              <a:t>1. </a:t>
+            </a:r>
+            <a:r>
+              <a:rPr kumimoji="1" lang="ja-JP" altLang="en-US" dirty="0"/>
+              <a:t>要求分析</a:t>
+            </a:r>
           </a:p>
         </p:txBody>
       </p:sp>
@@ -8476,6 +8509,10 @@
           <a:bodyPr/>
           <a:lstStyle/>
           <a:p>
+            <a:r>
+              <a:rPr kumimoji="1" lang="en-US" altLang="ja-JP" dirty="0"/>
+              <a:t>2. </a:t>
+            </a:r>
             <a:r>
               <a:rPr kumimoji="1" lang="ja-JP" altLang="en-US" dirty="0"/>
               <a:t>復帰制御の概要</a:t>
@@ -17413,7 +17450,7 @@
           <p:cNvPr id="2" name="タイトル 1">
             <a:extLst>
               <a:ext uri="{FF2B5EF4-FFF2-40B4-BE49-F238E27FC236}">
-                <a16:creationId xmlns:a16="http://schemas.microsoft.com/office/drawing/2014/main" id="{E22DDFFA-5AEF-4E1B-8777-B61AADBE0176}"/>
+                <a16:creationId xmlns:a16="http://schemas.microsoft.com/office/drawing/2014/main" id="{00985285-FEFA-4CC6-9C7D-D07529FB9C08}"/>
               </a:ext>
             </a:extLst>
           </p:cNvPr>
@@ -17430,18 +17467,22 @@
           <a:lstStyle/>
           <a:p>
             <a:r>
+              <a:rPr kumimoji="1" lang="en-US" altLang="ja-JP" dirty="0"/>
+              <a:t>3. </a:t>
+            </a:r>
+            <a:r>
               <a:rPr kumimoji="1" lang="ja-JP" altLang="en-US" dirty="0"/>
-              <a:t>部品庫</a:t>
+              <a:t>機能実現</a:t>
             </a:r>
           </a:p>
         </p:txBody>
       </p:sp>
       <p:pic>
         <p:nvPicPr>
-          <p:cNvPr id="4" name="図 3">
+          <p:cNvPr id="5" name="図 4">
             <a:extLst>
               <a:ext uri="{FF2B5EF4-FFF2-40B4-BE49-F238E27FC236}">
-                <a16:creationId xmlns:a16="http://schemas.microsoft.com/office/drawing/2014/main" id="{358454E3-3EA1-47DC-B080-B3772B754CF5}"/>
+                <a16:creationId xmlns:a16="http://schemas.microsoft.com/office/drawing/2014/main" id="{ED4E47EA-F070-470B-B67E-DCC075665A33}"/>
               </a:ext>
             </a:extLst>
           </p:cNvPr>
@@ -17450,940 +17491,34 @@
           </p:cNvPicPr>
           <p:nvPr/>
         </p:nvPicPr>
-        <p:blipFill rotWithShape="1">
-          <a:blip r:embed="rId2" cstate="print">
+        <p:blipFill>
+          <a:blip r:embed="rId2">
             <a:extLst>
               <a:ext uri="{28A0092B-C50C-407E-A947-70E740481C1C}">
                 <a14:useLocalDpi xmlns:a14="http://schemas.microsoft.com/office/drawing/2010/main" val="0"/>
               </a:ext>
             </a:extLst>
           </a:blip>
-          <a:srcRect r="17435"/>
-          <a:stretch/>
+          <a:stretch>
+            <a:fillRect/>
+          </a:stretch>
         </p:blipFill>
         <p:spPr>
-          <a:xfrm rot="10800000">
-            <a:off x="379695" y="1425576"/>
-            <a:ext cx="3709157" cy="2350183"/>
+          <a:xfrm>
+            <a:off x="142851" y="1745506"/>
+            <a:ext cx="6273417" cy="8761263"/>
           </a:xfrm>
           <a:prstGeom prst="rect">
             <a:avLst/>
           </a:prstGeom>
-          <a:ln w="38100" cap="sq">
-            <a:solidFill>
-              <a:schemeClr val="accent1"/>
-            </a:solidFill>
-            <a:prstDash val="solid"/>
-            <a:miter lim="800000"/>
-          </a:ln>
-          <a:effectLst>
-            <a:outerShdw blurRad="50800" dist="38100" dir="2700000" algn="tl" rotWithShape="0">
-              <a:srgbClr val="000000">
-                <a:alpha val="43000"/>
-              </a:srgbClr>
-            </a:outerShdw>
-          </a:effectLst>
         </p:spPr>
       </p:pic>
-      <p:cxnSp>
-        <p:nvCxnSpPr>
-          <p:cNvPr id="5" name="直線矢印コネクタ 4">
+      <p:pic>
+        <p:nvPicPr>
+          <p:cNvPr id="7" name="図 6">
             <a:extLst>
               <a:ext uri="{FF2B5EF4-FFF2-40B4-BE49-F238E27FC236}">
-                <a16:creationId xmlns:a16="http://schemas.microsoft.com/office/drawing/2014/main" id="{7B0CEBE7-8D83-4300-8EAA-CD30E19B62AE}"/>
-              </a:ext>
-            </a:extLst>
-          </p:cNvPr>
-          <p:cNvCxnSpPr>
-            <a:cxnSpLocks/>
-          </p:cNvCxnSpPr>
-          <p:nvPr/>
-        </p:nvCxnSpPr>
-        <p:spPr bwMode="auto">
-          <a:xfrm flipH="1">
-            <a:off x="680436" y="2237444"/>
-            <a:ext cx="434938" cy="241604"/>
-          </a:xfrm>
-          <a:prstGeom prst="straightConnector1">
-            <a:avLst/>
-          </a:prstGeom>
-          <a:solidFill>
-            <a:schemeClr val="accent1"/>
-          </a:solidFill>
-          <a:ln w="38100" cap="flat" cmpd="sng" algn="ctr">
-            <a:solidFill>
-              <a:srgbClr val="0070C0"/>
-            </a:solidFill>
-            <a:prstDash val="solid"/>
-            <a:round/>
-            <a:headEnd type="none" w="med" len="med"/>
-            <a:tailEnd type="triangle"/>
-          </a:ln>
-          <a:effectLst/>
-          <a:extLst>
-            <a:ext uri="{AF507438-7753-43E0-B8FC-AC1667EBCBE1}">
-              <a14:hiddenEffects xmlns:a14="http://schemas.microsoft.com/office/drawing/2010/main">
-                <a:effectLst>
-                  <a:outerShdw dist="35921" dir="2700000" algn="ctr" rotWithShape="0">
-                    <a:schemeClr val="bg2"/>
-                  </a:outerShdw>
-                </a:effectLst>
-              </a14:hiddenEffects>
-            </a:ext>
-          </a:extLst>
-        </p:spPr>
-      </p:cxnSp>
-      <p:cxnSp>
-        <p:nvCxnSpPr>
-          <p:cNvPr id="6" name="直線矢印コネクタ 5">
-            <a:extLst>
-              <a:ext uri="{FF2B5EF4-FFF2-40B4-BE49-F238E27FC236}">
-                <a16:creationId xmlns:a16="http://schemas.microsoft.com/office/drawing/2014/main" id="{667909DA-77CF-4A39-AC1C-10B064CD2BA5}"/>
-              </a:ext>
-            </a:extLst>
-          </p:cNvPr>
-          <p:cNvCxnSpPr>
-            <a:cxnSpLocks/>
-          </p:cNvCxnSpPr>
-          <p:nvPr/>
-        </p:nvCxnSpPr>
-        <p:spPr bwMode="auto">
-          <a:xfrm flipH="1">
-            <a:off x="1400516" y="3362487"/>
-            <a:ext cx="168889" cy="369654"/>
-          </a:xfrm>
-          <a:prstGeom prst="straightConnector1">
-            <a:avLst/>
-          </a:prstGeom>
-          <a:solidFill>
-            <a:schemeClr val="accent1"/>
-          </a:solidFill>
-          <a:ln w="38100" cap="flat" cmpd="sng" algn="ctr">
-            <a:solidFill>
-              <a:srgbClr val="FF0000"/>
-            </a:solidFill>
-            <a:prstDash val="solid"/>
-            <a:round/>
-            <a:headEnd type="none" w="med" len="med"/>
-            <a:tailEnd type="triangle"/>
-          </a:ln>
-          <a:effectLst/>
-          <a:extLst>
-            <a:ext uri="{AF507438-7753-43E0-B8FC-AC1667EBCBE1}">
-              <a14:hiddenEffects xmlns:a14="http://schemas.microsoft.com/office/drawing/2010/main">
-                <a:effectLst>
-                  <a:outerShdw dist="35921" dir="2700000" algn="ctr" rotWithShape="0">
-                    <a:schemeClr val="bg2"/>
-                  </a:outerShdw>
-                </a:effectLst>
-              </a14:hiddenEffects>
-            </a:ext>
-          </a:extLst>
-        </p:spPr>
-      </p:cxnSp>
-      <p:cxnSp>
-        <p:nvCxnSpPr>
-          <p:cNvPr id="7" name="直線コネクタ 6">
-            <a:extLst>
-              <a:ext uri="{FF2B5EF4-FFF2-40B4-BE49-F238E27FC236}">
-                <a16:creationId xmlns:a16="http://schemas.microsoft.com/office/drawing/2014/main" id="{CB577B9C-4986-486A-B7C6-DB697AC52E0D}"/>
-              </a:ext>
-            </a:extLst>
-          </p:cNvPr>
-          <p:cNvCxnSpPr>
-            <a:cxnSpLocks/>
-          </p:cNvCxnSpPr>
-          <p:nvPr/>
-        </p:nvCxnSpPr>
-        <p:spPr bwMode="auto">
-          <a:xfrm>
-            <a:off x="1569405" y="2992823"/>
-            <a:ext cx="0" cy="720000"/>
-          </a:xfrm>
-          <a:prstGeom prst="line">
-            <a:avLst/>
-          </a:prstGeom>
-          <a:ln>
-            <a:headEnd type="none" w="med" len="med"/>
-            <a:tailEnd type="none" w="med" len="med"/>
-          </a:ln>
-          <a:extLst>
-            <a:ext uri="{AF507438-7753-43E0-B8FC-AC1667EBCBE1}">
-              <a14:hiddenEffects xmlns:a14="http://schemas.microsoft.com/office/drawing/2010/main">
-                <a:effectLst>
-                  <a:outerShdw dist="35921" dir="2700000" algn="ctr" rotWithShape="0">
-                    <a:schemeClr val="bg2"/>
-                  </a:outerShdw>
-                </a:effectLst>
-              </a14:hiddenEffects>
-            </a:ext>
-          </a:extLst>
-        </p:spPr>
-        <p:style>
-          <a:lnRef idx="1">
-            <a:schemeClr val="accent1"/>
-          </a:lnRef>
-          <a:fillRef idx="0">
-            <a:schemeClr val="accent1"/>
-          </a:fillRef>
-          <a:effectRef idx="0">
-            <a:schemeClr val="accent1"/>
-          </a:effectRef>
-          <a:fontRef idx="minor">
-            <a:schemeClr val="tx1"/>
-          </a:fontRef>
-        </p:style>
-      </p:cxnSp>
-      <p:cxnSp>
-        <p:nvCxnSpPr>
-          <p:cNvPr id="8" name="直線コネクタ 7">
-            <a:extLst>
-              <a:ext uri="{FF2B5EF4-FFF2-40B4-BE49-F238E27FC236}">
-                <a16:creationId xmlns:a16="http://schemas.microsoft.com/office/drawing/2014/main" id="{91631344-EACC-4DDD-8C54-6DB4031CCA2D}"/>
-              </a:ext>
-            </a:extLst>
-          </p:cNvPr>
-          <p:cNvCxnSpPr>
-            <a:cxnSpLocks/>
-          </p:cNvCxnSpPr>
-          <p:nvPr/>
-        </p:nvCxnSpPr>
-        <p:spPr bwMode="auto">
-          <a:xfrm>
-            <a:off x="1209405" y="3347233"/>
-            <a:ext cx="720000" cy="0"/>
-          </a:xfrm>
-          <a:prstGeom prst="line">
-            <a:avLst/>
-          </a:prstGeom>
-          <a:ln>
-            <a:headEnd type="none" w="med" len="med"/>
-            <a:tailEnd type="none" w="med" len="med"/>
-          </a:ln>
-          <a:extLst>
-            <a:ext uri="{AF507438-7753-43E0-B8FC-AC1667EBCBE1}">
-              <a14:hiddenEffects xmlns:a14="http://schemas.microsoft.com/office/drawing/2010/main">
-                <a:effectLst>
-                  <a:outerShdw dist="35921" dir="2700000" algn="ctr" rotWithShape="0">
-                    <a:schemeClr val="bg2"/>
-                  </a:outerShdw>
-                </a:effectLst>
-              </a14:hiddenEffects>
-            </a:ext>
-          </a:extLst>
-        </p:spPr>
-        <p:style>
-          <a:lnRef idx="1">
-            <a:schemeClr val="accent1"/>
-          </a:lnRef>
-          <a:fillRef idx="0">
-            <a:schemeClr val="accent1"/>
-          </a:fillRef>
-          <a:effectRef idx="0">
-            <a:schemeClr val="accent1"/>
-          </a:effectRef>
-          <a:fontRef idx="minor">
-            <a:schemeClr val="tx1"/>
-          </a:fontRef>
-        </p:style>
-      </p:cxnSp>
-      <p:grpSp>
-        <p:nvGrpSpPr>
-          <p:cNvPr id="9" name="グループ化 8">
-            <a:extLst>
-              <a:ext uri="{FF2B5EF4-FFF2-40B4-BE49-F238E27FC236}">
-                <a16:creationId xmlns:a16="http://schemas.microsoft.com/office/drawing/2014/main" id="{18EA16C6-2D9C-42F4-882D-4D4475CAC4BA}"/>
-              </a:ext>
-            </a:extLst>
-          </p:cNvPr>
-          <p:cNvGrpSpPr/>
-          <p:nvPr/>
-        </p:nvGrpSpPr>
-        <p:grpSpPr>
-          <a:xfrm>
-            <a:off x="751830" y="1880667"/>
-            <a:ext cx="720000" cy="720000"/>
-            <a:chOff x="11447493" y="3350416"/>
-            <a:chExt cx="720000" cy="720000"/>
-          </a:xfrm>
-        </p:grpSpPr>
-        <p:cxnSp>
-          <p:nvCxnSpPr>
-            <p:cNvPr id="10" name="直線コネクタ 9">
-              <a:extLst>
-                <a:ext uri="{FF2B5EF4-FFF2-40B4-BE49-F238E27FC236}">
-                  <a16:creationId xmlns:a16="http://schemas.microsoft.com/office/drawing/2014/main" id="{5A68F19D-565D-4565-93F5-8ABC4352874B}"/>
-                </a:ext>
-              </a:extLst>
-            </p:cNvPr>
-            <p:cNvCxnSpPr>
-              <a:cxnSpLocks/>
-            </p:cNvCxnSpPr>
-            <p:nvPr/>
-          </p:nvCxnSpPr>
-          <p:spPr bwMode="auto">
-            <a:xfrm>
-              <a:off x="11807493" y="3350416"/>
-              <a:ext cx="0" cy="720000"/>
-            </a:xfrm>
-            <a:prstGeom prst="line">
-              <a:avLst/>
-            </a:prstGeom>
-            <a:ln>
-              <a:headEnd type="none" w="med" len="med"/>
-              <a:tailEnd type="none" w="med" len="med"/>
-            </a:ln>
-            <a:extLst>
-              <a:ext uri="{AF507438-7753-43E0-B8FC-AC1667EBCBE1}">
-                <a14:hiddenEffects xmlns:a14="http://schemas.microsoft.com/office/drawing/2010/main">
-                  <a:effectLst>
-                    <a:outerShdw dist="35921" dir="2700000" algn="ctr" rotWithShape="0">
-                      <a:schemeClr val="bg2"/>
-                    </a:outerShdw>
-                  </a:effectLst>
-                </a14:hiddenEffects>
-              </a:ext>
-            </a:extLst>
-          </p:spPr>
-          <p:style>
-            <a:lnRef idx="1">
-              <a:schemeClr val="accent1"/>
-            </a:lnRef>
-            <a:fillRef idx="0">
-              <a:schemeClr val="accent1"/>
-            </a:fillRef>
-            <a:effectRef idx="0">
-              <a:schemeClr val="accent1"/>
-            </a:effectRef>
-            <a:fontRef idx="minor">
-              <a:schemeClr val="tx1"/>
-            </a:fontRef>
-          </p:style>
-        </p:cxnSp>
-        <p:cxnSp>
-          <p:nvCxnSpPr>
-            <p:cNvPr id="11" name="直線コネクタ 10">
-              <a:extLst>
-                <a:ext uri="{FF2B5EF4-FFF2-40B4-BE49-F238E27FC236}">
-                  <a16:creationId xmlns:a16="http://schemas.microsoft.com/office/drawing/2014/main" id="{3059563E-1728-46C4-9B09-1F20AF846D74}"/>
-                </a:ext>
-              </a:extLst>
-            </p:cNvPr>
-            <p:cNvCxnSpPr>
-              <a:cxnSpLocks/>
-            </p:cNvCxnSpPr>
-            <p:nvPr/>
-          </p:nvCxnSpPr>
-          <p:spPr bwMode="auto">
-            <a:xfrm>
-              <a:off x="11447493" y="3704826"/>
-              <a:ext cx="720000" cy="0"/>
-            </a:xfrm>
-            <a:prstGeom prst="line">
-              <a:avLst/>
-            </a:prstGeom>
-            <a:ln>
-              <a:headEnd type="none" w="med" len="med"/>
-              <a:tailEnd type="none" w="med" len="med"/>
-            </a:ln>
-            <a:extLst>
-              <a:ext uri="{AF507438-7753-43E0-B8FC-AC1667EBCBE1}">
-                <a14:hiddenEffects xmlns:a14="http://schemas.microsoft.com/office/drawing/2010/main">
-                  <a:effectLst>
-                    <a:outerShdw dist="35921" dir="2700000" algn="ctr" rotWithShape="0">
-                      <a:schemeClr val="bg2"/>
-                    </a:outerShdw>
-                  </a:effectLst>
-                </a14:hiddenEffects>
-              </a:ext>
-            </a:extLst>
-          </p:spPr>
-          <p:style>
-            <a:lnRef idx="1">
-              <a:schemeClr val="accent1"/>
-            </a:lnRef>
-            <a:fillRef idx="0">
-              <a:schemeClr val="accent1"/>
-            </a:fillRef>
-            <a:effectRef idx="0">
-              <a:schemeClr val="accent1"/>
-            </a:effectRef>
-            <a:fontRef idx="minor">
-              <a:schemeClr val="tx1"/>
-            </a:fontRef>
-          </p:style>
-        </p:cxnSp>
-        <p:sp>
-          <p:nvSpPr>
-            <p:cNvPr id="12" name="アーチ 11">
-              <a:extLst>
-                <a:ext uri="{FF2B5EF4-FFF2-40B4-BE49-F238E27FC236}">
-                  <a16:creationId xmlns:a16="http://schemas.microsoft.com/office/drawing/2014/main" id="{3550AA73-D448-4029-8239-D6D52B41D7FB}"/>
-                </a:ext>
-              </a:extLst>
-            </p:cNvPr>
-            <p:cNvSpPr/>
-            <p:nvPr/>
-          </p:nvSpPr>
-          <p:spPr bwMode="auto">
-            <a:xfrm rot="5400000">
-              <a:off x="11667021" y="3568153"/>
-              <a:ext cx="288000" cy="288000"/>
-            </a:xfrm>
-            <a:prstGeom prst="blockArc">
-              <a:avLst>
-                <a:gd name="adj1" fmla="val 10858890"/>
-                <a:gd name="adj2" fmla="val 1980472"/>
-                <a:gd name="adj3" fmla="val 11549"/>
-              </a:avLst>
-            </a:prstGeom>
-            <a:solidFill>
-              <a:schemeClr val="accent1"/>
-            </a:solidFill>
-            <a:ln w="9525" cap="flat" cmpd="sng" algn="ctr">
-              <a:solidFill>
-                <a:schemeClr val="tx1"/>
-              </a:solidFill>
-              <a:prstDash val="solid"/>
-              <a:round/>
-              <a:headEnd type="none" w="med" len="med"/>
-              <a:tailEnd type="none" w="med" len="med"/>
-            </a:ln>
-            <a:effectLst/>
-            <a:extLst>
-              <a:ext uri="{AF507438-7753-43E0-B8FC-AC1667EBCBE1}">
-                <a14:hiddenEffects xmlns:a14="http://schemas.microsoft.com/office/drawing/2010/main">
-                  <a:effectLst>
-                    <a:outerShdw dist="35921" dir="2700000" algn="ctr" rotWithShape="0">
-                      <a:schemeClr val="bg2"/>
-                    </a:outerShdw>
-                  </a:effectLst>
-                </a14:hiddenEffects>
-              </a:ext>
-            </a:extLst>
-          </p:spPr>
-          <p:txBody>
-            <a:bodyPr vert="horz" wrap="none" lIns="91440" tIns="45720" rIns="91440" bIns="45720" numCol="1" rtlCol="0" anchor="ctr" anchorCtr="0" compatLnSpc="1">
-              <a:prstTxWarp prst="textNoShape">
-                <a:avLst/>
-              </a:prstTxWarp>
-            </a:bodyPr>
-            <a:lstStyle/>
-            <a:p>
-              <a:pPr marL="0" marR="0" indent="0" algn="ctr" defTabSz="914400" rtl="0" eaLnBrk="1" fontAlgn="base" latinLnBrk="0" hangingPunct="1">
-                <a:lnSpc>
-                  <a:spcPct val="100000"/>
-                </a:lnSpc>
-                <a:spcBef>
-                  <a:spcPct val="0"/>
-                </a:spcBef>
-                <a:spcAft>
-                  <a:spcPct val="0"/>
-                </a:spcAft>
-                <a:buClrTx/>
-                <a:buSzTx/>
-                <a:buFontTx/>
-                <a:buNone/>
-                <a:tabLst/>
-              </a:pPr>
-              <a:endParaRPr kumimoji="0" lang="ja-JP" altLang="en-US" sz="1800" b="0" i="0" u="none" strike="noStrike" cap="none" normalizeH="0" baseline="0">
-                <a:ln>
-                  <a:noFill/>
-                </a:ln>
-                <a:solidFill>
-                  <a:schemeClr val="tx1"/>
-                </a:solidFill>
-                <a:effectLst/>
-                <a:latin typeface="Arial" charset="0"/>
-              </a:endParaRPr>
-            </a:p>
-          </p:txBody>
-        </p:sp>
-        <p:sp>
-          <p:nvSpPr>
-            <p:cNvPr id="13" name="二等辺三角形 12">
-              <a:extLst>
-                <a:ext uri="{FF2B5EF4-FFF2-40B4-BE49-F238E27FC236}">
-                  <a16:creationId xmlns:a16="http://schemas.microsoft.com/office/drawing/2014/main" id="{DC69EDA9-D05D-4B69-A4CD-6DE00F731638}"/>
-                </a:ext>
-              </a:extLst>
-            </p:cNvPr>
-            <p:cNvSpPr/>
-            <p:nvPr/>
-          </p:nvSpPr>
-          <p:spPr bwMode="auto">
-            <a:xfrm rot="18916130">
-              <a:off x="11679909" y="3773824"/>
-              <a:ext cx="84020" cy="53099"/>
-            </a:xfrm>
-            <a:prstGeom prst="triangle">
-              <a:avLst/>
-            </a:prstGeom>
-            <a:solidFill>
-              <a:schemeClr val="accent1"/>
-            </a:solidFill>
-            <a:ln w="9525" cap="flat" cmpd="sng" algn="ctr">
-              <a:solidFill>
-                <a:schemeClr val="tx1"/>
-              </a:solidFill>
-              <a:prstDash val="solid"/>
-              <a:round/>
-              <a:headEnd type="none" w="med" len="med"/>
-              <a:tailEnd type="none" w="med" len="med"/>
-            </a:ln>
-            <a:effectLst/>
-            <a:extLst>
-              <a:ext uri="{AF507438-7753-43E0-B8FC-AC1667EBCBE1}">
-                <a14:hiddenEffects xmlns:a14="http://schemas.microsoft.com/office/drawing/2010/main">
-                  <a:effectLst>
-                    <a:outerShdw dist="35921" dir="2700000" algn="ctr" rotWithShape="0">
-                      <a:schemeClr val="bg2"/>
-                    </a:outerShdw>
-                  </a:effectLst>
-                </a14:hiddenEffects>
-              </a:ext>
-            </a:extLst>
-          </p:spPr>
-          <p:txBody>
-            <a:bodyPr vert="horz" wrap="none" lIns="91440" tIns="45720" rIns="91440" bIns="45720" numCol="1" rtlCol="0" anchor="ctr" anchorCtr="0" compatLnSpc="1">
-              <a:prstTxWarp prst="textNoShape">
-                <a:avLst/>
-              </a:prstTxWarp>
-            </a:bodyPr>
-            <a:lstStyle/>
-            <a:p>
-              <a:pPr marL="0" marR="0" indent="0" algn="ctr" defTabSz="914400" rtl="0" eaLnBrk="1" fontAlgn="base" latinLnBrk="0" hangingPunct="1">
-                <a:lnSpc>
-                  <a:spcPct val="100000"/>
-                </a:lnSpc>
-                <a:spcBef>
-                  <a:spcPct val="0"/>
-                </a:spcBef>
-                <a:spcAft>
-                  <a:spcPct val="0"/>
-                </a:spcAft>
-                <a:buClrTx/>
-                <a:buSzTx/>
-                <a:buFontTx/>
-                <a:buNone/>
-                <a:tabLst/>
-              </a:pPr>
-              <a:endParaRPr kumimoji="0" lang="ja-JP" altLang="en-US" sz="1800" b="0" i="0" u="none" strike="noStrike" cap="none" normalizeH="0" baseline="0" dirty="0">
-                <a:ln>
-                  <a:noFill/>
-                </a:ln>
-                <a:solidFill>
-                  <a:schemeClr val="tx1"/>
-                </a:solidFill>
-                <a:effectLst/>
-                <a:latin typeface="Arial" charset="0"/>
-              </a:endParaRPr>
-            </a:p>
-          </p:txBody>
-        </p:sp>
-      </p:grpSp>
-      <p:sp>
-        <p:nvSpPr>
-          <p:cNvPr id="14" name="アーチ 13">
-            <a:extLst>
-              <a:ext uri="{FF2B5EF4-FFF2-40B4-BE49-F238E27FC236}">
-                <a16:creationId xmlns:a16="http://schemas.microsoft.com/office/drawing/2014/main" id="{FF45E9B8-D1D9-4637-8E6E-667DEA5D5C94}"/>
-              </a:ext>
-            </a:extLst>
-          </p:cNvPr>
-          <p:cNvSpPr/>
-          <p:nvPr/>
-        </p:nvSpPr>
-        <p:spPr bwMode="auto">
-          <a:xfrm rot="5400000">
-            <a:off x="1425406" y="3200101"/>
-            <a:ext cx="288000" cy="288000"/>
-          </a:xfrm>
-          <a:prstGeom prst="blockArc">
-            <a:avLst>
-              <a:gd name="adj1" fmla="val 10858890"/>
-              <a:gd name="adj2" fmla="val 21499653"/>
-              <a:gd name="adj3" fmla="val 12227"/>
-            </a:avLst>
-          </a:prstGeom>
-          <a:solidFill>
-            <a:schemeClr val="accent1"/>
-          </a:solidFill>
-          <a:ln w="9525" cap="flat" cmpd="sng" algn="ctr">
-            <a:solidFill>
-              <a:schemeClr val="tx1"/>
-            </a:solidFill>
-            <a:prstDash val="solid"/>
-            <a:round/>
-            <a:headEnd type="none" w="med" len="med"/>
-            <a:tailEnd type="none" w="med" len="med"/>
-          </a:ln>
-          <a:effectLst/>
-          <a:extLst>
-            <a:ext uri="{AF507438-7753-43E0-B8FC-AC1667EBCBE1}">
-              <a14:hiddenEffects xmlns:a14="http://schemas.microsoft.com/office/drawing/2010/main">
-                <a:effectLst>
-                  <a:outerShdw dist="35921" dir="2700000" algn="ctr" rotWithShape="0">
-                    <a:schemeClr val="bg2"/>
-                  </a:outerShdw>
-                </a:effectLst>
-              </a14:hiddenEffects>
-            </a:ext>
-          </a:extLst>
-        </p:spPr>
-        <p:txBody>
-          <a:bodyPr vert="horz" wrap="none" lIns="91440" tIns="45720" rIns="91440" bIns="45720" numCol="1" rtlCol="0" anchor="ctr" anchorCtr="0" compatLnSpc="1">
-            <a:prstTxWarp prst="textNoShape">
-              <a:avLst/>
-            </a:prstTxWarp>
-          </a:bodyPr>
-          <a:lstStyle/>
-          <a:p>
-            <a:pPr marL="0" marR="0" indent="0" algn="ctr" defTabSz="914400" rtl="0" eaLnBrk="1" fontAlgn="base" latinLnBrk="0" hangingPunct="1">
-              <a:lnSpc>
-                <a:spcPct val="100000"/>
-              </a:lnSpc>
-              <a:spcBef>
-                <a:spcPct val="0"/>
-              </a:spcBef>
-              <a:spcAft>
-                <a:spcPct val="0"/>
-              </a:spcAft>
-              <a:buClrTx/>
-              <a:buSzTx/>
-              <a:buFontTx/>
-              <a:buNone/>
-              <a:tabLst/>
-            </a:pPr>
-            <a:endParaRPr kumimoji="0" lang="ja-JP" altLang="en-US" sz="1800" b="0" i="0" u="none" strike="noStrike" cap="none" normalizeH="0" baseline="0">
-              <a:ln>
-                <a:noFill/>
-              </a:ln>
-              <a:solidFill>
-                <a:schemeClr val="tx1"/>
-              </a:solidFill>
-              <a:effectLst/>
-              <a:latin typeface="Arial" charset="0"/>
-            </a:endParaRPr>
-          </a:p>
-        </p:txBody>
-      </p:sp>
-      <p:sp>
-        <p:nvSpPr>
-          <p:cNvPr id="15" name="二等辺三角形 14">
-            <a:extLst>
-              <a:ext uri="{FF2B5EF4-FFF2-40B4-BE49-F238E27FC236}">
-                <a16:creationId xmlns:a16="http://schemas.microsoft.com/office/drawing/2014/main" id="{A26CE7AD-63FA-4FEF-8D16-10222B4B4332}"/>
-              </a:ext>
-            </a:extLst>
-          </p:cNvPr>
-          <p:cNvSpPr/>
-          <p:nvPr/>
-        </p:nvSpPr>
-        <p:spPr bwMode="auto">
-          <a:xfrm rot="16856986">
-            <a:off x="1527395" y="3437123"/>
-            <a:ext cx="84020" cy="53099"/>
-          </a:xfrm>
-          <a:prstGeom prst="triangle">
-            <a:avLst/>
-          </a:prstGeom>
-          <a:solidFill>
-            <a:schemeClr val="accent1"/>
-          </a:solidFill>
-          <a:ln w="9525" cap="flat" cmpd="sng" algn="ctr">
-            <a:solidFill>
-              <a:schemeClr val="tx1"/>
-            </a:solidFill>
-            <a:prstDash val="solid"/>
-            <a:round/>
-            <a:headEnd type="none" w="med" len="med"/>
-            <a:tailEnd type="none" w="med" len="med"/>
-          </a:ln>
-          <a:effectLst/>
-          <a:extLst>
-            <a:ext uri="{AF507438-7753-43E0-B8FC-AC1667EBCBE1}">
-              <a14:hiddenEffects xmlns:a14="http://schemas.microsoft.com/office/drawing/2010/main">
-                <a:effectLst>
-                  <a:outerShdw dist="35921" dir="2700000" algn="ctr" rotWithShape="0">
-                    <a:schemeClr val="bg2"/>
-                  </a:outerShdw>
-                </a:effectLst>
-              </a14:hiddenEffects>
-            </a:ext>
-          </a:extLst>
-        </p:spPr>
-        <p:txBody>
-          <a:bodyPr vert="horz" wrap="none" lIns="91440" tIns="45720" rIns="91440" bIns="45720" numCol="1" rtlCol="0" anchor="ctr" anchorCtr="0" compatLnSpc="1">
-            <a:prstTxWarp prst="textNoShape">
-              <a:avLst/>
-            </a:prstTxWarp>
-          </a:bodyPr>
-          <a:lstStyle/>
-          <a:p>
-            <a:pPr marL="0" marR="0" indent="0" algn="ctr" defTabSz="914400" rtl="0" eaLnBrk="1" fontAlgn="base" latinLnBrk="0" hangingPunct="1">
-              <a:lnSpc>
-                <a:spcPct val="100000"/>
-              </a:lnSpc>
-              <a:spcBef>
-                <a:spcPct val="0"/>
-              </a:spcBef>
-              <a:spcAft>
-                <a:spcPct val="0"/>
-              </a:spcAft>
-              <a:buClrTx/>
-              <a:buSzTx/>
-              <a:buFontTx/>
-              <a:buNone/>
-              <a:tabLst/>
-            </a:pPr>
-            <a:endParaRPr kumimoji="0" lang="ja-JP" altLang="en-US" sz="1800" b="0" i="0" u="none" strike="noStrike" cap="none" normalizeH="0" baseline="0" dirty="0">
-              <a:ln>
-                <a:noFill/>
-              </a:ln>
-              <a:solidFill>
-                <a:schemeClr val="tx1"/>
-              </a:solidFill>
-              <a:effectLst/>
-              <a:latin typeface="Arial" charset="0"/>
-            </a:endParaRPr>
-          </a:p>
-        </p:txBody>
-      </p:sp>
-      <mc:AlternateContent xmlns:mc="http://schemas.openxmlformats.org/markup-compatibility/2006" xmlns:a14="http://schemas.microsoft.com/office/drawing/2010/main">
-        <mc:Choice Requires="a14">
-          <p:sp>
-            <p:nvSpPr>
-              <p:cNvPr id="16" name="正方形/長方形 15">
-                <a:extLst>
-                  <a:ext uri="{FF2B5EF4-FFF2-40B4-BE49-F238E27FC236}">
-                    <a16:creationId xmlns:a16="http://schemas.microsoft.com/office/drawing/2014/main" id="{B1654384-BC98-4C1F-8F4F-9132620A4010}"/>
-                  </a:ext>
-                </a:extLst>
-              </p:cNvPr>
-              <p:cNvSpPr/>
-              <p:nvPr/>
-            </p:nvSpPr>
-            <p:spPr>
-              <a:xfrm>
-                <a:off x="1614133" y="3240789"/>
-                <a:ext cx="486543" cy="369332"/>
-              </a:xfrm>
-              <a:prstGeom prst="rect">
-                <a:avLst/>
-              </a:prstGeom>
-            </p:spPr>
-            <p:txBody>
-              <a:bodyPr wrap="none">
-                <a:spAutoFit/>
-              </a:bodyPr>
-              <a:lstStyle/>
-              <a:p>
-                <a:pPr/>
-                <a14:m>
-                  <m:oMathPara xmlns:m="http://schemas.openxmlformats.org/officeDocument/2006/math">
-                    <m:oMathParaPr>
-                      <m:jc m:val="centerGroup"/>
-                    </m:oMathParaPr>
-                    <m:oMath xmlns:m="http://schemas.openxmlformats.org/officeDocument/2006/math">
-                      <m:sSub>
-                        <m:sSubPr>
-                          <m:ctrlPr>
-                            <a:rPr kumimoji="1" lang="en-US" altLang="ja-JP" i="1" dirty="0">
-                              <a:latin typeface="Cambria Math" panose="02040503050406030204" pitchFamily="18" charset="0"/>
-                            </a:rPr>
-                          </m:ctrlPr>
-                        </m:sSubPr>
-                        <m:e>
-                          <m:r>
-                            <a:rPr kumimoji="1" lang="ja-JP" altLang="en-US" i="1" dirty="0">
-                              <a:latin typeface="Cambria Math" panose="02040503050406030204" pitchFamily="18" charset="0"/>
-                            </a:rPr>
-                            <m:t>𝜃</m:t>
-                          </m:r>
-                        </m:e>
-                        <m:sub>
-                          <m:r>
-                            <a:rPr kumimoji="1" lang="en-US" altLang="ja-JP" i="1" dirty="0">
-                              <a:latin typeface="Cambria Math" panose="02040503050406030204" pitchFamily="18" charset="0"/>
-                            </a:rPr>
-                            <m:t>𝑛</m:t>
-                          </m:r>
-                        </m:sub>
-                      </m:sSub>
-                    </m:oMath>
-                  </m:oMathPara>
-                </a14:m>
-                <a:endParaRPr lang="ja-JP" altLang="en-US" dirty="0"/>
-              </a:p>
-            </p:txBody>
-          </p:sp>
-        </mc:Choice>
-        <mc:Fallback xmlns="">
-          <p:sp>
-            <p:nvSpPr>
-              <p:cNvPr id="16" name="正方形/長方形 15">
-                <a:extLst>
-                  <a:ext uri="{FF2B5EF4-FFF2-40B4-BE49-F238E27FC236}">
-                    <a16:creationId xmlns:a16="http://schemas.microsoft.com/office/drawing/2014/main" id="{B1654384-BC98-4C1F-8F4F-9132620A4010}"/>
-                  </a:ext>
-                </a:extLst>
-              </p:cNvPr>
-              <p:cNvSpPr>
-                <a:spLocks noRot="1" noChangeAspect="1" noMove="1" noResize="1" noEditPoints="1" noAdjustHandles="1" noChangeArrowheads="1" noChangeShapeType="1" noTextEdit="1"/>
-              </p:cNvSpPr>
-              <p:nvPr/>
-            </p:nvSpPr>
-            <p:spPr>
-              <a:xfrm>
-                <a:off x="1614133" y="3240789"/>
-                <a:ext cx="486543" cy="369332"/>
-              </a:xfrm>
-              <a:prstGeom prst="rect">
-                <a:avLst/>
-              </a:prstGeom>
-              <a:blipFill>
-                <a:blip r:embed="rId3"/>
-                <a:stretch>
-                  <a:fillRect/>
-                </a:stretch>
-              </a:blipFill>
-            </p:spPr>
-            <p:txBody>
-              <a:bodyPr/>
-              <a:lstStyle/>
-              <a:p>
-                <a:r>
-                  <a:rPr lang="ja-JP" altLang="en-US">
-                    <a:noFill/>
-                  </a:rPr>
-                  <a:t> </a:t>
-                </a:r>
-              </a:p>
-            </p:txBody>
-          </p:sp>
-        </mc:Fallback>
-      </mc:AlternateContent>
-      <mc:AlternateContent xmlns:mc="http://schemas.openxmlformats.org/markup-compatibility/2006" xmlns:a14="http://schemas.microsoft.com/office/drawing/2010/main">
-        <mc:Choice Requires="a14">
-          <p:sp>
-            <p:nvSpPr>
-              <p:cNvPr id="17" name="正方形/長方形 16">
-                <a:extLst>
-                  <a:ext uri="{FF2B5EF4-FFF2-40B4-BE49-F238E27FC236}">
-                    <a16:creationId xmlns:a16="http://schemas.microsoft.com/office/drawing/2014/main" id="{3CCC8154-8019-4FE4-B513-A5A0B3F390DC}"/>
-                  </a:ext>
-                </a:extLst>
-              </p:cNvPr>
-              <p:cNvSpPr/>
-              <p:nvPr/>
-            </p:nvSpPr>
-            <p:spPr>
-              <a:xfrm>
-                <a:off x="1170472" y="2160901"/>
-                <a:ext cx="458715" cy="369332"/>
-              </a:xfrm>
-              <a:prstGeom prst="rect">
-                <a:avLst/>
-              </a:prstGeom>
-            </p:spPr>
-            <p:txBody>
-              <a:bodyPr wrap="none">
-                <a:spAutoFit/>
-              </a:bodyPr>
-              <a:lstStyle/>
-              <a:p>
-                <a:pPr/>
-                <a14:m>
-                  <m:oMathPara xmlns:m="http://schemas.openxmlformats.org/officeDocument/2006/math">
-                    <m:oMathParaPr>
-                      <m:jc m:val="centerGroup"/>
-                    </m:oMathParaPr>
-                    <m:oMath xmlns:m="http://schemas.openxmlformats.org/officeDocument/2006/math">
-                      <m:sSup>
-                        <m:sSupPr>
-                          <m:ctrlPr>
-                            <a:rPr kumimoji="1" lang="en-US" altLang="ja-JP" i="1" dirty="0">
-                              <a:latin typeface="Cambria Math" panose="02040503050406030204" pitchFamily="18" charset="0"/>
-                            </a:rPr>
-                          </m:ctrlPr>
-                        </m:sSupPr>
-                        <m:e>
-                          <m:r>
-                            <a:rPr kumimoji="1" lang="ja-JP" altLang="en-US" i="1" dirty="0">
-                              <a:latin typeface="Cambria Math" panose="02040503050406030204" pitchFamily="18" charset="0"/>
-                            </a:rPr>
-                            <m:t>𝜃</m:t>
-                          </m:r>
-                        </m:e>
-                        <m:sup>
-                          <m:r>
-                            <a:rPr kumimoji="1" lang="en-US" altLang="ja-JP" i="1" dirty="0">
-                              <a:latin typeface="Cambria Math" panose="02040503050406030204" pitchFamily="18" charset="0"/>
-                            </a:rPr>
-                            <m:t>′</m:t>
-                          </m:r>
-                        </m:sup>
-                      </m:sSup>
-                    </m:oMath>
-                  </m:oMathPara>
-                </a14:m>
-                <a:endParaRPr lang="ja-JP" altLang="en-US" dirty="0"/>
-              </a:p>
-            </p:txBody>
-          </p:sp>
-        </mc:Choice>
-        <mc:Fallback xmlns="">
-          <p:sp>
-            <p:nvSpPr>
-              <p:cNvPr id="17" name="正方形/長方形 16">
-                <a:extLst>
-                  <a:ext uri="{FF2B5EF4-FFF2-40B4-BE49-F238E27FC236}">
-                    <a16:creationId xmlns:a16="http://schemas.microsoft.com/office/drawing/2014/main" id="{3CCC8154-8019-4FE4-B513-A5A0B3F390DC}"/>
-                  </a:ext>
-                </a:extLst>
-              </p:cNvPr>
-              <p:cNvSpPr>
-                <a:spLocks noRot="1" noChangeAspect="1" noMove="1" noResize="1" noEditPoints="1" noAdjustHandles="1" noChangeArrowheads="1" noChangeShapeType="1" noTextEdit="1"/>
-              </p:cNvSpPr>
-              <p:nvPr/>
-            </p:nvSpPr>
-            <p:spPr>
-              <a:xfrm>
-                <a:off x="1170472" y="2160901"/>
-                <a:ext cx="458715" cy="369332"/>
-              </a:xfrm>
-              <a:prstGeom prst="rect">
-                <a:avLst/>
-              </a:prstGeom>
-              <a:blipFill>
-                <a:blip r:embed="rId4"/>
-                <a:stretch>
-                  <a:fillRect/>
-                </a:stretch>
-              </a:blipFill>
-            </p:spPr>
-            <p:txBody>
-              <a:bodyPr/>
-              <a:lstStyle/>
-              <a:p>
-                <a:r>
-                  <a:rPr lang="ja-JP" altLang="en-US">
-                    <a:noFill/>
-                  </a:rPr>
-                  <a:t> </a:t>
-                </a:r>
-              </a:p>
-            </p:txBody>
-          </p:sp>
-        </mc:Fallback>
-      </mc:AlternateContent>
-      <p:pic>
-        <p:nvPicPr>
-          <p:cNvPr id="18" name="図 17">
-            <a:extLst>
-              <a:ext uri="{FF2B5EF4-FFF2-40B4-BE49-F238E27FC236}">
-                <a16:creationId xmlns:a16="http://schemas.microsoft.com/office/drawing/2014/main" id="{1926F029-4A7E-4DFA-9343-CC0380CF68CD}"/>
+                <a16:creationId xmlns:a16="http://schemas.microsoft.com/office/drawing/2014/main" id="{5DC6CF66-20C4-42F3-B60B-C501E9888B57}"/>
               </a:ext>
             </a:extLst>
           </p:cNvPr>
@@ -18392,1020 +17527,34 @@
           </p:cNvPicPr>
           <p:nvPr/>
         </p:nvPicPr>
-        <p:blipFill rotWithShape="1">
-          <a:blip r:embed="rId2" cstate="print">
+        <p:blipFill>
+          <a:blip r:embed="rId3">
             <a:extLst>
               <a:ext uri="{28A0092B-C50C-407E-A947-70E740481C1C}">
                 <a14:useLocalDpi xmlns:a14="http://schemas.microsoft.com/office/drawing/2010/main" val="0"/>
               </a:ext>
             </a:extLst>
           </a:blip>
-          <a:srcRect r="17435"/>
-          <a:stretch/>
+          <a:stretch>
+            <a:fillRect/>
+          </a:stretch>
         </p:blipFill>
         <p:spPr>
-          <a:xfrm rot="10800000">
-            <a:off x="379695" y="4511085"/>
-            <a:ext cx="3709157" cy="2350183"/>
+          <a:xfrm>
+            <a:off x="9221375" y="1817514"/>
+            <a:ext cx="5755124" cy="8676901"/>
           </a:xfrm>
           <a:prstGeom prst="rect">
             <a:avLst/>
           </a:prstGeom>
-          <a:ln w="38100" cap="sq">
-            <a:solidFill>
-              <a:schemeClr val="accent1"/>
-            </a:solidFill>
-            <a:prstDash val="solid"/>
-            <a:miter lim="800000"/>
-          </a:ln>
-          <a:effectLst>
-            <a:outerShdw blurRad="50800" dist="38100" dir="2700000" algn="tl" rotWithShape="0">
-              <a:srgbClr val="000000">
-                <a:alpha val="43000"/>
-              </a:srgbClr>
-            </a:outerShdw>
-          </a:effectLst>
         </p:spPr>
       </p:pic>
-      <p:cxnSp>
-        <p:nvCxnSpPr>
-          <p:cNvPr id="19" name="直線矢印コネクタ 18">
+      <p:pic>
+        <p:nvPicPr>
+          <p:cNvPr id="8" name="図 7">
             <a:extLst>
               <a:ext uri="{FF2B5EF4-FFF2-40B4-BE49-F238E27FC236}">
-                <a16:creationId xmlns:a16="http://schemas.microsoft.com/office/drawing/2014/main" id="{5952D7D7-C30A-440B-9DD2-9E17683D74AB}"/>
-              </a:ext>
-            </a:extLst>
-          </p:cNvPr>
-          <p:cNvCxnSpPr>
-            <a:cxnSpLocks/>
-          </p:cNvCxnSpPr>
-          <p:nvPr/>
-        </p:nvCxnSpPr>
-        <p:spPr bwMode="auto">
-          <a:xfrm flipH="1">
-            <a:off x="680436" y="5322953"/>
-            <a:ext cx="434938" cy="241604"/>
-          </a:xfrm>
-          <a:prstGeom prst="straightConnector1">
-            <a:avLst/>
-          </a:prstGeom>
-          <a:solidFill>
-            <a:schemeClr val="accent1"/>
-          </a:solidFill>
-          <a:ln w="38100" cap="flat" cmpd="sng" algn="ctr">
-            <a:solidFill>
-              <a:srgbClr val="0070C0"/>
-            </a:solidFill>
-            <a:prstDash val="solid"/>
-            <a:round/>
-            <a:headEnd type="none" w="med" len="med"/>
-            <a:tailEnd type="triangle"/>
-          </a:ln>
-          <a:effectLst/>
-          <a:extLst>
-            <a:ext uri="{AF507438-7753-43E0-B8FC-AC1667EBCBE1}">
-              <a14:hiddenEffects xmlns:a14="http://schemas.microsoft.com/office/drawing/2010/main">
-                <a:effectLst>
-                  <a:outerShdw dist="35921" dir="2700000" algn="ctr" rotWithShape="0">
-                    <a:schemeClr val="bg2"/>
-                  </a:outerShdw>
-                </a:effectLst>
-              </a14:hiddenEffects>
-            </a:ext>
-          </a:extLst>
-        </p:spPr>
-      </p:cxnSp>
-      <p:cxnSp>
-        <p:nvCxnSpPr>
-          <p:cNvPr id="20" name="直線矢印コネクタ 19">
-            <a:extLst>
-              <a:ext uri="{FF2B5EF4-FFF2-40B4-BE49-F238E27FC236}">
-                <a16:creationId xmlns:a16="http://schemas.microsoft.com/office/drawing/2014/main" id="{078D0F41-81C7-4F3E-864C-921BB9C82C4F}"/>
-              </a:ext>
-            </a:extLst>
-          </p:cNvPr>
-          <p:cNvCxnSpPr>
-            <a:cxnSpLocks/>
-          </p:cNvCxnSpPr>
-          <p:nvPr/>
-        </p:nvCxnSpPr>
-        <p:spPr bwMode="auto">
-          <a:xfrm flipH="1">
-            <a:off x="1400516" y="6447996"/>
-            <a:ext cx="168889" cy="369654"/>
-          </a:xfrm>
-          <a:prstGeom prst="straightConnector1">
-            <a:avLst/>
-          </a:prstGeom>
-          <a:solidFill>
-            <a:schemeClr val="accent1"/>
-          </a:solidFill>
-          <a:ln w="38100" cap="flat" cmpd="sng" algn="ctr">
-            <a:solidFill>
-              <a:srgbClr val="FF0000"/>
-            </a:solidFill>
-            <a:prstDash val="solid"/>
-            <a:round/>
-            <a:headEnd type="none" w="med" len="med"/>
-            <a:tailEnd type="triangle"/>
-          </a:ln>
-          <a:effectLst/>
-          <a:extLst>
-            <a:ext uri="{AF507438-7753-43E0-B8FC-AC1667EBCBE1}">
-              <a14:hiddenEffects xmlns:a14="http://schemas.microsoft.com/office/drawing/2010/main">
-                <a:effectLst>
-                  <a:outerShdw dist="35921" dir="2700000" algn="ctr" rotWithShape="0">
-                    <a:schemeClr val="bg2"/>
-                  </a:outerShdw>
-                </a:effectLst>
-              </a14:hiddenEffects>
-            </a:ext>
-          </a:extLst>
-        </p:spPr>
-      </p:cxnSp>
-      <p:cxnSp>
-        <p:nvCxnSpPr>
-          <p:cNvPr id="21" name="直線矢印コネクタ 20">
-            <a:extLst>
-              <a:ext uri="{FF2B5EF4-FFF2-40B4-BE49-F238E27FC236}">
-                <a16:creationId xmlns:a16="http://schemas.microsoft.com/office/drawing/2014/main" id="{157E7A95-1DE7-41AA-BF57-203692CE0E1C}"/>
-              </a:ext>
-            </a:extLst>
-          </p:cNvPr>
-          <p:cNvCxnSpPr>
-            <a:cxnSpLocks/>
-            <a:stCxn id="25" idx="2"/>
-          </p:cNvCxnSpPr>
-          <p:nvPr/>
-        </p:nvCxnSpPr>
-        <p:spPr bwMode="auto">
-          <a:xfrm>
-            <a:off x="1115358" y="5327913"/>
-            <a:ext cx="454047" cy="1120083"/>
-          </a:xfrm>
-          <a:prstGeom prst="straightConnector1">
-            <a:avLst/>
-          </a:prstGeom>
-          <a:solidFill>
-            <a:schemeClr val="accent1"/>
-          </a:solidFill>
-          <a:ln w="38100" cap="flat" cmpd="sng" algn="ctr">
-            <a:solidFill>
-              <a:srgbClr val="00B050"/>
-            </a:solidFill>
-            <a:prstDash val="solid"/>
-            <a:round/>
-            <a:headEnd type="none" w="med" len="med"/>
-            <a:tailEnd type="triangle"/>
-          </a:ln>
-          <a:effectLst/>
-          <a:extLst>
-            <a:ext uri="{AF507438-7753-43E0-B8FC-AC1667EBCBE1}">
-              <a14:hiddenEffects xmlns:a14="http://schemas.microsoft.com/office/drawing/2010/main">
-                <a:effectLst>
-                  <a:outerShdw dist="35921" dir="2700000" algn="ctr" rotWithShape="0">
-                    <a:schemeClr val="bg2"/>
-                  </a:outerShdw>
-                </a:effectLst>
-              </a14:hiddenEffects>
-            </a:ext>
-          </a:extLst>
-        </p:spPr>
-      </p:cxnSp>
-      <p:cxnSp>
-        <p:nvCxnSpPr>
-          <p:cNvPr id="22" name="直線コネクタ 21">
-            <a:extLst>
-              <a:ext uri="{FF2B5EF4-FFF2-40B4-BE49-F238E27FC236}">
-                <a16:creationId xmlns:a16="http://schemas.microsoft.com/office/drawing/2014/main" id="{119353A8-4092-4B08-9378-CA538056127C}"/>
-              </a:ext>
-            </a:extLst>
-          </p:cNvPr>
-          <p:cNvCxnSpPr>
-            <a:cxnSpLocks/>
-          </p:cNvCxnSpPr>
-          <p:nvPr/>
-        </p:nvCxnSpPr>
-        <p:spPr bwMode="auto">
-          <a:xfrm>
-            <a:off x="1111830" y="4966176"/>
-            <a:ext cx="9912" cy="987378"/>
-          </a:xfrm>
-          <a:prstGeom prst="line">
-            <a:avLst/>
-          </a:prstGeom>
-          <a:ln>
-            <a:headEnd type="none" w="med" len="med"/>
-            <a:tailEnd type="none" w="med" len="med"/>
-          </a:ln>
-          <a:extLst>
-            <a:ext uri="{AF507438-7753-43E0-B8FC-AC1667EBCBE1}">
-              <a14:hiddenEffects xmlns:a14="http://schemas.microsoft.com/office/drawing/2010/main">
-                <a:effectLst>
-                  <a:outerShdw dist="35921" dir="2700000" algn="ctr" rotWithShape="0">
-                    <a:schemeClr val="bg2"/>
-                  </a:outerShdw>
-                </a:effectLst>
-              </a14:hiddenEffects>
-            </a:ext>
-          </a:extLst>
-        </p:spPr>
-        <p:style>
-          <a:lnRef idx="1">
-            <a:schemeClr val="accent1"/>
-          </a:lnRef>
-          <a:fillRef idx="0">
-            <a:schemeClr val="accent1"/>
-          </a:fillRef>
-          <a:effectRef idx="0">
-            <a:schemeClr val="accent1"/>
-          </a:effectRef>
-          <a:fontRef idx="minor">
-            <a:schemeClr val="tx1"/>
-          </a:fontRef>
-        </p:style>
-      </p:cxnSp>
-      <p:cxnSp>
-        <p:nvCxnSpPr>
-          <p:cNvPr id="23" name="直線コネクタ 22">
-            <a:extLst>
-              <a:ext uri="{FF2B5EF4-FFF2-40B4-BE49-F238E27FC236}">
-                <a16:creationId xmlns:a16="http://schemas.microsoft.com/office/drawing/2014/main" id="{A4FDC12A-9BA1-4968-980E-ACADE2E557E8}"/>
-              </a:ext>
-            </a:extLst>
-          </p:cNvPr>
-          <p:cNvCxnSpPr>
-            <a:cxnSpLocks/>
-          </p:cNvCxnSpPr>
-          <p:nvPr/>
-        </p:nvCxnSpPr>
-        <p:spPr bwMode="auto">
-          <a:xfrm>
-            <a:off x="751830" y="5320586"/>
-            <a:ext cx="1152742" cy="0"/>
-          </a:xfrm>
-          <a:prstGeom prst="line">
-            <a:avLst/>
-          </a:prstGeom>
-          <a:ln>
-            <a:headEnd type="none" w="med" len="med"/>
-            <a:tailEnd type="none" w="med" len="med"/>
-          </a:ln>
-          <a:extLst>
-            <a:ext uri="{AF507438-7753-43E0-B8FC-AC1667EBCBE1}">
-              <a14:hiddenEffects xmlns:a14="http://schemas.microsoft.com/office/drawing/2010/main">
-                <a:effectLst>
-                  <a:outerShdw dist="35921" dir="2700000" algn="ctr" rotWithShape="0">
-                    <a:schemeClr val="bg2"/>
-                  </a:outerShdw>
-                </a:effectLst>
-              </a14:hiddenEffects>
-            </a:ext>
-          </a:extLst>
-        </p:spPr>
-        <p:style>
-          <a:lnRef idx="1">
-            <a:schemeClr val="accent1"/>
-          </a:lnRef>
-          <a:fillRef idx="0">
-            <a:schemeClr val="accent1"/>
-          </a:fillRef>
-          <a:effectRef idx="0">
-            <a:schemeClr val="accent1"/>
-          </a:effectRef>
-          <a:fontRef idx="minor">
-            <a:schemeClr val="tx1"/>
-          </a:fontRef>
-        </p:style>
-      </p:cxnSp>
-      <p:sp>
-        <p:nvSpPr>
-          <p:cNvPr id="24" name="二等辺三角形 23">
-            <a:extLst>
-              <a:ext uri="{FF2B5EF4-FFF2-40B4-BE49-F238E27FC236}">
-                <a16:creationId xmlns:a16="http://schemas.microsoft.com/office/drawing/2014/main" id="{1D4B6189-4B77-48E0-8658-DEF14F95F5E4}"/>
-              </a:ext>
-            </a:extLst>
-          </p:cNvPr>
-          <p:cNvSpPr/>
-          <p:nvPr/>
-        </p:nvSpPr>
-        <p:spPr bwMode="auto">
-          <a:xfrm rot="18916130">
-            <a:off x="984246" y="5389584"/>
-            <a:ext cx="84020" cy="53099"/>
-          </a:xfrm>
-          <a:prstGeom prst="triangle">
-            <a:avLst/>
-          </a:prstGeom>
-          <a:solidFill>
-            <a:srgbClr val="FFC000"/>
-          </a:solidFill>
-          <a:ln w="9525" cap="flat" cmpd="sng" algn="ctr">
-            <a:solidFill>
-              <a:schemeClr val="accent2">
-                <a:lumMod val="75000"/>
-              </a:schemeClr>
-            </a:solidFill>
-            <a:prstDash val="solid"/>
-            <a:round/>
-            <a:headEnd type="none" w="med" len="med"/>
-            <a:tailEnd type="none" w="med" len="med"/>
-          </a:ln>
-          <a:effectLst/>
-          <a:extLst/>
-        </p:spPr>
-        <p:txBody>
-          <a:bodyPr rot="0" spcFirstLastPara="0" vertOverflow="overflow" horzOverflow="overflow" vert="horz" wrap="none" lIns="91440" tIns="45720" rIns="91440" bIns="45720" numCol="1" spcCol="0" rtlCol="0" fromWordArt="0" anchor="ctr" anchorCtr="0" forceAA="0" compatLnSpc="1">
-            <a:prstTxWarp prst="textNoShape">
-              <a:avLst/>
-            </a:prstTxWarp>
-            <a:noAutofit/>
-          </a:bodyPr>
-          <a:lstStyle/>
-          <a:p>
-            <a:pPr marL="0" marR="0" indent="0" algn="ctr" defTabSz="914400" rtl="0" eaLnBrk="1" fontAlgn="base" latinLnBrk="0" hangingPunct="1">
-              <a:lnSpc>
-                <a:spcPct val="100000"/>
-              </a:lnSpc>
-              <a:spcBef>
-                <a:spcPct val="0"/>
-              </a:spcBef>
-              <a:spcAft>
-                <a:spcPct val="0"/>
-              </a:spcAft>
-              <a:buClrTx/>
-              <a:buSzTx/>
-              <a:buFontTx/>
-              <a:buNone/>
-              <a:tabLst/>
-            </a:pPr>
-            <a:endParaRPr kumimoji="0" lang="ja-JP" altLang="en-US" sz="1800" b="1" i="0" u="none" strike="noStrike" normalizeH="0" baseline="0" dirty="0">
-              <a:ln w="22225">
-                <a:solidFill>
-                  <a:schemeClr val="accent2"/>
-                </a:solidFill>
-                <a:prstDash val="solid"/>
-              </a:ln>
-              <a:solidFill>
-                <a:schemeClr val="accent2">
-                  <a:lumMod val="40000"/>
-                  <a:lumOff val="60000"/>
-                </a:schemeClr>
-              </a:solidFill>
-              <a:latin typeface="Arial" charset="0"/>
-            </a:endParaRPr>
-          </a:p>
-        </p:txBody>
-      </p:sp>
-      <p:sp>
-        <p:nvSpPr>
-          <p:cNvPr id="25" name="アーチ 24">
-            <a:extLst>
-              <a:ext uri="{FF2B5EF4-FFF2-40B4-BE49-F238E27FC236}">
-                <a16:creationId xmlns:a16="http://schemas.microsoft.com/office/drawing/2014/main" id="{CA0B8FD2-A0D2-4249-86A0-EE082290DF6B}"/>
-              </a:ext>
-            </a:extLst>
-          </p:cNvPr>
-          <p:cNvSpPr/>
-          <p:nvPr/>
-        </p:nvSpPr>
-        <p:spPr bwMode="auto">
-          <a:xfrm rot="5400000">
-            <a:off x="971358" y="5183913"/>
-            <a:ext cx="288000" cy="288000"/>
-          </a:xfrm>
-          <a:prstGeom prst="blockArc">
-            <a:avLst>
-              <a:gd name="adj1" fmla="val 10858890"/>
-              <a:gd name="adj2" fmla="val 1980472"/>
-              <a:gd name="adj3" fmla="val 11549"/>
-            </a:avLst>
-          </a:prstGeom>
-          <a:solidFill>
-            <a:srgbClr val="FFC000"/>
-          </a:solidFill>
-          <a:ln w="9525" cap="flat" cmpd="sng" algn="ctr">
-            <a:solidFill>
-              <a:schemeClr val="accent2">
-                <a:lumMod val="75000"/>
-              </a:schemeClr>
-            </a:solidFill>
-            <a:prstDash val="solid"/>
-            <a:round/>
-            <a:headEnd type="none" w="med" len="med"/>
-            <a:tailEnd type="none" w="med" len="med"/>
-          </a:ln>
-          <a:effectLst/>
-          <a:extLst/>
-        </p:spPr>
-        <p:txBody>
-          <a:bodyPr rot="0" spcFirstLastPara="0" vertOverflow="overflow" horzOverflow="overflow" vert="horz" wrap="none" lIns="91440" tIns="45720" rIns="91440" bIns="45720" numCol="1" spcCol="0" rtlCol="0" fromWordArt="0" anchor="ctr" anchorCtr="0" forceAA="0" compatLnSpc="1">
-            <a:prstTxWarp prst="textNoShape">
-              <a:avLst/>
-            </a:prstTxWarp>
-            <a:noAutofit/>
-          </a:bodyPr>
-          <a:lstStyle/>
-          <a:p>
-            <a:pPr marL="0" marR="0" indent="0" algn="ctr" defTabSz="914400" rtl="0" eaLnBrk="1" fontAlgn="base" latinLnBrk="0" hangingPunct="1">
-              <a:lnSpc>
-                <a:spcPct val="100000"/>
-              </a:lnSpc>
-              <a:spcBef>
-                <a:spcPct val="0"/>
-              </a:spcBef>
-              <a:spcAft>
-                <a:spcPct val="0"/>
-              </a:spcAft>
-              <a:buClrTx/>
-              <a:buSzTx/>
-              <a:buFontTx/>
-              <a:buNone/>
-              <a:tabLst/>
-            </a:pPr>
-            <a:endParaRPr kumimoji="0" lang="ja-JP" altLang="en-US" sz="1800" b="1" i="0" u="none" strike="noStrike" normalizeH="0" baseline="0">
-              <a:ln w="22225">
-                <a:solidFill>
-                  <a:schemeClr val="accent2"/>
-                </a:solidFill>
-                <a:prstDash val="solid"/>
-              </a:ln>
-              <a:solidFill>
-                <a:schemeClr val="accent2">
-                  <a:lumMod val="40000"/>
-                  <a:lumOff val="60000"/>
-                </a:schemeClr>
-              </a:solidFill>
-              <a:latin typeface="Arial" charset="0"/>
-            </a:endParaRPr>
-          </a:p>
-        </p:txBody>
-      </p:sp>
-      <p:sp>
-        <p:nvSpPr>
-          <p:cNvPr id="26" name="アーチ 25">
-            <a:extLst>
-              <a:ext uri="{FF2B5EF4-FFF2-40B4-BE49-F238E27FC236}">
-                <a16:creationId xmlns:a16="http://schemas.microsoft.com/office/drawing/2014/main" id="{17DEB920-0AF7-45BA-8E32-E99E0C94592F}"/>
-              </a:ext>
-            </a:extLst>
-          </p:cNvPr>
-          <p:cNvSpPr/>
-          <p:nvPr/>
-        </p:nvSpPr>
-        <p:spPr bwMode="auto">
-          <a:xfrm rot="5400000">
-            <a:off x="883856" y="5083452"/>
-            <a:ext cx="468000" cy="468000"/>
-          </a:xfrm>
-          <a:prstGeom prst="blockArc">
-            <a:avLst>
-              <a:gd name="adj1" fmla="val 10858890"/>
-              <a:gd name="adj2" fmla="val 19221346"/>
-              <a:gd name="adj3" fmla="val 6803"/>
-            </a:avLst>
-          </a:prstGeom>
-          <a:solidFill>
-            <a:schemeClr val="accent1"/>
-          </a:solidFill>
-          <a:ln w="9525" cap="flat" cmpd="sng" algn="ctr">
-            <a:solidFill>
-              <a:schemeClr val="tx1"/>
-            </a:solidFill>
-            <a:prstDash val="solid"/>
-            <a:round/>
-            <a:headEnd type="none" w="med" len="med"/>
-            <a:tailEnd type="none" w="med" len="med"/>
-          </a:ln>
-          <a:effectLst/>
-          <a:extLst>
-            <a:ext uri="{AF507438-7753-43E0-B8FC-AC1667EBCBE1}">
-              <a14:hiddenEffects xmlns:a14="http://schemas.microsoft.com/office/drawing/2010/main">
-                <a:effectLst>
-                  <a:outerShdw dist="35921" dir="2700000" algn="ctr" rotWithShape="0">
-                    <a:schemeClr val="bg2"/>
-                  </a:outerShdw>
-                </a:effectLst>
-              </a14:hiddenEffects>
-            </a:ext>
-          </a:extLst>
-        </p:spPr>
-        <p:txBody>
-          <a:bodyPr vert="horz" wrap="none" lIns="91440" tIns="45720" rIns="91440" bIns="45720" numCol="1" rtlCol="0" anchor="ctr" anchorCtr="0" compatLnSpc="1">
-            <a:prstTxWarp prst="textNoShape">
-              <a:avLst/>
-            </a:prstTxWarp>
-          </a:bodyPr>
-          <a:lstStyle/>
-          <a:p>
-            <a:pPr marL="0" marR="0" indent="0" algn="ctr" defTabSz="914400" rtl="0" eaLnBrk="1" fontAlgn="base" latinLnBrk="0" hangingPunct="1">
-              <a:lnSpc>
-                <a:spcPct val="100000"/>
-              </a:lnSpc>
-              <a:spcBef>
-                <a:spcPct val="0"/>
-              </a:spcBef>
-              <a:spcAft>
-                <a:spcPct val="0"/>
-              </a:spcAft>
-              <a:buClrTx/>
-              <a:buSzTx/>
-              <a:buFontTx/>
-              <a:buNone/>
-              <a:tabLst/>
-            </a:pPr>
-            <a:endParaRPr kumimoji="0" lang="ja-JP" altLang="en-US" sz="1800" b="0" i="0" u="none" strike="noStrike" cap="none" normalizeH="0" baseline="0">
-              <a:ln>
-                <a:noFill/>
-              </a:ln>
-              <a:solidFill>
-                <a:schemeClr val="tx1"/>
-              </a:solidFill>
-              <a:effectLst/>
-              <a:latin typeface="Arial" charset="0"/>
-            </a:endParaRPr>
-          </a:p>
-        </p:txBody>
-      </p:sp>
-      <mc:AlternateContent xmlns:mc="http://schemas.openxmlformats.org/markup-compatibility/2006" xmlns:a14="http://schemas.microsoft.com/office/drawing/2010/main">
-        <mc:Choice Requires="a14">
-          <p:sp>
-            <p:nvSpPr>
-              <p:cNvPr id="27" name="正方形/長方形 26">
-                <a:extLst>
-                  <a:ext uri="{FF2B5EF4-FFF2-40B4-BE49-F238E27FC236}">
-                    <a16:creationId xmlns:a16="http://schemas.microsoft.com/office/drawing/2014/main" id="{15B38C3C-9E40-4261-A741-6FCFC56FDFE8}"/>
-                  </a:ext>
-                </a:extLst>
-              </p:cNvPr>
-              <p:cNvSpPr/>
-              <p:nvPr/>
-            </p:nvSpPr>
-            <p:spPr>
-              <a:xfrm>
-                <a:off x="800643" y="5070347"/>
-                <a:ext cx="458715" cy="369332"/>
-              </a:xfrm>
-              <a:prstGeom prst="rect">
-                <a:avLst/>
-              </a:prstGeom>
-            </p:spPr>
-            <p:txBody>
-              <a:bodyPr wrap="square">
-                <a:spAutoFit/>
-              </a:bodyPr>
-              <a:lstStyle/>
-              <a:p>
-                <a:pPr/>
-                <a14:m>
-                  <m:oMathPara xmlns:m="http://schemas.openxmlformats.org/officeDocument/2006/math">
-                    <m:oMathParaPr>
-                      <m:jc m:val="centerGroup"/>
-                    </m:oMathParaPr>
-                    <m:oMath xmlns:m="http://schemas.openxmlformats.org/officeDocument/2006/math">
-                      <m:sSup>
-                        <m:sSupPr>
-                          <m:ctrlPr>
-                            <a:rPr kumimoji="1" lang="en-US" altLang="ja-JP" i="1" dirty="0" smtClean="0">
-                              <a:ln>
-                                <a:solidFill>
-                                  <a:schemeClr val="accent2">
-                                    <a:lumMod val="75000"/>
-                                  </a:schemeClr>
-                                </a:solidFill>
-                              </a:ln>
-                              <a:solidFill>
-                                <a:srgbClr val="FFC000"/>
-                              </a:solidFill>
-                              <a:latin typeface="Cambria Math" panose="02040503050406030204" pitchFamily="18" charset="0"/>
-                            </a:rPr>
-                          </m:ctrlPr>
-                        </m:sSupPr>
-                        <m:e>
-                          <m:r>
-                            <a:rPr kumimoji="1" lang="ja-JP" altLang="en-US" i="1" dirty="0">
-                              <a:ln>
-                                <a:solidFill>
-                                  <a:schemeClr val="accent2">
-                                    <a:lumMod val="75000"/>
-                                  </a:schemeClr>
-                                </a:solidFill>
-                              </a:ln>
-                              <a:solidFill>
-                                <a:srgbClr val="FFC000"/>
-                              </a:solidFill>
-                              <a:latin typeface="Cambria Math" panose="02040503050406030204" pitchFamily="18" charset="0"/>
-                            </a:rPr>
-                            <m:t>𝜃</m:t>
-                          </m:r>
-                        </m:e>
-                        <m:sup>
-                          <m:r>
-                            <a:rPr kumimoji="1" lang="en-US" altLang="ja-JP" i="1" dirty="0">
-                              <a:ln>
-                                <a:solidFill>
-                                  <a:schemeClr val="accent2">
-                                    <a:lumMod val="75000"/>
-                                  </a:schemeClr>
-                                </a:solidFill>
-                              </a:ln>
-                              <a:solidFill>
-                                <a:srgbClr val="FFC000"/>
-                              </a:solidFill>
-                              <a:latin typeface="Cambria Math" panose="02040503050406030204" pitchFamily="18" charset="0"/>
-                            </a:rPr>
-                            <m:t>′</m:t>
-                          </m:r>
-                        </m:sup>
-                      </m:sSup>
-                    </m:oMath>
-                  </m:oMathPara>
-                </a14:m>
-                <a:endParaRPr lang="ja-JP" altLang="en-US" dirty="0">
-                  <a:ln>
-                    <a:solidFill>
-                      <a:schemeClr val="accent2">
-                        <a:lumMod val="75000"/>
-                      </a:schemeClr>
-                    </a:solidFill>
-                  </a:ln>
-                  <a:solidFill>
-                    <a:srgbClr val="FFC000"/>
-                  </a:solidFill>
-                </a:endParaRPr>
-              </a:p>
-            </p:txBody>
-          </p:sp>
-        </mc:Choice>
-        <mc:Fallback xmlns="">
-          <p:sp>
-            <p:nvSpPr>
-              <p:cNvPr id="27" name="正方形/長方形 26">
-                <a:extLst>
-                  <a:ext uri="{FF2B5EF4-FFF2-40B4-BE49-F238E27FC236}">
-                    <a16:creationId xmlns:a16="http://schemas.microsoft.com/office/drawing/2014/main" id="{15B38C3C-9E40-4261-A741-6FCFC56FDFE8}"/>
-                  </a:ext>
-                </a:extLst>
-              </p:cNvPr>
-              <p:cNvSpPr>
-                <a:spLocks noRot="1" noChangeAspect="1" noMove="1" noResize="1" noEditPoints="1" noAdjustHandles="1" noChangeArrowheads="1" noChangeShapeType="1" noTextEdit="1"/>
-              </p:cNvSpPr>
-              <p:nvPr/>
-            </p:nvSpPr>
-            <p:spPr>
-              <a:xfrm>
-                <a:off x="800643" y="5070347"/>
-                <a:ext cx="458715" cy="369332"/>
-              </a:xfrm>
-              <a:prstGeom prst="rect">
-                <a:avLst/>
-              </a:prstGeom>
-              <a:blipFill>
-                <a:blip r:embed="rId5"/>
-                <a:stretch>
-                  <a:fillRect/>
-                </a:stretch>
-              </a:blipFill>
-            </p:spPr>
-            <p:txBody>
-              <a:bodyPr/>
-              <a:lstStyle/>
-              <a:p>
-                <a:r>
-                  <a:rPr lang="ja-JP" altLang="en-US">
-                    <a:noFill/>
-                  </a:rPr>
-                  <a:t> </a:t>
-                </a:r>
-              </a:p>
-            </p:txBody>
-          </p:sp>
-        </mc:Fallback>
-      </mc:AlternateContent>
-      <p:sp>
-        <p:nvSpPr>
-          <p:cNvPr id="28" name="二等辺三角形 27">
-            <a:extLst>
-              <a:ext uri="{FF2B5EF4-FFF2-40B4-BE49-F238E27FC236}">
-                <a16:creationId xmlns:a16="http://schemas.microsoft.com/office/drawing/2014/main" id="{15BA2BF2-286A-4B8A-8C9F-B78F5A5AA3AA}"/>
-              </a:ext>
-            </a:extLst>
-          </p:cNvPr>
-          <p:cNvSpPr/>
-          <p:nvPr/>
-        </p:nvSpPr>
-        <p:spPr bwMode="auto">
-          <a:xfrm rot="14116453">
-            <a:off x="1194430" y="5464285"/>
-            <a:ext cx="84020" cy="63175"/>
-          </a:xfrm>
-          <a:prstGeom prst="triangle">
-            <a:avLst/>
-          </a:prstGeom>
-          <a:solidFill>
-            <a:srgbClr val="BBE0E3"/>
-          </a:solidFill>
-          <a:ln w="9525" cap="flat" cmpd="sng" algn="ctr">
-            <a:solidFill>
-              <a:schemeClr val="accent2">
-                <a:lumMod val="75000"/>
-              </a:schemeClr>
-            </a:solidFill>
-            <a:prstDash val="solid"/>
-            <a:round/>
-            <a:headEnd type="none" w="med" len="med"/>
-            <a:tailEnd type="none" w="med" len="med"/>
-          </a:ln>
-          <a:effectLst/>
-          <a:extLst/>
-        </p:spPr>
-        <p:txBody>
-          <a:bodyPr rot="0" spcFirstLastPara="0" vertOverflow="overflow" horzOverflow="overflow" vert="horz" wrap="none" lIns="91440" tIns="45720" rIns="91440" bIns="45720" numCol="1" spcCol="0" rtlCol="0" fromWordArt="0" anchor="ctr" anchorCtr="0" forceAA="0" compatLnSpc="1">
-            <a:prstTxWarp prst="textNoShape">
-              <a:avLst/>
-            </a:prstTxWarp>
-            <a:noAutofit/>
-          </a:bodyPr>
-          <a:lstStyle/>
-          <a:p>
-            <a:pPr marL="0" marR="0" indent="0" algn="ctr" defTabSz="914400" rtl="0" eaLnBrk="1" fontAlgn="base" latinLnBrk="0" hangingPunct="1">
-              <a:lnSpc>
-                <a:spcPct val="100000"/>
-              </a:lnSpc>
-              <a:spcBef>
-                <a:spcPct val="0"/>
-              </a:spcBef>
-              <a:spcAft>
-                <a:spcPct val="0"/>
-              </a:spcAft>
-              <a:buClrTx/>
-              <a:buSzTx/>
-              <a:buFontTx/>
-              <a:buNone/>
-              <a:tabLst/>
-            </a:pPr>
-            <a:endParaRPr kumimoji="0" lang="ja-JP" altLang="en-US" sz="1800" b="1" i="0" u="none" strike="noStrike" normalizeH="0" baseline="0" dirty="0">
-              <a:ln w="22225">
-                <a:solidFill>
-                  <a:schemeClr val="accent2"/>
-                </a:solidFill>
-                <a:prstDash val="solid"/>
-              </a:ln>
-              <a:solidFill>
-                <a:schemeClr val="accent2">
-                  <a:lumMod val="40000"/>
-                  <a:lumOff val="60000"/>
-                </a:schemeClr>
-              </a:solidFill>
-              <a:latin typeface="Arial" charset="0"/>
-            </a:endParaRPr>
-          </a:p>
-        </p:txBody>
-      </p:sp>
-      <mc:AlternateContent xmlns:mc="http://schemas.openxmlformats.org/markup-compatibility/2006" xmlns:a14="http://schemas.microsoft.com/office/drawing/2010/main">
-        <mc:Choice Requires="a14">
-          <p:sp>
-            <p:nvSpPr>
-              <p:cNvPr id="29" name="正方形/長方形 28">
-                <a:extLst>
-                  <a:ext uri="{FF2B5EF4-FFF2-40B4-BE49-F238E27FC236}">
-                    <a16:creationId xmlns:a16="http://schemas.microsoft.com/office/drawing/2014/main" id="{AC5FCFA3-BC56-4393-A9BC-F41E844968FB}"/>
-                  </a:ext>
-                </a:extLst>
-              </p:cNvPr>
-              <p:cNvSpPr/>
-              <p:nvPr/>
-            </p:nvSpPr>
-            <p:spPr>
-              <a:xfrm>
-                <a:off x="1249559" y="5093131"/>
-                <a:ext cx="509192" cy="369332"/>
-              </a:xfrm>
-              <a:prstGeom prst="rect">
-                <a:avLst/>
-              </a:prstGeom>
-            </p:spPr>
-            <p:txBody>
-              <a:bodyPr wrap="square">
-                <a:spAutoFit/>
-              </a:bodyPr>
-              <a:lstStyle/>
-              <a:p>
-                <a:pPr/>
-                <a14:m>
-                  <m:oMathPara xmlns:m="http://schemas.openxmlformats.org/officeDocument/2006/math">
-                    <m:oMathParaPr>
-                      <m:jc m:val="centerGroup"/>
-                    </m:oMathParaPr>
-                    <m:oMath xmlns:m="http://schemas.openxmlformats.org/officeDocument/2006/math">
-                      <m:sSup>
-                        <m:sSupPr>
-                          <m:ctrlPr>
-                            <a:rPr kumimoji="1" lang="en-US" altLang="ja-JP" i="1" dirty="0" smtClean="0">
-                              <a:ln>
-                                <a:solidFill>
-                                  <a:schemeClr val="accent2">
-                                    <a:lumMod val="75000"/>
-                                  </a:schemeClr>
-                                </a:solidFill>
-                              </a:ln>
-                              <a:solidFill>
-                                <a:srgbClr val="BBE0E3"/>
-                              </a:solidFill>
-                              <a:latin typeface="Cambria Math" panose="02040503050406030204" pitchFamily="18" charset="0"/>
-                            </a:rPr>
-                          </m:ctrlPr>
-                        </m:sSupPr>
-                        <m:e>
-                          <m:r>
-                            <a:rPr kumimoji="1" lang="ja-JP" altLang="en-US" i="1" dirty="0" smtClean="0">
-                              <a:ln>
-                                <a:solidFill>
-                                  <a:schemeClr val="accent2">
-                                    <a:lumMod val="75000"/>
-                                  </a:schemeClr>
-                                </a:solidFill>
-                              </a:ln>
-                              <a:solidFill>
-                                <a:srgbClr val="BBE0E3"/>
-                              </a:solidFill>
-                              <a:latin typeface="Cambria Math" panose="02040503050406030204" pitchFamily="18" charset="0"/>
-                            </a:rPr>
-                            <m:t>𝜑</m:t>
-                          </m:r>
-                        </m:e>
-                        <m:sup>
-                          <m:r>
-                            <a:rPr kumimoji="1" lang="en-US" altLang="ja-JP" i="1" dirty="0">
-                              <a:ln>
-                                <a:solidFill>
-                                  <a:schemeClr val="accent2">
-                                    <a:lumMod val="75000"/>
-                                  </a:schemeClr>
-                                </a:solidFill>
-                              </a:ln>
-                              <a:solidFill>
-                                <a:srgbClr val="BBE0E3"/>
-                              </a:solidFill>
-                              <a:latin typeface="Cambria Math" panose="02040503050406030204" pitchFamily="18" charset="0"/>
-                            </a:rPr>
-                            <m:t>′</m:t>
-                          </m:r>
-                        </m:sup>
-                      </m:sSup>
-                    </m:oMath>
-                  </m:oMathPara>
-                </a14:m>
-                <a:endParaRPr lang="ja-JP" altLang="en-US" dirty="0">
-                  <a:ln>
-                    <a:solidFill>
-                      <a:schemeClr val="accent2">
-                        <a:lumMod val="75000"/>
-                      </a:schemeClr>
-                    </a:solidFill>
-                  </a:ln>
-                  <a:solidFill>
-                    <a:srgbClr val="FFC000"/>
-                  </a:solidFill>
-                </a:endParaRPr>
-              </a:p>
-            </p:txBody>
-          </p:sp>
-        </mc:Choice>
-        <mc:Fallback xmlns="">
-          <p:sp>
-            <p:nvSpPr>
-              <p:cNvPr id="29" name="正方形/長方形 28">
-                <a:extLst>
-                  <a:ext uri="{FF2B5EF4-FFF2-40B4-BE49-F238E27FC236}">
-                    <a16:creationId xmlns:a16="http://schemas.microsoft.com/office/drawing/2014/main" id="{AC5FCFA3-BC56-4393-A9BC-F41E844968FB}"/>
-                  </a:ext>
-                </a:extLst>
-              </p:cNvPr>
-              <p:cNvSpPr>
-                <a:spLocks noRot="1" noChangeAspect="1" noMove="1" noResize="1" noEditPoints="1" noAdjustHandles="1" noChangeArrowheads="1" noChangeShapeType="1" noTextEdit="1"/>
-              </p:cNvSpPr>
-              <p:nvPr/>
-            </p:nvSpPr>
-            <p:spPr>
-              <a:xfrm>
-                <a:off x="1249559" y="5093131"/>
-                <a:ext cx="509192" cy="369332"/>
-              </a:xfrm>
-              <a:prstGeom prst="rect">
-                <a:avLst/>
-              </a:prstGeom>
-              <a:blipFill>
-                <a:blip r:embed="rId6"/>
-                <a:stretch>
-                  <a:fillRect/>
-                </a:stretch>
-              </a:blipFill>
-            </p:spPr>
-            <p:txBody>
-              <a:bodyPr/>
-              <a:lstStyle/>
-              <a:p>
-                <a:r>
-                  <a:rPr lang="ja-JP" altLang="en-US">
-                    <a:noFill/>
-                  </a:rPr>
-                  <a:t> </a:t>
-                </a:r>
-              </a:p>
-            </p:txBody>
-          </p:sp>
-        </mc:Fallback>
-      </mc:AlternateContent>
-      <p:sp>
-        <p:nvSpPr>
-          <p:cNvPr id="30" name="正方形/長方形 29">
-            <a:extLst>
-              <a:ext uri="{FF2B5EF4-FFF2-40B4-BE49-F238E27FC236}">
-                <a16:creationId xmlns:a16="http://schemas.microsoft.com/office/drawing/2014/main" id="{195DCB01-57DC-4F7B-A342-8A6BE54C1505}"/>
-              </a:ext>
-            </a:extLst>
-          </p:cNvPr>
-          <p:cNvSpPr/>
-          <p:nvPr/>
-        </p:nvSpPr>
-        <p:spPr bwMode="auto">
-          <a:xfrm>
-            <a:off x="4198416" y="1301083"/>
-            <a:ext cx="7272808" cy="2607123"/>
-          </a:xfrm>
-          <a:prstGeom prst="rect">
-            <a:avLst/>
-          </a:prstGeom>
-          <a:solidFill>
-            <a:schemeClr val="accent1"/>
-          </a:solidFill>
-          <a:ln w="9525" cap="flat" cmpd="sng" algn="ctr">
-            <a:solidFill>
-              <a:schemeClr val="tx1"/>
-            </a:solidFill>
-            <a:prstDash val="solid"/>
-            <a:round/>
-            <a:headEnd type="none" w="med" len="med"/>
-            <a:tailEnd type="none" w="med" len="med"/>
-          </a:ln>
-          <a:effectLst/>
-          <a:extLst>
-            <a:ext uri="{AF507438-7753-43E0-B8FC-AC1667EBCBE1}">
-              <a14:hiddenEffects xmlns:a14="http://schemas.microsoft.com/office/drawing/2010/main">
-                <a:effectLst>
-                  <a:outerShdw dist="35921" dir="2700000" algn="ctr" rotWithShape="0">
-                    <a:schemeClr val="bg2"/>
-                  </a:outerShdw>
-                </a:effectLst>
-              </a14:hiddenEffects>
-            </a:ext>
-          </a:extLst>
-        </p:spPr>
-        <p:txBody>
-          <a:bodyPr vert="horz" wrap="none" lIns="91440" tIns="45720" rIns="91440" bIns="45720" numCol="1" rtlCol="0" anchor="t" anchorCtr="0" compatLnSpc="1">
-            <a:prstTxWarp prst="textNoShape">
-              <a:avLst/>
-            </a:prstTxWarp>
-          </a:bodyPr>
-          <a:lstStyle/>
-          <a:p>
-            <a:pPr marL="0" marR="0" indent="0" algn="l" defTabSz="914400" rtl="0" eaLnBrk="1" fontAlgn="base" latinLnBrk="0" hangingPunct="1">
-              <a:lnSpc>
-                <a:spcPct val="100000"/>
-              </a:lnSpc>
-              <a:spcBef>
-                <a:spcPct val="0"/>
-              </a:spcBef>
-              <a:spcAft>
-                <a:spcPct val="0"/>
-              </a:spcAft>
-              <a:buClrTx/>
-              <a:buSzTx/>
-              <a:buFontTx/>
-              <a:buNone/>
-              <a:tabLst/>
-            </a:pPr>
-            <a:endParaRPr kumimoji="0" lang="en-US" altLang="ja-JP" sz="1800" b="1" i="0" u="none" strike="noStrike" cap="none" normalizeH="0" baseline="0" dirty="0">
-              <a:ln>
-                <a:noFill/>
-              </a:ln>
-              <a:solidFill>
-                <a:schemeClr val="tx1"/>
-              </a:solidFill>
-              <a:effectLst/>
-              <a:latin typeface="Arial" charset="0"/>
-            </a:endParaRPr>
-          </a:p>
-        </p:txBody>
-      </p:sp>
-      <p:pic>
-        <p:nvPicPr>
-          <p:cNvPr id="31" name="図 30">
-            <a:extLst>
-              <a:ext uri="{FF2B5EF4-FFF2-40B4-BE49-F238E27FC236}">
-                <a16:creationId xmlns:a16="http://schemas.microsoft.com/office/drawing/2014/main" id="{B22FE791-51CA-415D-B0F6-6F88857C1F08}"/>
+                <a16:creationId xmlns:a16="http://schemas.microsoft.com/office/drawing/2014/main" id="{437CF701-064E-49D7-AD2F-938C11165724}"/>
               </a:ext>
             </a:extLst>
           </p:cNvPr>
@@ -19414,1702 +17563,129 @@
           </p:cNvPicPr>
           <p:nvPr/>
         </p:nvPicPr>
-        <p:blipFill rotWithShape="1">
-          <a:blip r:embed="rId2" cstate="print">
+        <p:blipFill>
+          <a:blip r:embed="rId4">
             <a:extLst>
               <a:ext uri="{28A0092B-C50C-407E-A947-70E740481C1C}">
                 <a14:useLocalDpi xmlns:a14="http://schemas.microsoft.com/office/drawing/2010/main" val="0"/>
               </a:ext>
             </a:extLst>
           </a:blip>
-          <a:srcRect l="13359" r="17435"/>
-          <a:stretch/>
+          <a:stretch>
+            <a:fillRect/>
+          </a:stretch>
         </p:blipFill>
         <p:spPr>
-          <a:xfrm rot="10800000">
-            <a:off x="8282398" y="1387331"/>
-            <a:ext cx="3109053" cy="2350183"/>
+          <a:xfrm>
+            <a:off x="6012682" y="4193778"/>
+            <a:ext cx="3612280" cy="4465069"/>
           </a:xfrm>
           <a:prstGeom prst="rect">
             <a:avLst/>
           </a:prstGeom>
-          <a:ln w="38100" cap="sq">
-            <a:noFill/>
-            <a:prstDash val="solid"/>
-            <a:miter lim="800000"/>
-          </a:ln>
-          <a:effectLst>
-            <a:outerShdw blurRad="50800" dist="38100" dir="5400000" algn="t" rotWithShape="0">
-              <a:prstClr val="black">
-                <a:alpha val="40000"/>
-              </a:prstClr>
-            </a:outerShdw>
-          </a:effectLst>
         </p:spPr>
       </p:pic>
-      <p:cxnSp>
-        <p:nvCxnSpPr>
-          <p:cNvPr id="32" name="直線矢印コネクタ 31">
+    </p:spTree>
+    <p:extLst>
+      <p:ext uri="{BB962C8B-B14F-4D97-AF65-F5344CB8AC3E}">
+        <p14:creationId xmlns:p14="http://schemas.microsoft.com/office/powerpoint/2010/main" val="3204753826"/>
+      </p:ext>
+    </p:extLst>
+  </p:cSld>
+  <p:clrMapOvr>
+    <a:masterClrMapping/>
+  </p:clrMapOvr>
+</p:sld>
+</file>
+
+<file path=ppt/slides/slide4.xml><?xml version="1.0" encoding="utf-8"?>
+<p:sld xmlns:a="http://schemas.openxmlformats.org/drawingml/2006/main" xmlns:r="http://schemas.openxmlformats.org/officeDocument/2006/relationships" xmlns:p="http://schemas.openxmlformats.org/presentationml/2006/main">
+  <p:cSld>
+    <p:spTree>
+      <p:nvGrpSpPr>
+        <p:cNvPr id="1" name=""/>
+        <p:cNvGrpSpPr/>
+        <p:nvPr/>
+      </p:nvGrpSpPr>
+      <p:grpSpPr>
+        <a:xfrm>
+          <a:off x="0" y="0"/>
+          <a:ext cx="0" cy="0"/>
+          <a:chOff x="0" y="0"/>
+          <a:chExt cx="0" cy="0"/>
+        </a:xfrm>
+      </p:grpSpPr>
+      <p:sp>
+        <p:nvSpPr>
+          <p:cNvPr id="2" name="タイトル 1">
             <a:extLst>
               <a:ext uri="{FF2B5EF4-FFF2-40B4-BE49-F238E27FC236}">
-                <a16:creationId xmlns:a16="http://schemas.microsoft.com/office/drawing/2014/main" id="{78DAEF6E-0025-4A11-8E6E-41C7B2B6FD27}"/>
+                <a16:creationId xmlns:a16="http://schemas.microsoft.com/office/drawing/2014/main" id="{A939A150-84DE-4DF8-B22B-32EEDD9A9CEF}"/>
               </a:ext>
             </a:extLst>
           </p:cNvPr>
-          <p:cNvCxnSpPr>
-            <a:cxnSpLocks/>
-          </p:cNvCxnSpPr>
-          <p:nvPr/>
-        </p:nvCxnSpPr>
-        <p:spPr bwMode="auto">
-          <a:xfrm flipH="1">
-            <a:off x="8583140" y="2199200"/>
-            <a:ext cx="434938" cy="241604"/>
-          </a:xfrm>
-          <a:prstGeom prst="straightConnector1">
-            <a:avLst/>
-          </a:prstGeom>
-          <a:solidFill>
-            <a:schemeClr val="accent1"/>
-          </a:solidFill>
-          <a:ln w="38100" cap="flat" cmpd="sng" algn="ctr">
-            <a:solidFill>
-              <a:srgbClr val="0070C0"/>
-            </a:solidFill>
-            <a:prstDash val="solid"/>
-            <a:round/>
-            <a:headEnd type="none" w="med" len="med"/>
-            <a:tailEnd type="triangle"/>
-          </a:ln>
-          <a:effectLst/>
-          <a:extLst>
-            <a:ext uri="{AF507438-7753-43E0-B8FC-AC1667EBCBE1}">
-              <a14:hiddenEffects xmlns:a14="http://schemas.microsoft.com/office/drawing/2010/main">
-                <a:effectLst>
-                  <a:outerShdw dist="35921" dir="2700000" algn="ctr" rotWithShape="0">
-                    <a:schemeClr val="bg2"/>
-                  </a:outerShdw>
-                </a:effectLst>
-              </a14:hiddenEffects>
-            </a:ext>
-          </a:extLst>
-        </p:spPr>
-      </p:cxnSp>
-      <p:cxnSp>
-        <p:nvCxnSpPr>
-          <p:cNvPr id="33" name="直線矢印コネクタ 32">
+          <p:cNvSpPr>
+            <a:spLocks noGrp="1"/>
+          </p:cNvSpPr>
+          <p:nvPr>
+            <p:ph type="title"/>
+          </p:nvPr>
+        </p:nvSpPr>
+        <p:spPr/>
+        <p:txBody>
+          <a:bodyPr/>
+          <a:lstStyle/>
+          <a:p>
+            <a:r>
+              <a:rPr kumimoji="1" lang="en-US" altLang="ja-JP" dirty="0"/>
+              <a:t>4. </a:t>
+            </a:r>
+            <a:r>
+              <a:rPr kumimoji="1" lang="ja-JP" altLang="en-US" dirty="0"/>
+              <a:t>構造分析</a:t>
+            </a:r>
+          </a:p>
+        </p:txBody>
+      </p:sp>
+      <p:pic>
+        <p:nvPicPr>
+          <p:cNvPr id="5" name="コンテンツ プレースホルダー 4">
             <a:extLst>
               <a:ext uri="{FF2B5EF4-FFF2-40B4-BE49-F238E27FC236}">
-                <a16:creationId xmlns:a16="http://schemas.microsoft.com/office/drawing/2014/main" id="{17C807E1-3A4F-4306-B072-366BFA38E3D3}"/>
+                <a16:creationId xmlns:a16="http://schemas.microsoft.com/office/drawing/2014/main" id="{F7C2DCF1-3737-4A21-B41B-4DD9FD4795D6}"/>
               </a:ext>
             </a:extLst>
           </p:cNvPr>
-          <p:cNvCxnSpPr>
-            <a:cxnSpLocks/>
-          </p:cNvCxnSpPr>
-          <p:nvPr/>
-        </p:nvCxnSpPr>
-        <p:spPr bwMode="auto">
-          <a:xfrm>
-            <a:off x="9008106" y="2197701"/>
-            <a:ext cx="454047" cy="1120083"/>
-          </a:xfrm>
-          <a:prstGeom prst="straightConnector1">
-            <a:avLst/>
-          </a:prstGeom>
-          <a:solidFill>
-            <a:schemeClr val="accent1"/>
-          </a:solidFill>
-          <a:ln w="38100" cap="flat" cmpd="sng" algn="ctr">
-            <a:solidFill>
-              <a:srgbClr val="00B050"/>
-            </a:solidFill>
-            <a:prstDash val="solid"/>
-            <a:round/>
-            <a:headEnd type="none" w="med" len="med"/>
-            <a:tailEnd type="triangle"/>
-          </a:ln>
-          <a:effectLst/>
-          <a:extLst>
-            <a:ext uri="{AF507438-7753-43E0-B8FC-AC1667EBCBE1}">
-              <a14:hiddenEffects xmlns:a14="http://schemas.microsoft.com/office/drawing/2010/main">
-                <a:effectLst>
-                  <a:outerShdw dist="35921" dir="2700000" algn="ctr" rotWithShape="0">
-                    <a:schemeClr val="bg2"/>
-                  </a:outerShdw>
-                </a:effectLst>
-              </a14:hiddenEffects>
-            </a:ext>
-          </a:extLst>
-        </p:spPr>
-      </p:cxnSp>
-      <p:cxnSp>
-        <p:nvCxnSpPr>
-          <p:cNvPr id="34" name="直線コネクタ 33">
+          <p:cNvPicPr>
+            <a:picLocks noGrp="1" noChangeAspect="1"/>
+          </p:cNvPicPr>
+          <p:nvPr>
+            <p:ph idx="1"/>
+          </p:nvPr>
+        </p:nvPicPr>
+        <p:blipFill>
+          <a:blip r:embed="rId2">
             <a:extLst>
-              <a:ext uri="{FF2B5EF4-FFF2-40B4-BE49-F238E27FC236}">
-                <a16:creationId xmlns:a16="http://schemas.microsoft.com/office/drawing/2014/main" id="{4C8A1F0E-D897-4612-871A-ED16C091569E}"/>
+              <a:ext uri="{28A0092B-C50C-407E-A947-70E740481C1C}">
+                <a14:useLocalDpi xmlns:a14="http://schemas.microsoft.com/office/drawing/2010/main" val="0"/>
               </a:ext>
             </a:extLst>
-          </p:cNvPr>
-          <p:cNvCxnSpPr>
-            <a:cxnSpLocks/>
-          </p:cNvCxnSpPr>
-          <p:nvPr/>
-        </p:nvCxnSpPr>
-        <p:spPr bwMode="auto">
+          </a:blip>
+          <a:stretch>
+            <a:fillRect/>
+          </a:stretch>
+        </p:blipFill>
+        <p:spPr>
           <a:xfrm>
-            <a:off x="8999862" y="1844790"/>
-            <a:ext cx="9912" cy="987378"/>
+            <a:off x="34379" y="2033538"/>
+            <a:ext cx="14768090" cy="8136904"/>
           </a:xfrm>
-          <a:prstGeom prst="line">
-            <a:avLst/>
-          </a:prstGeom>
-          <a:ln>
-            <a:headEnd type="none" w="med" len="med"/>
-            <a:tailEnd type="none" w="med" len="med"/>
-          </a:ln>
-          <a:extLst>
-            <a:ext uri="{AF507438-7753-43E0-B8FC-AC1667EBCBE1}">
-              <a14:hiddenEffects xmlns:a14="http://schemas.microsoft.com/office/drawing/2010/main">
-                <a:effectLst>
-                  <a:outerShdw dist="35921" dir="2700000" algn="ctr" rotWithShape="0">
-                    <a:schemeClr val="bg2"/>
-                  </a:outerShdw>
-                </a:effectLst>
-              </a14:hiddenEffects>
-            </a:ext>
-          </a:extLst>
         </p:spPr>
-        <p:style>
-          <a:lnRef idx="1">
-            <a:schemeClr val="accent1"/>
-          </a:lnRef>
-          <a:fillRef idx="0">
-            <a:schemeClr val="accent1"/>
-          </a:fillRef>
-          <a:effectRef idx="0">
-            <a:schemeClr val="accent1"/>
-          </a:effectRef>
-          <a:fontRef idx="minor">
-            <a:schemeClr val="tx1"/>
-          </a:fontRef>
-        </p:style>
-      </p:cxnSp>
-      <p:cxnSp>
-        <p:nvCxnSpPr>
-          <p:cNvPr id="35" name="直線コネクタ 34">
-            <a:extLst>
-              <a:ext uri="{FF2B5EF4-FFF2-40B4-BE49-F238E27FC236}">
-                <a16:creationId xmlns:a16="http://schemas.microsoft.com/office/drawing/2014/main" id="{95A1C5B3-9437-4305-9C41-9F27FEA4E1C8}"/>
-              </a:ext>
-            </a:extLst>
-          </p:cNvPr>
-          <p:cNvCxnSpPr>
-            <a:cxnSpLocks/>
-          </p:cNvCxnSpPr>
-          <p:nvPr/>
-        </p:nvCxnSpPr>
-        <p:spPr bwMode="auto">
-          <a:xfrm>
-            <a:off x="8639862" y="2199200"/>
-            <a:ext cx="1152742" cy="0"/>
-          </a:xfrm>
-          <a:prstGeom prst="line">
-            <a:avLst/>
-          </a:prstGeom>
-          <a:ln>
-            <a:headEnd type="none" w="med" len="med"/>
-            <a:tailEnd type="none" w="med" len="med"/>
-          </a:ln>
-          <a:extLst>
-            <a:ext uri="{AF507438-7753-43E0-B8FC-AC1667EBCBE1}">
-              <a14:hiddenEffects xmlns:a14="http://schemas.microsoft.com/office/drawing/2010/main">
-                <a:effectLst>
-                  <a:outerShdw dist="35921" dir="2700000" algn="ctr" rotWithShape="0">
-                    <a:schemeClr val="bg2"/>
-                  </a:outerShdw>
-                </a:effectLst>
-              </a14:hiddenEffects>
-            </a:ext>
-          </a:extLst>
-        </p:spPr>
-        <p:style>
-          <a:lnRef idx="1">
-            <a:schemeClr val="accent1"/>
-          </a:lnRef>
-          <a:fillRef idx="0">
-            <a:schemeClr val="accent1"/>
-          </a:fillRef>
-          <a:effectRef idx="0">
-            <a:schemeClr val="accent1"/>
-          </a:effectRef>
-          <a:fontRef idx="minor">
-            <a:schemeClr val="tx1"/>
-          </a:fontRef>
-        </p:style>
-      </p:cxnSp>
-      <p:sp>
-        <p:nvSpPr>
-          <p:cNvPr id="36" name="アーチ 35">
-            <a:extLst>
-              <a:ext uri="{FF2B5EF4-FFF2-40B4-BE49-F238E27FC236}">
-                <a16:creationId xmlns:a16="http://schemas.microsoft.com/office/drawing/2014/main" id="{2ADD8352-AAF2-4F26-B840-48F24AF21216}"/>
-              </a:ext>
-            </a:extLst>
-          </p:cNvPr>
-          <p:cNvSpPr/>
-          <p:nvPr/>
-        </p:nvSpPr>
-        <p:spPr bwMode="auto">
-          <a:xfrm rot="5400000">
-            <a:off x="8819751" y="2023955"/>
-            <a:ext cx="360000" cy="360000"/>
-          </a:xfrm>
-          <a:prstGeom prst="blockArc">
-            <a:avLst>
-              <a:gd name="adj1" fmla="val 21598188"/>
-              <a:gd name="adj2" fmla="val 2639571"/>
-              <a:gd name="adj3" fmla="val 7939"/>
-            </a:avLst>
-          </a:prstGeom>
-          <a:solidFill>
-            <a:srgbClr val="FFC000"/>
-          </a:solidFill>
-          <a:ln w="9525" cap="flat" cmpd="sng" algn="ctr">
-            <a:solidFill>
-              <a:schemeClr val="accent2">
-                <a:lumMod val="75000"/>
-              </a:schemeClr>
-            </a:solidFill>
-            <a:prstDash val="solid"/>
-            <a:round/>
-            <a:headEnd type="none" w="med" len="med"/>
-            <a:tailEnd type="none" w="med" len="med"/>
-          </a:ln>
-          <a:effectLst/>
-          <a:extLst/>
-        </p:spPr>
-        <p:txBody>
-          <a:bodyPr rot="0" spcFirstLastPara="0" vertOverflow="overflow" horzOverflow="overflow" vert="horz" wrap="none" lIns="91440" tIns="45720" rIns="91440" bIns="45720" numCol="1" spcCol="0" rtlCol="0" fromWordArt="0" anchor="ctr" anchorCtr="0" forceAA="0" compatLnSpc="1">
-            <a:prstTxWarp prst="textNoShape">
-              <a:avLst/>
-            </a:prstTxWarp>
-            <a:noAutofit/>
-          </a:bodyPr>
-          <a:lstStyle/>
-          <a:p>
-            <a:pPr marL="0" marR="0" indent="0" algn="ctr" defTabSz="914400" rtl="0" eaLnBrk="1" fontAlgn="base" latinLnBrk="0" hangingPunct="1">
-              <a:lnSpc>
-                <a:spcPct val="100000"/>
-              </a:lnSpc>
-              <a:spcBef>
-                <a:spcPct val="0"/>
-              </a:spcBef>
-              <a:spcAft>
-                <a:spcPct val="0"/>
-              </a:spcAft>
-              <a:buClrTx/>
-              <a:buSzTx/>
-              <a:buFontTx/>
-              <a:buNone/>
-              <a:tabLst/>
-            </a:pPr>
-            <a:endParaRPr kumimoji="0" lang="ja-JP" altLang="en-US" sz="1800" b="1" i="0" u="none" strike="noStrike" normalizeH="0" baseline="0">
-              <a:ln w="22225">
-                <a:solidFill>
-                  <a:schemeClr val="accent2"/>
-                </a:solidFill>
-                <a:prstDash val="solid"/>
-              </a:ln>
-              <a:solidFill>
-                <a:schemeClr val="accent2">
-                  <a:lumMod val="40000"/>
-                  <a:lumOff val="60000"/>
-                </a:schemeClr>
-              </a:solidFill>
-              <a:latin typeface="Arial" charset="0"/>
-            </a:endParaRPr>
-          </a:p>
-        </p:txBody>
-      </p:sp>
-      <p:sp>
-        <p:nvSpPr>
-          <p:cNvPr id="37" name="アーチ 36">
-            <a:extLst>
-              <a:ext uri="{FF2B5EF4-FFF2-40B4-BE49-F238E27FC236}">
-                <a16:creationId xmlns:a16="http://schemas.microsoft.com/office/drawing/2014/main" id="{7CF6DEC1-F3CA-4AA5-AA11-F2C4821983F5}"/>
-              </a:ext>
-            </a:extLst>
-          </p:cNvPr>
-          <p:cNvSpPr/>
-          <p:nvPr/>
-        </p:nvSpPr>
-        <p:spPr bwMode="auto">
-          <a:xfrm rot="5400000">
-            <a:off x="8893837" y="2089701"/>
-            <a:ext cx="216000" cy="216000"/>
-          </a:xfrm>
-          <a:prstGeom prst="blockArc">
-            <a:avLst>
-              <a:gd name="adj1" fmla="val 117809"/>
-              <a:gd name="adj2" fmla="val 17959970"/>
-              <a:gd name="adj3" fmla="val 15857"/>
-            </a:avLst>
-          </a:prstGeom>
-          <a:solidFill>
-            <a:schemeClr val="accent1"/>
-          </a:solidFill>
-          <a:ln w="9525" cap="flat" cmpd="sng" algn="ctr">
-            <a:solidFill>
-              <a:schemeClr val="accent6">
-                <a:lumMod val="75000"/>
-              </a:schemeClr>
-            </a:solidFill>
-            <a:prstDash val="solid"/>
-            <a:round/>
-            <a:headEnd type="none" w="med" len="med"/>
-            <a:tailEnd type="none" w="med" len="med"/>
-          </a:ln>
-          <a:effectLst/>
-          <a:extLst>
-            <a:ext uri="{AF507438-7753-43E0-B8FC-AC1667EBCBE1}">
-              <a14:hiddenEffects xmlns:a14="http://schemas.microsoft.com/office/drawing/2010/main">
-                <a:effectLst>
-                  <a:outerShdw dist="35921" dir="2700000" algn="ctr" rotWithShape="0">
-                    <a:schemeClr val="bg2"/>
-                  </a:outerShdw>
-                </a:effectLst>
-              </a14:hiddenEffects>
-            </a:ext>
-          </a:extLst>
-        </p:spPr>
-        <p:txBody>
-          <a:bodyPr vert="horz" wrap="none" lIns="91440" tIns="45720" rIns="91440" bIns="45720" numCol="1" rtlCol="0" anchor="ctr" anchorCtr="0" compatLnSpc="1">
-            <a:prstTxWarp prst="textNoShape">
-              <a:avLst/>
-            </a:prstTxWarp>
-          </a:bodyPr>
-          <a:lstStyle/>
-          <a:p>
-            <a:pPr marL="0" marR="0" indent="0" algn="ctr" defTabSz="914400" rtl="0" eaLnBrk="1" fontAlgn="base" latinLnBrk="0" hangingPunct="1">
-              <a:lnSpc>
-                <a:spcPct val="100000"/>
-              </a:lnSpc>
-              <a:spcBef>
-                <a:spcPct val="0"/>
-              </a:spcBef>
-              <a:spcAft>
-                <a:spcPct val="0"/>
-              </a:spcAft>
-              <a:buClrTx/>
-              <a:buSzTx/>
-              <a:buFontTx/>
-              <a:buNone/>
-              <a:tabLst/>
-            </a:pPr>
-            <a:endParaRPr kumimoji="0" lang="ja-JP" altLang="en-US" sz="1800" b="0" i="0" u="none" strike="noStrike" cap="none" normalizeH="0" baseline="0">
-              <a:ln>
-                <a:noFill/>
-              </a:ln>
-              <a:solidFill>
-                <a:schemeClr val="tx1"/>
-              </a:solidFill>
-              <a:effectLst/>
-              <a:latin typeface="Arial" charset="0"/>
-            </a:endParaRPr>
-          </a:p>
-        </p:txBody>
-      </p:sp>
-      <mc:AlternateContent xmlns:mc="http://schemas.openxmlformats.org/markup-compatibility/2006" xmlns:a14="http://schemas.microsoft.com/office/drawing/2010/main">
-        <mc:Choice Requires="a14">
-          <p:sp>
-            <p:nvSpPr>
-              <p:cNvPr id="38" name="正方形/長方形 37">
-                <a:extLst>
-                  <a:ext uri="{FF2B5EF4-FFF2-40B4-BE49-F238E27FC236}">
-                    <a16:creationId xmlns:a16="http://schemas.microsoft.com/office/drawing/2014/main" id="{02ABA5DC-4C38-4000-94EE-8122C2EBDB61}"/>
-                  </a:ext>
-                </a:extLst>
-              </p:cNvPr>
-              <p:cNvSpPr/>
-              <p:nvPr/>
-            </p:nvSpPr>
-            <p:spPr>
-              <a:xfrm>
-                <a:off x="8695312" y="2300176"/>
-                <a:ext cx="458715" cy="369332"/>
-              </a:xfrm>
-              <a:prstGeom prst="rect">
-                <a:avLst/>
-              </a:prstGeom>
-            </p:spPr>
-            <p:txBody>
-              <a:bodyPr wrap="square">
-                <a:spAutoFit/>
-              </a:bodyPr>
-              <a:lstStyle/>
-              <a:p>
-                <a:pPr/>
-                <a14:m>
-                  <m:oMathPara xmlns:m="http://schemas.openxmlformats.org/officeDocument/2006/math">
-                    <m:oMathParaPr>
-                      <m:jc m:val="centerGroup"/>
-                    </m:oMathParaPr>
-                    <m:oMath xmlns:m="http://schemas.openxmlformats.org/officeDocument/2006/math">
-                      <m:sSup>
-                        <m:sSupPr>
-                          <m:ctrlPr>
-                            <a:rPr kumimoji="1" lang="en-US" altLang="ja-JP" i="1" dirty="0" smtClean="0">
-                              <a:ln>
-                                <a:solidFill>
-                                  <a:schemeClr val="accent2">
-                                    <a:lumMod val="75000"/>
-                                  </a:schemeClr>
-                                </a:solidFill>
-                              </a:ln>
-                              <a:solidFill>
-                                <a:srgbClr val="FFC000"/>
-                              </a:solidFill>
-                              <a:latin typeface="Cambria Math" panose="02040503050406030204" pitchFamily="18" charset="0"/>
-                            </a:rPr>
-                          </m:ctrlPr>
-                        </m:sSupPr>
-                        <m:e>
-                          <m:r>
-                            <a:rPr kumimoji="1" lang="ja-JP" altLang="en-US" i="1" dirty="0">
-                              <a:ln>
-                                <a:solidFill>
-                                  <a:schemeClr val="accent2">
-                                    <a:lumMod val="75000"/>
-                                  </a:schemeClr>
-                                </a:solidFill>
-                              </a:ln>
-                              <a:solidFill>
-                                <a:srgbClr val="FFC000"/>
-                              </a:solidFill>
-                              <a:latin typeface="Cambria Math" panose="02040503050406030204" pitchFamily="18" charset="0"/>
-                            </a:rPr>
-                            <m:t>𝜃</m:t>
-                          </m:r>
-                        </m:e>
-                        <m:sup>
-                          <m:r>
-                            <a:rPr kumimoji="1" lang="en-US" altLang="ja-JP" i="1" dirty="0">
-                              <a:ln>
-                                <a:solidFill>
-                                  <a:schemeClr val="accent2">
-                                    <a:lumMod val="75000"/>
-                                  </a:schemeClr>
-                                </a:solidFill>
-                              </a:ln>
-                              <a:solidFill>
-                                <a:srgbClr val="FFC000"/>
-                              </a:solidFill>
-                              <a:latin typeface="Cambria Math" panose="02040503050406030204" pitchFamily="18" charset="0"/>
-                            </a:rPr>
-                            <m:t>′</m:t>
-                          </m:r>
-                        </m:sup>
-                      </m:sSup>
-                    </m:oMath>
-                  </m:oMathPara>
-                </a14:m>
-                <a:endParaRPr lang="ja-JP" altLang="en-US" dirty="0">
-                  <a:ln>
-                    <a:solidFill>
-                      <a:schemeClr val="accent2">
-                        <a:lumMod val="75000"/>
-                      </a:schemeClr>
-                    </a:solidFill>
-                  </a:ln>
-                  <a:solidFill>
-                    <a:srgbClr val="FFC000"/>
-                  </a:solidFill>
-                </a:endParaRPr>
-              </a:p>
-            </p:txBody>
-          </p:sp>
-        </mc:Choice>
-        <mc:Fallback xmlns="">
-          <p:sp>
-            <p:nvSpPr>
-              <p:cNvPr id="38" name="正方形/長方形 37">
-                <a:extLst>
-                  <a:ext uri="{FF2B5EF4-FFF2-40B4-BE49-F238E27FC236}">
-                    <a16:creationId xmlns:a16="http://schemas.microsoft.com/office/drawing/2014/main" id="{02ABA5DC-4C38-4000-94EE-8122C2EBDB61}"/>
-                  </a:ext>
-                </a:extLst>
-              </p:cNvPr>
-              <p:cNvSpPr>
-                <a:spLocks noRot="1" noChangeAspect="1" noMove="1" noResize="1" noEditPoints="1" noAdjustHandles="1" noChangeArrowheads="1" noChangeShapeType="1" noTextEdit="1"/>
-              </p:cNvSpPr>
-              <p:nvPr/>
-            </p:nvSpPr>
-            <p:spPr>
-              <a:xfrm>
-                <a:off x="8695312" y="2300176"/>
-                <a:ext cx="458715" cy="369332"/>
-              </a:xfrm>
-              <a:prstGeom prst="rect">
-                <a:avLst/>
-              </a:prstGeom>
-              <a:blipFill>
-                <a:blip r:embed="rId7"/>
-                <a:stretch>
-                  <a:fillRect/>
-                </a:stretch>
-              </a:blipFill>
-            </p:spPr>
-            <p:txBody>
-              <a:bodyPr/>
-              <a:lstStyle/>
-              <a:p>
-                <a:r>
-                  <a:rPr lang="ja-JP" altLang="en-US">
-                    <a:noFill/>
-                  </a:rPr>
-                  <a:t> </a:t>
-                </a:r>
-              </a:p>
-            </p:txBody>
-          </p:sp>
-        </mc:Fallback>
-      </mc:AlternateContent>
-      <p:sp>
-        <p:nvSpPr>
-          <p:cNvPr id="39" name="二等辺三角形 38">
-            <a:extLst>
-              <a:ext uri="{FF2B5EF4-FFF2-40B4-BE49-F238E27FC236}">
-                <a16:creationId xmlns:a16="http://schemas.microsoft.com/office/drawing/2014/main" id="{7DA7E286-6BF5-4455-88BF-788796773251}"/>
-              </a:ext>
-            </a:extLst>
-          </p:cNvPr>
-          <p:cNvSpPr/>
-          <p:nvPr/>
-        </p:nvSpPr>
-        <p:spPr bwMode="auto">
-          <a:xfrm rot="13327997">
-            <a:off x="9026953" y="2225133"/>
-            <a:ext cx="84020" cy="63175"/>
-          </a:xfrm>
-          <a:prstGeom prst="triangle">
-            <a:avLst/>
-          </a:prstGeom>
-          <a:solidFill>
-            <a:srgbClr val="BBE0E3"/>
-          </a:solidFill>
-          <a:ln w="9525" cap="flat" cmpd="sng" algn="ctr">
-            <a:solidFill>
-              <a:schemeClr val="accent2">
-                <a:lumMod val="75000"/>
-              </a:schemeClr>
-            </a:solidFill>
-            <a:prstDash val="solid"/>
-            <a:round/>
-            <a:headEnd type="none" w="med" len="med"/>
-            <a:tailEnd type="none" w="med" len="med"/>
-          </a:ln>
-          <a:effectLst/>
-          <a:extLst/>
-        </p:spPr>
-        <p:txBody>
-          <a:bodyPr rot="0" spcFirstLastPara="0" vertOverflow="overflow" horzOverflow="overflow" vert="horz" wrap="none" lIns="91440" tIns="45720" rIns="91440" bIns="45720" numCol="1" spcCol="0" rtlCol="0" fromWordArt="0" anchor="ctr" anchorCtr="0" forceAA="0" compatLnSpc="1">
-            <a:prstTxWarp prst="textNoShape">
-              <a:avLst/>
-            </a:prstTxWarp>
-            <a:noAutofit/>
-          </a:bodyPr>
-          <a:lstStyle/>
-          <a:p>
-            <a:pPr marL="0" marR="0" indent="0" algn="ctr" defTabSz="914400" rtl="0" eaLnBrk="1" fontAlgn="base" latinLnBrk="0" hangingPunct="1">
-              <a:lnSpc>
-                <a:spcPct val="100000"/>
-              </a:lnSpc>
-              <a:spcBef>
-                <a:spcPct val="0"/>
-              </a:spcBef>
-              <a:spcAft>
-                <a:spcPct val="0"/>
-              </a:spcAft>
-              <a:buClrTx/>
-              <a:buSzTx/>
-              <a:buFontTx/>
-              <a:buNone/>
-              <a:tabLst/>
-            </a:pPr>
-            <a:endParaRPr kumimoji="0" lang="ja-JP" altLang="en-US" sz="1800" b="1" i="0" u="none" strike="noStrike" normalizeH="0" baseline="0" dirty="0">
-              <a:ln w="22225">
-                <a:solidFill>
-                  <a:schemeClr val="accent2"/>
-                </a:solidFill>
-                <a:prstDash val="solid"/>
-              </a:ln>
-              <a:solidFill>
-                <a:schemeClr val="accent2">
-                  <a:lumMod val="40000"/>
-                  <a:lumOff val="60000"/>
-                </a:schemeClr>
-              </a:solidFill>
-              <a:latin typeface="Arial" charset="0"/>
-            </a:endParaRPr>
-          </a:p>
-        </p:txBody>
-      </p:sp>
-      <mc:AlternateContent xmlns:mc="http://schemas.openxmlformats.org/markup-compatibility/2006" xmlns:a14="http://schemas.microsoft.com/office/drawing/2010/main">
-        <mc:Choice Requires="a14">
-          <p:sp>
-            <p:nvSpPr>
-              <p:cNvPr id="40" name="正方形/長方形 39">
-                <a:extLst>
-                  <a:ext uri="{FF2B5EF4-FFF2-40B4-BE49-F238E27FC236}">
-                    <a16:creationId xmlns:a16="http://schemas.microsoft.com/office/drawing/2014/main" id="{CEA9C59D-F750-4797-B9CA-80A8AB5F09F3}"/>
-                  </a:ext>
-                </a:extLst>
-              </p:cNvPr>
-              <p:cNvSpPr/>
-              <p:nvPr/>
-            </p:nvSpPr>
-            <p:spPr>
-              <a:xfrm>
-                <a:off x="8893837" y="1798685"/>
-                <a:ext cx="509192" cy="369332"/>
-              </a:xfrm>
-              <a:prstGeom prst="rect">
-                <a:avLst/>
-              </a:prstGeom>
-            </p:spPr>
-            <p:txBody>
-              <a:bodyPr wrap="square">
-                <a:spAutoFit/>
-              </a:bodyPr>
-              <a:lstStyle/>
-              <a:p>
-                <a:pPr/>
-                <a14:m>
-                  <m:oMathPara xmlns:m="http://schemas.openxmlformats.org/officeDocument/2006/math">
-                    <m:oMathParaPr>
-                      <m:jc m:val="centerGroup"/>
-                    </m:oMathParaPr>
-                    <m:oMath xmlns:m="http://schemas.openxmlformats.org/officeDocument/2006/math">
-                      <m:r>
-                        <a:rPr kumimoji="1" lang="ja-JP" altLang="en-US" i="1" dirty="0">
-                          <a:ln>
-                            <a:solidFill>
-                              <a:schemeClr val="accent2">
-                                <a:lumMod val="75000"/>
-                              </a:schemeClr>
-                            </a:solidFill>
-                          </a:ln>
-                          <a:solidFill>
-                            <a:srgbClr val="BBE0E3"/>
-                          </a:solidFill>
-                          <a:latin typeface="Cambria Math" panose="02040503050406030204" pitchFamily="18" charset="0"/>
-                        </a:rPr>
-                        <m:t>𝜑</m:t>
-                      </m:r>
-                    </m:oMath>
-                  </m:oMathPara>
-                </a14:m>
-                <a:endParaRPr lang="ja-JP" altLang="en-US" dirty="0">
-                  <a:ln>
-                    <a:solidFill>
-                      <a:schemeClr val="accent2">
-                        <a:lumMod val="75000"/>
-                      </a:schemeClr>
-                    </a:solidFill>
-                  </a:ln>
-                  <a:solidFill>
-                    <a:srgbClr val="FFC000"/>
-                  </a:solidFill>
-                </a:endParaRPr>
-              </a:p>
-            </p:txBody>
-          </p:sp>
-        </mc:Choice>
-        <mc:Fallback xmlns="">
-          <p:sp>
-            <p:nvSpPr>
-              <p:cNvPr id="40" name="正方形/長方形 39">
-                <a:extLst>
-                  <a:ext uri="{FF2B5EF4-FFF2-40B4-BE49-F238E27FC236}">
-                    <a16:creationId xmlns:a16="http://schemas.microsoft.com/office/drawing/2014/main" id="{CEA9C59D-F750-4797-B9CA-80A8AB5F09F3}"/>
-                  </a:ext>
-                </a:extLst>
-              </p:cNvPr>
-              <p:cNvSpPr>
-                <a:spLocks noRot="1" noChangeAspect="1" noMove="1" noResize="1" noEditPoints="1" noAdjustHandles="1" noChangeArrowheads="1" noChangeShapeType="1" noTextEdit="1"/>
-              </p:cNvSpPr>
-              <p:nvPr/>
-            </p:nvSpPr>
-            <p:spPr>
-              <a:xfrm>
-                <a:off x="8893837" y="1798685"/>
-                <a:ext cx="509192" cy="369332"/>
-              </a:xfrm>
-              <a:prstGeom prst="rect">
-                <a:avLst/>
-              </a:prstGeom>
-              <a:blipFill>
-                <a:blip r:embed="rId8"/>
-                <a:stretch>
-                  <a:fillRect/>
-                </a:stretch>
-              </a:blipFill>
-            </p:spPr>
-            <p:txBody>
-              <a:bodyPr/>
-              <a:lstStyle/>
-              <a:p>
-                <a:r>
-                  <a:rPr lang="ja-JP" altLang="en-US">
-                    <a:noFill/>
-                  </a:rPr>
-                  <a:t> </a:t>
-                </a:r>
-              </a:p>
-            </p:txBody>
-          </p:sp>
-        </mc:Fallback>
-      </mc:AlternateContent>
-      <p:sp>
-        <p:nvSpPr>
-          <p:cNvPr id="41" name="二等辺三角形 40">
-            <a:extLst>
-              <a:ext uri="{FF2B5EF4-FFF2-40B4-BE49-F238E27FC236}">
-                <a16:creationId xmlns:a16="http://schemas.microsoft.com/office/drawing/2014/main" id="{61D29DE9-6908-42D2-B9DA-BCE208400F02}"/>
-              </a:ext>
-            </a:extLst>
-          </p:cNvPr>
-          <p:cNvSpPr/>
-          <p:nvPr/>
-        </p:nvSpPr>
-        <p:spPr bwMode="auto">
-          <a:xfrm rot="18916130">
-            <a:off x="8824238" y="2283445"/>
-            <a:ext cx="84020" cy="53099"/>
-          </a:xfrm>
-          <a:prstGeom prst="triangle">
-            <a:avLst/>
-          </a:prstGeom>
-          <a:solidFill>
-            <a:srgbClr val="FFC000"/>
-          </a:solidFill>
-          <a:ln w="9525" cap="flat" cmpd="sng" algn="ctr">
-            <a:solidFill>
-              <a:schemeClr val="accent2">
-                <a:lumMod val="75000"/>
-              </a:schemeClr>
-            </a:solidFill>
-            <a:prstDash val="solid"/>
-            <a:round/>
-            <a:headEnd type="none" w="med" len="med"/>
-            <a:tailEnd type="none" w="med" len="med"/>
-          </a:ln>
-          <a:effectLst/>
-          <a:extLst/>
-        </p:spPr>
-        <p:txBody>
-          <a:bodyPr rot="0" spcFirstLastPara="0" vertOverflow="overflow" horzOverflow="overflow" vert="horz" wrap="none" lIns="91440" tIns="45720" rIns="91440" bIns="45720" numCol="1" spcCol="0" rtlCol="0" fromWordArt="0" anchor="ctr" anchorCtr="0" forceAA="0" compatLnSpc="1">
-            <a:prstTxWarp prst="textNoShape">
-              <a:avLst/>
-            </a:prstTxWarp>
-            <a:noAutofit/>
-          </a:bodyPr>
-          <a:lstStyle/>
-          <a:p>
-            <a:pPr marL="0" marR="0" indent="0" algn="ctr" defTabSz="914400" rtl="0" eaLnBrk="1" fontAlgn="base" latinLnBrk="0" hangingPunct="1">
-              <a:lnSpc>
-                <a:spcPct val="100000"/>
-              </a:lnSpc>
-              <a:spcBef>
-                <a:spcPct val="0"/>
-              </a:spcBef>
-              <a:spcAft>
-                <a:spcPct val="0"/>
-              </a:spcAft>
-              <a:buClrTx/>
-              <a:buSzTx/>
-              <a:buFontTx/>
-              <a:buNone/>
-              <a:tabLst/>
-            </a:pPr>
-            <a:endParaRPr kumimoji="0" lang="ja-JP" altLang="en-US" sz="1800" b="1" i="0" u="none" strike="noStrike" normalizeH="0" baseline="0" dirty="0">
-              <a:ln w="22225">
-                <a:solidFill>
-                  <a:schemeClr val="accent2"/>
-                </a:solidFill>
-                <a:prstDash val="solid"/>
-              </a:ln>
-              <a:solidFill>
-                <a:schemeClr val="accent2">
-                  <a:lumMod val="40000"/>
-                  <a:lumOff val="60000"/>
-                </a:schemeClr>
-              </a:solidFill>
-              <a:latin typeface="Arial" charset="0"/>
-            </a:endParaRPr>
-          </a:p>
-        </p:txBody>
-      </p:sp>
-      <mc:AlternateContent xmlns:mc="http://schemas.openxmlformats.org/markup-compatibility/2006" xmlns:a14="http://schemas.microsoft.com/office/drawing/2010/main">
-        <mc:Choice Requires="a14">
-          <p:sp>
-            <p:nvSpPr>
-              <p:cNvPr id="42" name="テキスト ボックス 41">
-                <a:extLst>
-                  <a:ext uri="{FF2B5EF4-FFF2-40B4-BE49-F238E27FC236}">
-                    <a16:creationId xmlns:a16="http://schemas.microsoft.com/office/drawing/2014/main" id="{11DF6857-7DC8-4D1F-AF03-1E1D85AAE4A8}"/>
-                  </a:ext>
-                </a:extLst>
-              </p:cNvPr>
-              <p:cNvSpPr txBox="1"/>
-              <p:nvPr/>
-            </p:nvSpPr>
-            <p:spPr>
-              <a:xfrm>
-                <a:off x="4194092" y="1293131"/>
-                <a:ext cx="4071596" cy="2615075"/>
-              </a:xfrm>
-              <a:prstGeom prst="rect">
-                <a:avLst/>
-              </a:prstGeom>
-              <a:noFill/>
-            </p:spPr>
-            <p:txBody>
-              <a:bodyPr wrap="square" rtlCol="0">
-                <a:spAutoFit/>
-              </a:bodyPr>
-              <a:lstStyle/>
-              <a:p>
-                <a:pPr algn="l"/>
-                <a:r>
-                  <a:rPr lang="ja-JP" altLang="en-US" b="1" dirty="0"/>
-                  <a:t>①目標座標の方向へ旋回する。</a:t>
-                </a:r>
-                <a:endParaRPr lang="en-US" altLang="ja-JP" b="1" dirty="0"/>
-              </a:p>
-              <a:p>
-                <a:pPr algn="l">
-                  <a:tabLst>
-                    <a:tab pos="3676650" algn="l"/>
-                  </a:tabLst>
-                </a:pPr>
-                <a:r>
-                  <a:rPr lang="ja-JP" altLang="en-US" dirty="0"/>
-                  <a:t>　離脱判定で取得したコース情報の座標を目標座標とする。現在の走行体の座標と目標座標から、目標座標へ向かうための旋回座標</a:t>
-                </a:r>
-                <a14:m>
-                  <m:oMath xmlns:m="http://schemas.openxmlformats.org/officeDocument/2006/math">
-                    <m:r>
-                      <a:rPr lang="ja-JP" altLang="en-US" i="1">
-                        <a:latin typeface="Cambria Math" panose="02040503050406030204" pitchFamily="18" charset="0"/>
-                      </a:rPr>
-                      <m:t>𝜑</m:t>
-                    </m:r>
-                  </m:oMath>
-                </a14:m>
-                <a:r>
-                  <a:rPr lang="ja-JP" altLang="en-US" dirty="0"/>
-                  <a:t>を計算する。</a:t>
-                </a:r>
-                <a:endParaRPr lang="en-US" altLang="ja-JP" dirty="0"/>
-              </a:p>
-              <a:p>
-                <a:pPr algn="l"/>
-                <a14:m>
-                  <m:oMathPara xmlns:m="http://schemas.openxmlformats.org/officeDocument/2006/math">
-                    <m:oMathParaPr>
-                      <m:jc m:val="centerGroup"/>
-                    </m:oMathParaPr>
-                    <m:oMath xmlns:m="http://schemas.openxmlformats.org/officeDocument/2006/math">
-                      <m:r>
-                        <a:rPr lang="ja-JP" altLang="en-US" i="1">
-                          <a:latin typeface="Cambria Math" panose="02040503050406030204" pitchFamily="18" charset="0"/>
-                        </a:rPr>
-                        <m:t>𝜑</m:t>
-                      </m:r>
-                      <m:r>
-                        <a:rPr lang="en-US" altLang="ja-JP" i="1">
-                          <a:latin typeface="Cambria Math" panose="02040503050406030204" pitchFamily="18" charset="0"/>
-                        </a:rPr>
-                        <m:t>=</m:t>
-                      </m:r>
-                      <m:func>
-                        <m:funcPr>
-                          <m:ctrlPr>
-                            <a:rPr lang="en-US" altLang="ja-JP" i="1">
-                              <a:latin typeface="Cambria Math" panose="02040503050406030204" pitchFamily="18" charset="0"/>
-                            </a:rPr>
-                          </m:ctrlPr>
-                        </m:funcPr>
-                        <m:fName>
-                          <m:sSup>
-                            <m:sSupPr>
-                              <m:ctrlPr>
-                                <a:rPr lang="en-US" altLang="ja-JP" i="1">
-                                  <a:latin typeface="Cambria Math" panose="02040503050406030204" pitchFamily="18" charset="0"/>
-                                </a:rPr>
-                              </m:ctrlPr>
-                            </m:sSupPr>
-                            <m:e>
-                              <m:r>
-                                <m:rPr>
-                                  <m:sty m:val="p"/>
-                                </m:rPr>
-                                <a:rPr lang="en-US" altLang="ja-JP">
-                                  <a:latin typeface="Cambria Math" panose="02040503050406030204" pitchFamily="18" charset="0"/>
-                                </a:rPr>
-                                <m:t>tan</m:t>
-                              </m:r>
-                            </m:e>
-                            <m:sup>
-                              <m:r>
-                                <a:rPr lang="en-US" altLang="ja-JP" i="1">
-                                  <a:latin typeface="Cambria Math" panose="02040503050406030204" pitchFamily="18" charset="0"/>
-                                </a:rPr>
-                                <m:t>−1</m:t>
-                              </m:r>
-                            </m:sup>
-                          </m:sSup>
-                        </m:fName>
-                        <m:e>
-                          <m:f>
-                            <m:fPr>
-                              <m:ctrlPr>
-                                <a:rPr lang="en-US" altLang="ja-JP" i="1">
-                                  <a:latin typeface="Cambria Math" panose="02040503050406030204" pitchFamily="18" charset="0"/>
-                                </a:rPr>
-                              </m:ctrlPr>
-                            </m:fPr>
-                            <m:num>
-                              <m:sSub>
-                                <m:sSubPr>
-                                  <m:ctrlPr>
-                                    <a:rPr kumimoji="1" lang="en-US" altLang="ja-JP" i="1" dirty="0">
-                                      <a:latin typeface="Cambria Math" panose="02040503050406030204" pitchFamily="18" charset="0"/>
-                                    </a:rPr>
-                                  </m:ctrlPr>
-                                </m:sSubPr>
-                                <m:e>
-                                  <m:r>
-                                    <a:rPr kumimoji="1" lang="en-US" altLang="ja-JP" i="1" dirty="0">
-                                      <a:latin typeface="Cambria Math" panose="02040503050406030204" pitchFamily="18" charset="0"/>
-                                    </a:rPr>
-                                    <m:t>𝑥</m:t>
-                                  </m:r>
-                                </m:e>
-                                <m:sub>
-                                  <m:r>
-                                    <a:rPr kumimoji="1" lang="en-US" altLang="ja-JP" i="1" dirty="0">
-                                      <a:latin typeface="Cambria Math" panose="02040503050406030204" pitchFamily="18" charset="0"/>
-                                    </a:rPr>
-                                    <m:t>𝑛</m:t>
-                                  </m:r>
-                                </m:sub>
-                              </m:sSub>
-                              <m:r>
-                                <a:rPr kumimoji="1" lang="en-US" altLang="ja-JP" i="1" dirty="0">
-                                  <a:latin typeface="Cambria Math" panose="02040503050406030204" pitchFamily="18" charset="0"/>
-                                </a:rPr>
-                                <m:t>−</m:t>
-                              </m:r>
-                              <m:sSup>
-                                <m:sSupPr>
-                                  <m:ctrlPr>
-                                    <a:rPr kumimoji="1" lang="en-US" altLang="ja-JP" i="1" dirty="0">
-                                      <a:latin typeface="Cambria Math" panose="02040503050406030204" pitchFamily="18" charset="0"/>
-                                    </a:rPr>
-                                  </m:ctrlPr>
-                                </m:sSupPr>
-                                <m:e>
-                                  <m:r>
-                                    <a:rPr kumimoji="1" lang="en-US" altLang="ja-JP" i="1" dirty="0">
-                                      <a:latin typeface="Cambria Math" panose="02040503050406030204" pitchFamily="18" charset="0"/>
-                                    </a:rPr>
-                                    <m:t>𝑥</m:t>
-                                  </m:r>
-                                </m:e>
-                                <m:sup>
-                                  <m:r>
-                                    <a:rPr kumimoji="1" lang="en-US" altLang="ja-JP" i="1" dirty="0">
-                                      <a:latin typeface="Cambria Math" panose="02040503050406030204" pitchFamily="18" charset="0"/>
-                                    </a:rPr>
-                                    <m:t>′</m:t>
-                                  </m:r>
-                                </m:sup>
-                              </m:sSup>
-                            </m:num>
-                            <m:den>
-                              <m:sSub>
-                                <m:sSubPr>
-                                  <m:ctrlPr>
-                                    <a:rPr kumimoji="1" lang="en-US" altLang="ja-JP" i="1" dirty="0">
-                                      <a:latin typeface="Cambria Math" panose="02040503050406030204" pitchFamily="18" charset="0"/>
-                                    </a:rPr>
-                                  </m:ctrlPr>
-                                </m:sSubPr>
-                                <m:e>
-                                  <m:r>
-                                    <a:rPr kumimoji="1" lang="en-US" altLang="ja-JP" i="1" dirty="0">
-                                      <a:latin typeface="Cambria Math" panose="02040503050406030204" pitchFamily="18" charset="0"/>
-                                    </a:rPr>
-                                    <m:t>𝑦</m:t>
-                                  </m:r>
-                                </m:e>
-                                <m:sub>
-                                  <m:r>
-                                    <a:rPr kumimoji="1" lang="en-US" altLang="ja-JP" i="1" dirty="0">
-                                      <a:latin typeface="Cambria Math" panose="02040503050406030204" pitchFamily="18" charset="0"/>
-                                    </a:rPr>
-                                    <m:t>𝑛</m:t>
-                                  </m:r>
-                                </m:sub>
-                              </m:sSub>
-                              <m:r>
-                                <a:rPr kumimoji="1" lang="en-US" altLang="ja-JP" i="1" dirty="0">
-                                  <a:latin typeface="Cambria Math" panose="02040503050406030204" pitchFamily="18" charset="0"/>
-                                </a:rPr>
-                                <m:t>−</m:t>
-                              </m:r>
-                              <m:sSup>
-                                <m:sSupPr>
-                                  <m:ctrlPr>
-                                    <a:rPr kumimoji="1" lang="en-US" altLang="ja-JP" i="1" dirty="0">
-                                      <a:latin typeface="Cambria Math" panose="02040503050406030204" pitchFamily="18" charset="0"/>
-                                    </a:rPr>
-                                  </m:ctrlPr>
-                                </m:sSupPr>
-                                <m:e>
-                                  <m:r>
-                                    <a:rPr kumimoji="1" lang="en-US" altLang="ja-JP" i="1" dirty="0">
-                                      <a:latin typeface="Cambria Math" panose="02040503050406030204" pitchFamily="18" charset="0"/>
-                                    </a:rPr>
-                                    <m:t>𝑦</m:t>
-                                  </m:r>
-                                </m:e>
-                                <m:sup>
-                                  <m:r>
-                                    <a:rPr kumimoji="1" lang="en-US" altLang="ja-JP" i="1" dirty="0">
-                                      <a:latin typeface="Cambria Math" panose="02040503050406030204" pitchFamily="18" charset="0"/>
-                                    </a:rPr>
-                                    <m:t>′</m:t>
-                                  </m:r>
-                                </m:sup>
-                              </m:sSup>
-                            </m:den>
-                          </m:f>
-                        </m:e>
-                      </m:func>
-                    </m:oMath>
-                  </m:oMathPara>
-                </a14:m>
-                <a:endParaRPr kumimoji="1" lang="en-US" altLang="ja-JP" dirty="0"/>
-              </a:p>
-              <a:p>
-                <a:pPr algn="l"/>
-                <a:r>
-                  <a:rPr kumimoji="1" lang="ja-JP" altLang="en-US" dirty="0"/>
-                  <a:t>　走行体は</a:t>
-                </a:r>
-                <a14:m>
-                  <m:oMath xmlns:m="http://schemas.openxmlformats.org/officeDocument/2006/math">
-                    <m:r>
-                      <a:rPr lang="en-US" altLang="ja-JP" b="0" i="0" smtClean="0">
-                        <a:latin typeface="Cambria Math" panose="02040503050406030204" pitchFamily="18" charset="0"/>
-                      </a:rPr>
-                      <m:t>(</m:t>
-                    </m:r>
-                    <m:r>
-                      <a:rPr lang="ja-JP" altLang="en-US" i="1">
-                        <a:latin typeface="Cambria Math" panose="02040503050406030204" pitchFamily="18" charset="0"/>
-                      </a:rPr>
-                      <m:t>𝜑</m:t>
-                    </m:r>
-                    <m:r>
-                      <a:rPr lang="en-US" altLang="ja-JP" b="0" i="1" smtClean="0">
-                        <a:latin typeface="Cambria Math" panose="02040503050406030204" pitchFamily="18" charset="0"/>
-                      </a:rPr>
-                      <m:t>−</m:t>
-                    </m:r>
-                    <m:sSup>
-                      <m:sSupPr>
-                        <m:ctrlPr>
-                          <a:rPr kumimoji="1" lang="en-US" altLang="ja-JP" i="1" dirty="0">
-                            <a:latin typeface="Cambria Math" panose="02040503050406030204" pitchFamily="18" charset="0"/>
-                          </a:rPr>
-                        </m:ctrlPr>
-                      </m:sSupPr>
-                      <m:e>
-                        <m:r>
-                          <a:rPr kumimoji="1" lang="ja-JP" altLang="en-US" i="1" dirty="0">
-                            <a:latin typeface="Cambria Math" panose="02040503050406030204" pitchFamily="18" charset="0"/>
-                          </a:rPr>
-                          <m:t>𝜃</m:t>
-                        </m:r>
-                      </m:e>
-                      <m:sup>
-                        <m:r>
-                          <a:rPr kumimoji="1" lang="en-US" altLang="ja-JP" i="1" dirty="0">
-                            <a:latin typeface="Cambria Math" panose="02040503050406030204" pitchFamily="18" charset="0"/>
-                          </a:rPr>
-                          <m:t>′</m:t>
-                        </m:r>
-                      </m:sup>
-                    </m:sSup>
-                    <m:r>
-                      <a:rPr kumimoji="1" lang="en-US" altLang="ja-JP" b="0" i="0" dirty="0" smtClean="0">
-                        <a:latin typeface="Cambria Math" panose="02040503050406030204" pitchFamily="18" charset="0"/>
-                      </a:rPr>
-                      <m:t>)</m:t>
-                    </m:r>
-                  </m:oMath>
-                </a14:m>
-                <a:r>
-                  <a:rPr kumimoji="1" lang="ja-JP" altLang="en-US" dirty="0"/>
-                  <a:t>だけ旋回して、目標座標の方向を向く。</a:t>
-                </a:r>
-              </a:p>
-            </p:txBody>
-          </p:sp>
-        </mc:Choice>
-        <mc:Fallback xmlns="">
-          <p:sp>
-            <p:nvSpPr>
-              <p:cNvPr id="42" name="テキスト ボックス 41">
-                <a:extLst>
-                  <a:ext uri="{FF2B5EF4-FFF2-40B4-BE49-F238E27FC236}">
-                    <a16:creationId xmlns:a16="http://schemas.microsoft.com/office/drawing/2014/main" id="{11DF6857-7DC8-4D1F-AF03-1E1D85AAE4A8}"/>
-                  </a:ext>
-                </a:extLst>
-              </p:cNvPr>
-              <p:cNvSpPr txBox="1">
-                <a:spLocks noRot="1" noChangeAspect="1" noMove="1" noResize="1" noEditPoints="1" noAdjustHandles="1" noChangeArrowheads="1" noChangeShapeType="1" noTextEdit="1"/>
-              </p:cNvSpPr>
-              <p:nvPr/>
-            </p:nvSpPr>
-            <p:spPr>
-              <a:xfrm>
-                <a:off x="4194092" y="1293131"/>
-                <a:ext cx="4071596" cy="2615075"/>
-              </a:xfrm>
-              <a:prstGeom prst="rect">
-                <a:avLst/>
-              </a:prstGeom>
-              <a:blipFill>
-                <a:blip r:embed="rId9"/>
-                <a:stretch>
-                  <a:fillRect l="-1198" t="-1632" r="-1198" b="-2331"/>
-                </a:stretch>
-              </a:blipFill>
-            </p:spPr>
-            <p:txBody>
-              <a:bodyPr/>
-              <a:lstStyle/>
-              <a:p>
-                <a:r>
-                  <a:rPr lang="ja-JP" altLang="en-US">
-                    <a:noFill/>
-                  </a:rPr>
-                  <a:t> </a:t>
-                </a:r>
-              </a:p>
-            </p:txBody>
-          </p:sp>
-        </mc:Fallback>
-      </mc:AlternateContent>
-      <p:sp>
-        <p:nvSpPr>
-          <p:cNvPr id="43" name="正方形/長方形 42">
-            <a:extLst>
-              <a:ext uri="{FF2B5EF4-FFF2-40B4-BE49-F238E27FC236}">
-                <a16:creationId xmlns:a16="http://schemas.microsoft.com/office/drawing/2014/main" id="{137B1D30-266E-48D4-BBCD-9D5A1211C911}"/>
-              </a:ext>
-            </a:extLst>
-          </p:cNvPr>
-          <p:cNvSpPr/>
-          <p:nvPr/>
-        </p:nvSpPr>
-        <p:spPr bwMode="auto">
-          <a:xfrm>
-            <a:off x="9594515" y="3253920"/>
-            <a:ext cx="644808" cy="239109"/>
-          </a:xfrm>
-          <a:prstGeom prst="rect">
-            <a:avLst/>
-          </a:prstGeom>
-          <a:ln>
-            <a:headEnd type="none" w="med" len="med"/>
-            <a:tailEnd type="none" w="med" len="med"/>
-          </a:ln>
-          <a:extLst>
-            <a:ext uri="{AF507438-7753-43E0-B8FC-AC1667EBCBE1}">
-              <a14:hiddenEffects xmlns:a14="http://schemas.microsoft.com/office/drawing/2010/main">
-                <a:effectLst>
-                  <a:outerShdw dist="35921" dir="2700000" algn="ctr" rotWithShape="0">
-                    <a:schemeClr val="bg2"/>
-                  </a:outerShdw>
-                </a:effectLst>
-              </a14:hiddenEffects>
-            </a:ext>
-          </a:extLst>
-        </p:spPr>
-        <p:style>
-          <a:lnRef idx="2">
-            <a:schemeClr val="accent3"/>
-          </a:lnRef>
-          <a:fillRef idx="1">
-            <a:schemeClr val="lt1"/>
-          </a:fillRef>
-          <a:effectRef idx="0">
-            <a:schemeClr val="accent3"/>
-          </a:effectRef>
-          <a:fontRef idx="minor">
-            <a:schemeClr val="dk1"/>
-          </a:fontRef>
-        </p:style>
-        <p:txBody>
-          <a:bodyPr vert="horz" wrap="none" lIns="91440" tIns="45720" rIns="91440" bIns="45720" numCol="1" rtlCol="0" anchor="ctr" anchorCtr="0" compatLnSpc="1">
-            <a:prstTxWarp prst="textNoShape">
-              <a:avLst/>
-            </a:prstTxWarp>
-          </a:bodyPr>
-          <a:lstStyle/>
-          <a:p>
-            <a:pPr marL="0" marR="0" indent="0" algn="ctr" defTabSz="914400" rtl="0" eaLnBrk="1" fontAlgn="base" latinLnBrk="0" hangingPunct="1">
-              <a:lnSpc>
-                <a:spcPct val="100000"/>
-              </a:lnSpc>
-              <a:spcBef>
-                <a:spcPct val="0"/>
-              </a:spcBef>
-              <a:spcAft>
-                <a:spcPct val="0"/>
-              </a:spcAft>
-              <a:buClrTx/>
-              <a:buSzTx/>
-              <a:buFontTx/>
-              <a:buNone/>
-              <a:tabLst/>
-            </a:pPr>
-            <a:endParaRPr kumimoji="0" lang="ja-JP" altLang="en-US" sz="1800" b="0" i="0" u="none" strike="noStrike" cap="none" normalizeH="0" baseline="0">
-              <a:ln>
-                <a:noFill/>
-              </a:ln>
-              <a:solidFill>
-                <a:schemeClr val="tx1"/>
-              </a:solidFill>
-              <a:effectLst/>
-              <a:latin typeface="Arial" charset="0"/>
-            </a:endParaRPr>
-          </a:p>
-        </p:txBody>
-      </p:sp>
-      <mc:AlternateContent xmlns:mc="http://schemas.openxmlformats.org/markup-compatibility/2006" xmlns:a14="http://schemas.microsoft.com/office/drawing/2010/main">
-        <mc:Choice Requires="a14">
-          <p:sp>
-            <p:nvSpPr>
-              <p:cNvPr id="44" name="正方形/長方形 43">
-                <a:extLst>
-                  <a:ext uri="{FF2B5EF4-FFF2-40B4-BE49-F238E27FC236}">
-                    <a16:creationId xmlns:a16="http://schemas.microsoft.com/office/drawing/2014/main" id="{457C4524-469E-48AC-AC59-0D24249D3317}"/>
-                  </a:ext>
-                </a:extLst>
-              </p:cNvPr>
-              <p:cNvSpPr/>
-              <p:nvPr/>
-            </p:nvSpPr>
-            <p:spPr>
-              <a:xfrm>
-                <a:off x="9441936" y="3162678"/>
-                <a:ext cx="1001364" cy="369332"/>
-              </a:xfrm>
-              <a:prstGeom prst="rect">
-                <a:avLst/>
-              </a:prstGeom>
-            </p:spPr>
-            <p:txBody>
-              <a:bodyPr wrap="none">
-                <a:spAutoFit/>
-              </a:bodyPr>
-              <a:lstStyle/>
-              <a:p>
-                <a:pPr/>
-                <a14:m>
-                  <m:oMathPara xmlns:m="http://schemas.openxmlformats.org/officeDocument/2006/math">
-                    <m:oMathParaPr>
-                      <m:jc m:val="centerGroup"/>
-                    </m:oMathParaPr>
-                    <m:oMath xmlns:m="http://schemas.openxmlformats.org/officeDocument/2006/math">
-                      <m:r>
-                        <a:rPr kumimoji="1" lang="en-US" altLang="ja-JP" i="1" dirty="0">
-                          <a:latin typeface="Cambria Math" panose="02040503050406030204" pitchFamily="18" charset="0"/>
-                        </a:rPr>
-                        <m:t>(</m:t>
-                      </m:r>
-                      <m:sSub>
-                        <m:sSubPr>
-                          <m:ctrlPr>
-                            <a:rPr kumimoji="1" lang="en-US" altLang="ja-JP" i="1" dirty="0">
-                              <a:latin typeface="Cambria Math" panose="02040503050406030204" pitchFamily="18" charset="0"/>
-                            </a:rPr>
-                          </m:ctrlPr>
-                        </m:sSubPr>
-                        <m:e>
-                          <m:r>
-                            <a:rPr kumimoji="1" lang="en-US" altLang="ja-JP" i="1" dirty="0">
-                              <a:latin typeface="Cambria Math" panose="02040503050406030204" pitchFamily="18" charset="0"/>
-                            </a:rPr>
-                            <m:t>𝑥</m:t>
-                          </m:r>
-                        </m:e>
-                        <m:sub>
-                          <m:r>
-                            <a:rPr kumimoji="1" lang="en-US" altLang="ja-JP" i="1" dirty="0">
-                              <a:latin typeface="Cambria Math" panose="02040503050406030204" pitchFamily="18" charset="0"/>
-                            </a:rPr>
-                            <m:t>𝑛</m:t>
-                          </m:r>
-                        </m:sub>
-                      </m:sSub>
-                      <m:r>
-                        <a:rPr kumimoji="1" lang="en-US" altLang="ja-JP" i="1" dirty="0">
-                          <a:latin typeface="Cambria Math" panose="02040503050406030204" pitchFamily="18" charset="0"/>
-                        </a:rPr>
-                        <m:t>,</m:t>
-                      </m:r>
-                      <m:sSub>
-                        <m:sSubPr>
-                          <m:ctrlPr>
-                            <a:rPr kumimoji="1" lang="en-US" altLang="ja-JP" i="1" dirty="0">
-                              <a:latin typeface="Cambria Math" panose="02040503050406030204" pitchFamily="18" charset="0"/>
-                            </a:rPr>
-                          </m:ctrlPr>
-                        </m:sSubPr>
-                        <m:e>
-                          <m:r>
-                            <a:rPr kumimoji="1" lang="en-US" altLang="ja-JP" i="1" dirty="0">
-                              <a:latin typeface="Cambria Math" panose="02040503050406030204" pitchFamily="18" charset="0"/>
-                            </a:rPr>
-                            <m:t>𝑦</m:t>
-                          </m:r>
-                        </m:e>
-                        <m:sub>
-                          <m:r>
-                            <a:rPr kumimoji="1" lang="en-US" altLang="ja-JP" i="1" dirty="0">
-                              <a:latin typeface="Cambria Math" panose="02040503050406030204" pitchFamily="18" charset="0"/>
-                            </a:rPr>
-                            <m:t>𝑛</m:t>
-                          </m:r>
-                        </m:sub>
-                      </m:sSub>
-                      <m:r>
-                        <a:rPr kumimoji="1" lang="en-US" altLang="ja-JP" i="1" dirty="0">
-                          <a:latin typeface="Cambria Math" panose="02040503050406030204" pitchFamily="18" charset="0"/>
-                        </a:rPr>
-                        <m:t>)</m:t>
-                      </m:r>
-                    </m:oMath>
-                  </m:oMathPara>
-                </a14:m>
-                <a:endParaRPr lang="ja-JP" altLang="en-US" dirty="0"/>
-              </a:p>
-            </p:txBody>
-          </p:sp>
-        </mc:Choice>
-        <mc:Fallback xmlns="">
-          <p:sp>
-            <p:nvSpPr>
-              <p:cNvPr id="44" name="正方形/長方形 43">
-                <a:extLst>
-                  <a:ext uri="{FF2B5EF4-FFF2-40B4-BE49-F238E27FC236}">
-                    <a16:creationId xmlns:a16="http://schemas.microsoft.com/office/drawing/2014/main" id="{457C4524-469E-48AC-AC59-0D24249D3317}"/>
-                  </a:ext>
-                </a:extLst>
-              </p:cNvPr>
-              <p:cNvSpPr>
-                <a:spLocks noRot="1" noChangeAspect="1" noMove="1" noResize="1" noEditPoints="1" noAdjustHandles="1" noChangeArrowheads="1" noChangeShapeType="1" noTextEdit="1"/>
-              </p:cNvSpPr>
-              <p:nvPr/>
-            </p:nvSpPr>
-            <p:spPr>
-              <a:xfrm>
-                <a:off x="9441936" y="3162678"/>
-                <a:ext cx="1001364" cy="369332"/>
-              </a:xfrm>
-              <a:prstGeom prst="rect">
-                <a:avLst/>
-              </a:prstGeom>
-              <a:blipFill>
-                <a:blip r:embed="rId10"/>
-                <a:stretch>
-                  <a:fillRect l="-1220" b="-15000"/>
-                </a:stretch>
-              </a:blipFill>
-            </p:spPr>
-            <p:txBody>
-              <a:bodyPr/>
-              <a:lstStyle/>
-              <a:p>
-                <a:r>
-                  <a:rPr lang="ja-JP" altLang="en-US">
-                    <a:noFill/>
-                  </a:rPr>
-                  <a:t> </a:t>
-                </a:r>
-              </a:p>
-            </p:txBody>
-          </p:sp>
-        </mc:Fallback>
-      </mc:AlternateContent>
-      <p:sp>
-        <p:nvSpPr>
-          <p:cNvPr id="45" name="正方形/長方形 44">
-            <a:extLst>
-              <a:ext uri="{FF2B5EF4-FFF2-40B4-BE49-F238E27FC236}">
-                <a16:creationId xmlns:a16="http://schemas.microsoft.com/office/drawing/2014/main" id="{CC309DBD-05EB-49E3-85F8-88B00435D7E9}"/>
-              </a:ext>
-            </a:extLst>
-          </p:cNvPr>
-          <p:cNvSpPr/>
-          <p:nvPr/>
-        </p:nvSpPr>
-        <p:spPr bwMode="auto">
-          <a:xfrm>
-            <a:off x="8295106" y="1913647"/>
-            <a:ext cx="584805" cy="215837"/>
-          </a:xfrm>
-          <a:prstGeom prst="rect">
-            <a:avLst/>
-          </a:prstGeom>
-          <a:ln>
-            <a:headEnd type="none" w="med" len="med"/>
-            <a:tailEnd type="none" w="med" len="med"/>
-          </a:ln>
-          <a:extLst>
-            <a:ext uri="{AF507438-7753-43E0-B8FC-AC1667EBCBE1}">
-              <a14:hiddenEffects xmlns:a14="http://schemas.microsoft.com/office/drawing/2010/main">
-                <a:effectLst>
-                  <a:outerShdw dist="35921" dir="2700000" algn="ctr" rotWithShape="0">
-                    <a:schemeClr val="bg2"/>
-                  </a:outerShdw>
-                </a:effectLst>
-              </a14:hiddenEffects>
-            </a:ext>
-          </a:extLst>
-        </p:spPr>
-        <p:style>
-          <a:lnRef idx="2">
-            <a:schemeClr val="accent3"/>
-          </a:lnRef>
-          <a:fillRef idx="1">
-            <a:schemeClr val="lt1"/>
-          </a:fillRef>
-          <a:effectRef idx="0">
-            <a:schemeClr val="accent3"/>
-          </a:effectRef>
-          <a:fontRef idx="minor">
-            <a:schemeClr val="dk1"/>
-          </a:fontRef>
-        </p:style>
-        <p:txBody>
-          <a:bodyPr vert="horz" wrap="none" lIns="91440" tIns="45720" rIns="91440" bIns="45720" numCol="1" rtlCol="0" anchor="ctr" anchorCtr="0" compatLnSpc="1">
-            <a:prstTxWarp prst="textNoShape">
-              <a:avLst/>
-            </a:prstTxWarp>
-          </a:bodyPr>
-          <a:lstStyle/>
-          <a:p>
-            <a:pPr marL="0" marR="0" indent="0" algn="ctr" defTabSz="914400" rtl="0" eaLnBrk="1" fontAlgn="base" latinLnBrk="0" hangingPunct="1">
-              <a:lnSpc>
-                <a:spcPct val="100000"/>
-              </a:lnSpc>
-              <a:spcBef>
-                <a:spcPct val="0"/>
-              </a:spcBef>
-              <a:spcAft>
-                <a:spcPct val="0"/>
-              </a:spcAft>
-              <a:buClrTx/>
-              <a:buSzTx/>
-              <a:buFontTx/>
-              <a:buNone/>
-              <a:tabLst/>
-            </a:pPr>
-            <a:endParaRPr kumimoji="0" lang="ja-JP" altLang="en-US" sz="1800" b="0" i="0" u="none" strike="noStrike" cap="none" normalizeH="0" baseline="0">
-              <a:ln>
-                <a:noFill/>
-              </a:ln>
-              <a:solidFill>
-                <a:schemeClr val="tx1"/>
-              </a:solidFill>
-              <a:effectLst/>
-              <a:latin typeface="Arial" charset="0"/>
-            </a:endParaRPr>
-          </a:p>
-        </p:txBody>
-      </p:sp>
-      <mc:AlternateContent xmlns:mc="http://schemas.openxmlformats.org/markup-compatibility/2006" xmlns:a14="http://schemas.microsoft.com/office/drawing/2010/main">
-        <mc:Choice Requires="a14">
-          <p:sp>
-            <p:nvSpPr>
-              <p:cNvPr id="46" name="正方形/長方形 45">
-                <a:extLst>
-                  <a:ext uri="{FF2B5EF4-FFF2-40B4-BE49-F238E27FC236}">
-                    <a16:creationId xmlns:a16="http://schemas.microsoft.com/office/drawing/2014/main" id="{2A487C0C-536B-4470-9ADA-C141DB2D4B86}"/>
-                  </a:ext>
-                </a:extLst>
-              </p:cNvPr>
-              <p:cNvSpPr/>
-              <p:nvPr/>
-            </p:nvSpPr>
-            <p:spPr>
-              <a:xfrm>
-                <a:off x="8178678" y="1816429"/>
-                <a:ext cx="942630" cy="369332"/>
-              </a:xfrm>
-              <a:prstGeom prst="rect">
-                <a:avLst/>
-              </a:prstGeom>
-            </p:spPr>
-            <p:txBody>
-              <a:bodyPr wrap="none">
-                <a:spAutoFit/>
-              </a:bodyPr>
-              <a:lstStyle/>
-              <a:p>
-                <a:pPr/>
-                <a14:m>
-                  <m:oMathPara xmlns:m="http://schemas.openxmlformats.org/officeDocument/2006/math">
-                    <m:oMathParaPr>
-                      <m:jc m:val="centerGroup"/>
-                    </m:oMathParaPr>
-                    <m:oMath xmlns:m="http://schemas.openxmlformats.org/officeDocument/2006/math">
-                      <m:r>
-                        <a:rPr kumimoji="1" lang="en-US" altLang="ja-JP" i="1" dirty="0" smtClean="0">
-                          <a:latin typeface="Cambria Math" panose="02040503050406030204" pitchFamily="18" charset="0"/>
-                        </a:rPr>
-                        <m:t>(</m:t>
-                      </m:r>
-                      <m:sSup>
-                        <m:sSupPr>
-                          <m:ctrlPr>
-                            <a:rPr kumimoji="1" lang="en-US" altLang="ja-JP" i="1" dirty="0">
-                              <a:latin typeface="Cambria Math" panose="02040503050406030204" pitchFamily="18" charset="0"/>
-                            </a:rPr>
-                          </m:ctrlPr>
-                        </m:sSupPr>
-                        <m:e>
-                          <m:r>
-                            <a:rPr kumimoji="1" lang="en-US" altLang="ja-JP" i="1" dirty="0">
-                              <a:latin typeface="Cambria Math" panose="02040503050406030204" pitchFamily="18" charset="0"/>
-                            </a:rPr>
-                            <m:t>𝑥</m:t>
-                          </m:r>
-                        </m:e>
-                        <m:sup>
-                          <m:r>
-                            <a:rPr kumimoji="1" lang="en-US" altLang="ja-JP" i="1" dirty="0">
-                              <a:latin typeface="Cambria Math" panose="02040503050406030204" pitchFamily="18" charset="0"/>
-                            </a:rPr>
-                            <m:t>′</m:t>
-                          </m:r>
-                        </m:sup>
-                      </m:sSup>
-                      <m:r>
-                        <a:rPr kumimoji="1" lang="en-US" altLang="ja-JP" i="1" dirty="0">
-                          <a:latin typeface="Cambria Math" panose="02040503050406030204" pitchFamily="18" charset="0"/>
-                        </a:rPr>
-                        <m:t>,</m:t>
-                      </m:r>
-                      <m:sSup>
-                        <m:sSupPr>
-                          <m:ctrlPr>
-                            <a:rPr kumimoji="1" lang="en-US" altLang="ja-JP" i="1" dirty="0">
-                              <a:latin typeface="Cambria Math" panose="02040503050406030204" pitchFamily="18" charset="0"/>
-                            </a:rPr>
-                          </m:ctrlPr>
-                        </m:sSupPr>
-                        <m:e>
-                          <m:r>
-                            <a:rPr kumimoji="1" lang="en-US" altLang="ja-JP" i="1" dirty="0">
-                              <a:latin typeface="Cambria Math" panose="02040503050406030204" pitchFamily="18" charset="0"/>
-                            </a:rPr>
-                            <m:t>𝑦</m:t>
-                          </m:r>
-                        </m:e>
-                        <m:sup>
-                          <m:r>
-                            <a:rPr kumimoji="1" lang="en-US" altLang="ja-JP" i="1" dirty="0">
-                              <a:latin typeface="Cambria Math" panose="02040503050406030204" pitchFamily="18" charset="0"/>
-                            </a:rPr>
-                            <m:t>′</m:t>
-                          </m:r>
-                        </m:sup>
-                      </m:sSup>
-                      <m:r>
-                        <a:rPr kumimoji="1" lang="en-US" altLang="ja-JP" i="1" dirty="0">
-                          <a:latin typeface="Cambria Math" panose="02040503050406030204" pitchFamily="18" charset="0"/>
-                        </a:rPr>
-                        <m:t>)</m:t>
-                      </m:r>
-                    </m:oMath>
-                  </m:oMathPara>
-                </a14:m>
-                <a:endParaRPr kumimoji="1" lang="en-US" altLang="ja-JP" dirty="0"/>
-              </a:p>
-            </p:txBody>
-          </p:sp>
-        </mc:Choice>
-        <mc:Fallback xmlns="">
-          <p:sp>
-            <p:nvSpPr>
-              <p:cNvPr id="46" name="正方形/長方形 45">
-                <a:extLst>
-                  <a:ext uri="{FF2B5EF4-FFF2-40B4-BE49-F238E27FC236}">
-                    <a16:creationId xmlns:a16="http://schemas.microsoft.com/office/drawing/2014/main" id="{2A487C0C-536B-4470-9ADA-C141DB2D4B86}"/>
-                  </a:ext>
-                </a:extLst>
-              </p:cNvPr>
-              <p:cNvSpPr>
-                <a:spLocks noRot="1" noChangeAspect="1" noMove="1" noResize="1" noEditPoints="1" noAdjustHandles="1" noChangeArrowheads="1" noChangeShapeType="1" noTextEdit="1"/>
-              </p:cNvSpPr>
-              <p:nvPr/>
-            </p:nvSpPr>
-            <p:spPr>
-              <a:xfrm>
-                <a:off x="8178678" y="1816429"/>
-                <a:ext cx="942630" cy="369332"/>
-              </a:xfrm>
-              <a:prstGeom prst="rect">
-                <a:avLst/>
-              </a:prstGeom>
-              <a:blipFill>
-                <a:blip r:embed="rId11"/>
-                <a:stretch>
-                  <a:fillRect l="-1299" b="-13115"/>
-                </a:stretch>
-              </a:blipFill>
-            </p:spPr>
-            <p:txBody>
-              <a:bodyPr/>
-              <a:lstStyle/>
-              <a:p>
-                <a:r>
-                  <a:rPr lang="ja-JP" altLang="en-US">
-                    <a:noFill/>
-                  </a:rPr>
-                  <a:t> </a:t>
-                </a:r>
-              </a:p>
-            </p:txBody>
-          </p:sp>
-        </mc:Fallback>
-      </mc:AlternateContent>
+      </p:pic>
     </p:spTree>
     <p:extLst>
       <p:ext uri="{BB962C8B-B14F-4D97-AF65-F5344CB8AC3E}">
-        <p14:creationId xmlns:p14="http://schemas.microsoft.com/office/powerpoint/2010/main" val="386817622"/>
+        <p14:creationId xmlns:p14="http://schemas.microsoft.com/office/powerpoint/2010/main" val="2709897343"/>
       </p:ext>
     </p:extLst>
   </p:cSld>

--- a/モデル提出用/モデル.pptx
+++ b/モデル提出用/モデル.pptx
@@ -6,16 +6,18 @@
     <p:sldMasterId id="2147483652" r:id="rId3"/>
   </p:sldMasterIdLst>
   <p:notesMasterIdLst>
-    <p:notesMasterId r:id="rId8"/>
+    <p:notesMasterId r:id="rId10"/>
   </p:notesMasterIdLst>
   <p:handoutMasterIdLst>
-    <p:handoutMasterId r:id="rId9"/>
+    <p:handoutMasterId r:id="rId11"/>
   </p:handoutMasterIdLst>
   <p:sldIdLst>
     <p:sldId id="257" r:id="rId4"/>
     <p:sldId id="259" r:id="rId5"/>
     <p:sldId id="260" r:id="rId6"/>
     <p:sldId id="261" r:id="rId7"/>
+    <p:sldId id="262" r:id="rId8"/>
+    <p:sldId id="263" r:id="rId9"/>
   </p:sldIdLst>
   <p:sldSz cx="15119350" cy="10691813"/>
   <p:notesSz cx="7285038" cy="10418763"/>
@@ -7382,6 +7384,287 @@
           <a:chExt cx="0" cy="0"/>
         </a:xfrm>
       </p:grpSpPr>
+      <p:sp>
+        <p:nvSpPr>
+          <p:cNvPr id="32" name="四角形: 角を丸くする 31">
+            <a:extLst>
+              <a:ext uri="{FF2B5EF4-FFF2-40B4-BE49-F238E27FC236}">
+                <a16:creationId xmlns:a16="http://schemas.microsoft.com/office/drawing/2014/main" id="{2CB54470-E1EE-4955-BF14-A25A1992B9AE}"/>
+              </a:ext>
+            </a:extLst>
+          </p:cNvPr>
+          <p:cNvSpPr/>
+          <p:nvPr/>
+        </p:nvSpPr>
+        <p:spPr bwMode="auto">
+          <a:xfrm>
+            <a:off x="7415659" y="2925843"/>
+            <a:ext cx="4032448" cy="5471741"/>
+          </a:xfrm>
+          <a:prstGeom prst="roundRect">
+            <a:avLst/>
+          </a:prstGeom>
+          <a:solidFill>
+            <a:schemeClr val="accent1"/>
+          </a:solidFill>
+          <a:ln w="9525" cap="flat" cmpd="sng" algn="ctr">
+            <a:solidFill>
+              <a:schemeClr val="tx1"/>
+            </a:solidFill>
+            <a:prstDash val="solid"/>
+            <a:round/>
+            <a:headEnd type="none" w="med" len="med"/>
+            <a:tailEnd type="none" w="med" len="med"/>
+          </a:ln>
+          <a:effectLst/>
+          <a:extLst>
+            <a:ext uri="{AF507438-7753-43E0-B8FC-AC1667EBCBE1}">
+              <a14:hiddenEffects xmlns:a14="http://schemas.microsoft.com/office/drawing/2010/main">
+                <a:effectLst>
+                  <a:outerShdw dist="35921" dir="2700000" algn="ctr" rotWithShape="0">
+                    <a:schemeClr val="bg2"/>
+                  </a:outerShdw>
+                </a:effectLst>
+              </a14:hiddenEffects>
+            </a:ext>
+          </a:extLst>
+        </p:spPr>
+        <p:txBody>
+          <a:bodyPr vert="horz" wrap="none" lIns="91440" tIns="45720" rIns="91440" bIns="45720" numCol="1" rtlCol="0" anchor="ctr" anchorCtr="0" compatLnSpc="1">
+            <a:prstTxWarp prst="textNoShape">
+              <a:avLst/>
+            </a:prstTxWarp>
+          </a:bodyPr>
+          <a:lstStyle/>
+          <a:p>
+            <a:pPr marL="0" marR="0" indent="0" algn="ctr" defTabSz="914400" rtl="0" eaLnBrk="1" fontAlgn="base" latinLnBrk="0" hangingPunct="1">
+              <a:lnSpc>
+                <a:spcPct val="100000"/>
+              </a:lnSpc>
+              <a:spcBef>
+                <a:spcPct val="0"/>
+              </a:spcBef>
+              <a:spcAft>
+                <a:spcPct val="0"/>
+              </a:spcAft>
+              <a:buClrTx/>
+              <a:buSzTx/>
+              <a:buFontTx/>
+              <a:buNone/>
+              <a:tabLst/>
+            </a:pPr>
+            <a:endParaRPr kumimoji="0" lang="ja-JP" altLang="en-US" sz="1800" b="0" i="0" u="none" strike="noStrike" cap="none" normalizeH="0" baseline="0">
+              <a:ln>
+                <a:noFill/>
+              </a:ln>
+              <a:solidFill>
+                <a:schemeClr val="tx1"/>
+              </a:solidFill>
+              <a:effectLst/>
+              <a:latin typeface="Arial" charset="0"/>
+            </a:endParaRPr>
+          </a:p>
+        </p:txBody>
+      </p:sp>
+      <p:pic>
+        <p:nvPicPr>
+          <p:cNvPr id="26" name="図 25">
+            <a:extLst>
+              <a:ext uri="{FF2B5EF4-FFF2-40B4-BE49-F238E27FC236}">
+                <a16:creationId xmlns:a16="http://schemas.microsoft.com/office/drawing/2014/main" id="{574E1E1E-B7FA-40EC-A6D2-799349572C52}"/>
+              </a:ext>
+            </a:extLst>
+          </p:cNvPr>
+          <p:cNvPicPr>
+            <a:picLocks noChangeAspect="1"/>
+          </p:cNvPicPr>
+          <p:nvPr/>
+        </p:nvPicPr>
+        <p:blipFill rotWithShape="1">
+          <a:blip r:embed="rId2">
+            <a:extLst>
+              <a:ext uri="{28A0092B-C50C-407E-A947-70E740481C1C}">
+                <a14:useLocalDpi xmlns:a14="http://schemas.microsoft.com/office/drawing/2010/main" val="0"/>
+              </a:ext>
+            </a:extLst>
+          </a:blip>
+          <a:srcRect l="4615" t="8139" r="4615" b="3020"/>
+          <a:stretch/>
+        </p:blipFill>
+        <p:spPr>
+          <a:xfrm>
+            <a:off x="7574407" y="3445312"/>
+            <a:ext cx="3678059" cy="4449811"/>
+          </a:xfrm>
+          <a:prstGeom prst="rect">
+            <a:avLst/>
+          </a:prstGeom>
+        </p:spPr>
+      </p:pic>
+      <p:graphicFrame>
+        <p:nvGraphicFramePr>
+          <p:cNvPr id="51" name="表 50">
+            <a:extLst>
+              <a:ext uri="{FF2B5EF4-FFF2-40B4-BE49-F238E27FC236}">
+                <a16:creationId xmlns:a16="http://schemas.microsoft.com/office/drawing/2014/main" id="{A9E6FE23-E3C5-42F8-AE35-6B1119310C07}"/>
+              </a:ext>
+            </a:extLst>
+          </p:cNvPr>
+          <p:cNvGraphicFramePr>
+            <a:graphicFrameLocks noGrp="1"/>
+          </p:cNvGraphicFramePr>
+          <p:nvPr>
+            <p:extLst>
+              <p:ext uri="{D42A27DB-BD31-4B8C-83A1-F6EECF244321}">
+                <p14:modId xmlns:p14="http://schemas.microsoft.com/office/powerpoint/2010/main" val="1486710700"/>
+              </p:ext>
+            </p:extLst>
+          </p:nvPr>
+        </p:nvGraphicFramePr>
+        <p:xfrm>
+          <a:off x="142851" y="1817514"/>
+          <a:ext cx="3294082" cy="1038733"/>
+        </p:xfrm>
+        <a:graphic>
+          <a:graphicData uri="http://schemas.openxmlformats.org/drawingml/2006/table">
+            <a:tbl>
+              <a:tblPr firstRow="1" bandRow="1">
+                <a:tableStyleId>{5C22544A-7EE6-4342-B048-85BDC9FD1C3A}</a:tableStyleId>
+              </a:tblPr>
+              <a:tblGrid>
+                <a:gridCol w="3294082">
+                  <a:extLst>
+                    <a:ext uri="{9D8B030D-6E8A-4147-A177-3AD203B41FA5}">
+                      <a16:colId xmlns:a16="http://schemas.microsoft.com/office/drawing/2014/main" val="4214344039"/>
+                    </a:ext>
+                  </a:extLst>
+                </a:gridCol>
+              </a:tblGrid>
+              <a:tr h="346680">
+                <a:tc>
+                  <a:txBody>
+                    <a:bodyPr/>
+                    <a:lstStyle/>
+                    <a:p>
+                      <a:r>
+                        <a:rPr kumimoji="1" lang="ja-JP" altLang="en-US" sz="2810" dirty="0"/>
+                        <a:t>チーム目標</a:t>
+                      </a:r>
+                    </a:p>
+                  </a:txBody>
+                  <a:tcPr/>
+                </a:tc>
+                <a:extLst>
+                  <a:ext uri="{0D108BD9-81ED-4DB2-BD59-A6C34878D82A}">
+                    <a16:rowId xmlns:a16="http://schemas.microsoft.com/office/drawing/2014/main" val="89981186"/>
+                  </a:ext>
+                </a:extLst>
+              </a:tr>
+              <a:tr h="346680">
+                <a:tc>
+                  <a:txBody>
+                    <a:bodyPr/>
+                    <a:lstStyle/>
+                    <a:p>
+                      <a:r>
+                        <a:rPr kumimoji="1" lang="ja-JP" altLang="en-US" dirty="0">
+                          <a:solidFill>
+                            <a:srgbClr val="FF0000"/>
+                          </a:solidFill>
+                        </a:rPr>
+                        <a:t>コースを完走する</a:t>
+                      </a:r>
+                    </a:p>
+                  </a:txBody>
+                  <a:tcPr/>
+                </a:tc>
+                <a:extLst>
+                  <a:ext uri="{0D108BD9-81ED-4DB2-BD59-A6C34878D82A}">
+                    <a16:rowId xmlns:a16="http://schemas.microsoft.com/office/drawing/2014/main" val="478162517"/>
+                  </a:ext>
+                </a:extLst>
+              </a:tr>
+            </a:tbl>
+          </a:graphicData>
+        </a:graphic>
+      </p:graphicFrame>
+      <p:sp>
+        <p:nvSpPr>
+          <p:cNvPr id="16" name="テキスト ボックス 15">
+            <a:extLst>
+              <a:ext uri="{FF2B5EF4-FFF2-40B4-BE49-F238E27FC236}">
+                <a16:creationId xmlns:a16="http://schemas.microsoft.com/office/drawing/2014/main" id="{FBE064E7-1A85-4AD9-98DB-4B7D8573EBC8}"/>
+              </a:ext>
+            </a:extLst>
+          </p:cNvPr>
+          <p:cNvSpPr txBox="1"/>
+          <p:nvPr/>
+        </p:nvSpPr>
+        <p:spPr>
+          <a:xfrm>
+            <a:off x="3427803" y="2040370"/>
+            <a:ext cx="9286135" cy="584775"/>
+          </a:xfrm>
+          <a:prstGeom prst="rect">
+            <a:avLst/>
+          </a:prstGeom>
+          <a:noFill/>
+        </p:spPr>
+        <p:txBody>
+          <a:bodyPr wrap="square" rtlCol="0">
+            <a:spAutoFit/>
+          </a:bodyPr>
+          <a:lstStyle/>
+          <a:p>
+            <a:pPr algn="l"/>
+            <a:r>
+              <a:rPr kumimoji="1" lang="ja-JP" altLang="en-US" sz="1600" dirty="0"/>
+              <a:t>私たちチームは「必ずコースを到達する」という意志の元、要求分析を行いました。</a:t>
+            </a:r>
+            <a:endParaRPr kumimoji="1" lang="en-US" altLang="ja-JP" sz="1600" dirty="0"/>
+          </a:p>
+          <a:p>
+            <a:pPr algn="l"/>
+            <a:r>
+              <a:rPr kumimoji="1" lang="ja-JP" altLang="en-US" sz="1600" dirty="0"/>
+              <a:t>暴走などでコースを逸脱したことを想定し、復帰する制御を盛り込みました。</a:t>
+            </a:r>
+            <a:endParaRPr kumimoji="1" lang="en-US" altLang="ja-JP" sz="1600" dirty="0"/>
+          </a:p>
+        </p:txBody>
+      </p:sp>
+      <p:sp>
+        <p:nvSpPr>
+          <p:cNvPr id="3" name="タイトル 2">
+            <a:extLst>
+              <a:ext uri="{FF2B5EF4-FFF2-40B4-BE49-F238E27FC236}">
+                <a16:creationId xmlns:a16="http://schemas.microsoft.com/office/drawing/2014/main" id="{AF4AE8F4-ADF3-4D69-8859-88EFEC80EC74}"/>
+              </a:ext>
+            </a:extLst>
+          </p:cNvPr>
+          <p:cNvSpPr>
+            <a:spLocks noGrp="1"/>
+          </p:cNvSpPr>
+          <p:nvPr>
+            <p:ph type="title"/>
+          </p:nvPr>
+        </p:nvSpPr>
+        <p:spPr/>
+        <p:txBody>
+          <a:bodyPr/>
+          <a:lstStyle/>
+          <a:p>
+            <a:r>
+              <a:rPr kumimoji="1" lang="en-US" altLang="ja-JP" dirty="0"/>
+              <a:t>1. </a:t>
+            </a:r>
+            <a:r>
+              <a:rPr kumimoji="1" lang="ja-JP" altLang="en-US" dirty="0"/>
+              <a:t>要求分析</a:t>
+            </a:r>
+          </a:p>
+        </p:txBody>
+      </p:sp>
       <p:grpSp>
         <p:nvGrpSpPr>
           <p:cNvPr id="2" name="グループ化 1">
@@ -7396,10 +7679,10 @@
         </p:nvGrpSpPr>
         <p:grpSpPr>
           <a:xfrm>
-            <a:off x="365049" y="2969642"/>
-            <a:ext cx="7554665" cy="5688632"/>
-            <a:chOff x="125860" y="3144416"/>
-            <a:chExt cx="5328592" cy="4342011"/>
+            <a:off x="141560" y="2897634"/>
+            <a:ext cx="7058075" cy="5688632"/>
+            <a:chOff x="125861" y="3144416"/>
+            <a:chExt cx="4978328" cy="4342011"/>
           </a:xfrm>
         </p:grpSpPr>
         <p:pic>
@@ -7417,7 +7700,7 @@
             <p:nvPr/>
           </p:nvPicPr>
           <p:blipFill>
-            <a:blip r:embed="rId2">
+            <a:blip r:embed="rId3">
               <a:extLst>
                 <a:ext uri="{28A0092B-C50C-407E-A947-70E740481C1C}">
                   <a14:useLocalDpi xmlns:a14="http://schemas.microsoft.com/office/drawing/2010/main" val="0"/>
@@ -7452,8 +7735,8 @@
           </p:nvSpPr>
           <p:spPr bwMode="auto">
             <a:xfrm>
-              <a:off x="136104" y="3165947"/>
-              <a:ext cx="5318348" cy="4320480"/>
+              <a:off x="136105" y="3165947"/>
+              <a:ext cx="4968083" cy="4320480"/>
             </a:xfrm>
             <a:prstGeom prst="rect">
               <a:avLst/>
@@ -7512,8 +7795,8 @@
           </p:nvSpPr>
           <p:spPr bwMode="auto">
             <a:xfrm>
-              <a:off x="125860" y="3144416"/>
-              <a:ext cx="5328592" cy="399629"/>
+              <a:off x="125861" y="3144416"/>
+              <a:ext cx="4978328" cy="399629"/>
             </a:xfrm>
             <a:prstGeom prst="rect">
               <a:avLst/>
@@ -7999,206 +8282,6 @@
           </p:txBody>
         </p:sp>
       </p:grpSp>
-      <p:pic>
-        <p:nvPicPr>
-          <p:cNvPr id="26" name="図 25">
-            <a:extLst>
-              <a:ext uri="{FF2B5EF4-FFF2-40B4-BE49-F238E27FC236}">
-                <a16:creationId xmlns:a16="http://schemas.microsoft.com/office/drawing/2014/main" id="{574E1E1E-B7FA-40EC-A6D2-799349572C52}"/>
-              </a:ext>
-            </a:extLst>
-          </p:cNvPr>
-          <p:cNvPicPr>
-            <a:picLocks noChangeAspect="1"/>
-          </p:cNvPicPr>
-          <p:nvPr/>
-        </p:nvPicPr>
-        <p:blipFill>
-          <a:blip r:embed="rId3">
-            <a:extLst>
-              <a:ext uri="{28A0092B-C50C-407E-A947-70E740481C1C}">
-                <a14:useLocalDpi xmlns:a14="http://schemas.microsoft.com/office/drawing/2010/main" val="0"/>
-              </a:ext>
-            </a:extLst>
-          </a:blip>
-          <a:stretch>
-            <a:fillRect/>
-          </a:stretch>
-        </p:blipFill>
-        <p:spPr>
-          <a:xfrm>
-            <a:off x="8351763" y="2858815"/>
-            <a:ext cx="4680520" cy="5785500"/>
-          </a:xfrm>
-          <a:prstGeom prst="rect">
-            <a:avLst/>
-          </a:prstGeom>
-        </p:spPr>
-      </p:pic>
-      <p:graphicFrame>
-        <p:nvGraphicFramePr>
-          <p:cNvPr id="51" name="表 50">
-            <a:extLst>
-              <a:ext uri="{FF2B5EF4-FFF2-40B4-BE49-F238E27FC236}">
-                <a16:creationId xmlns:a16="http://schemas.microsoft.com/office/drawing/2014/main" id="{A9E6FE23-E3C5-42F8-AE35-6B1119310C07}"/>
-              </a:ext>
-            </a:extLst>
-          </p:cNvPr>
-          <p:cNvGraphicFramePr>
-            <a:graphicFrameLocks noGrp="1"/>
-          </p:cNvGraphicFramePr>
-          <p:nvPr>
-            <p:extLst>
-              <p:ext uri="{D42A27DB-BD31-4B8C-83A1-F6EECF244321}">
-                <p14:modId xmlns:p14="http://schemas.microsoft.com/office/powerpoint/2010/main" val="2447019162"/>
-              </p:ext>
-            </p:extLst>
-          </p:nvPr>
-        </p:nvGraphicFramePr>
-        <p:xfrm>
-          <a:off x="142851" y="1879529"/>
-          <a:ext cx="3294082" cy="1038733"/>
-        </p:xfrm>
-        <a:graphic>
-          <a:graphicData uri="http://schemas.openxmlformats.org/drawingml/2006/table">
-            <a:tbl>
-              <a:tblPr firstRow="1" bandRow="1">
-                <a:tableStyleId>{5C22544A-7EE6-4342-B048-85BDC9FD1C3A}</a:tableStyleId>
-              </a:tblPr>
-              <a:tblGrid>
-                <a:gridCol w="3294082">
-                  <a:extLst>
-                    <a:ext uri="{9D8B030D-6E8A-4147-A177-3AD203B41FA5}">
-                      <a16:colId xmlns:a16="http://schemas.microsoft.com/office/drawing/2014/main" val="4214344039"/>
-                    </a:ext>
-                  </a:extLst>
-                </a:gridCol>
-              </a:tblGrid>
-              <a:tr h="346680">
-                <a:tc>
-                  <a:txBody>
-                    <a:bodyPr/>
-                    <a:lstStyle/>
-                    <a:p>
-                      <a:r>
-                        <a:rPr kumimoji="1" lang="ja-JP" altLang="en-US" sz="2810" dirty="0"/>
-                        <a:t>チーム目標</a:t>
-                      </a:r>
-                    </a:p>
-                  </a:txBody>
-                  <a:tcPr/>
-                </a:tc>
-                <a:extLst>
-                  <a:ext uri="{0D108BD9-81ED-4DB2-BD59-A6C34878D82A}">
-                    <a16:rowId xmlns:a16="http://schemas.microsoft.com/office/drawing/2014/main" val="89981186"/>
-                  </a:ext>
-                </a:extLst>
-              </a:tr>
-              <a:tr h="346680">
-                <a:tc>
-                  <a:txBody>
-                    <a:bodyPr/>
-                    <a:lstStyle/>
-                    <a:p>
-                      <a:r>
-                        <a:rPr kumimoji="1" lang="ja-JP" altLang="en-US" dirty="0">
-                          <a:solidFill>
-                            <a:srgbClr val="FF0000"/>
-                          </a:solidFill>
-                        </a:rPr>
-                        <a:t>コースを完走する</a:t>
-                      </a:r>
-                    </a:p>
-                  </a:txBody>
-                  <a:tcPr/>
-                </a:tc>
-                <a:extLst>
-                  <a:ext uri="{0D108BD9-81ED-4DB2-BD59-A6C34878D82A}">
-                    <a16:rowId xmlns:a16="http://schemas.microsoft.com/office/drawing/2014/main" val="478162517"/>
-                  </a:ext>
-                </a:extLst>
-              </a:tr>
-            </a:tbl>
-          </a:graphicData>
-        </a:graphic>
-      </p:graphicFrame>
-      <p:sp>
-        <p:nvSpPr>
-          <p:cNvPr id="16" name="テキスト ボックス 15">
-            <a:extLst>
-              <a:ext uri="{FF2B5EF4-FFF2-40B4-BE49-F238E27FC236}">
-                <a16:creationId xmlns:a16="http://schemas.microsoft.com/office/drawing/2014/main" id="{FBE064E7-1A85-4AD9-98DB-4B7D8573EBC8}"/>
-              </a:ext>
-            </a:extLst>
-          </p:cNvPr>
-          <p:cNvSpPr txBox="1"/>
-          <p:nvPr/>
-        </p:nvSpPr>
-        <p:spPr>
-          <a:xfrm>
-            <a:off x="3427803" y="2040370"/>
-            <a:ext cx="9286135" cy="584775"/>
-          </a:xfrm>
-          <a:prstGeom prst="rect">
-            <a:avLst/>
-          </a:prstGeom>
-          <a:noFill/>
-        </p:spPr>
-        <p:txBody>
-          <a:bodyPr wrap="square" rtlCol="0">
-            <a:spAutoFit/>
-          </a:bodyPr>
-          <a:lstStyle/>
-          <a:p>
-            <a:pPr algn="l"/>
-            <a:r>
-              <a:rPr kumimoji="1" lang="ja-JP" altLang="en-US" sz="1600" dirty="0"/>
-              <a:t>私たちチームは「必ずコースを到達する」という意志の元、要求分析を行いました。</a:t>
-            </a:r>
-            <a:endParaRPr kumimoji="1" lang="en-US" altLang="ja-JP" sz="1600" dirty="0"/>
-          </a:p>
-          <a:p>
-            <a:pPr algn="l"/>
-            <a:r>
-              <a:rPr kumimoji="1" lang="ja-JP" altLang="en-US" sz="1600" dirty="0"/>
-              <a:t>暴走などでコースを逸脱したことを想定し、復帰する制御を盛り込みました。</a:t>
-            </a:r>
-            <a:endParaRPr kumimoji="1" lang="en-US" altLang="ja-JP" sz="1600" dirty="0"/>
-          </a:p>
-        </p:txBody>
-      </p:sp>
-      <p:sp>
-        <p:nvSpPr>
-          <p:cNvPr id="3" name="タイトル 2">
-            <a:extLst>
-              <a:ext uri="{FF2B5EF4-FFF2-40B4-BE49-F238E27FC236}">
-                <a16:creationId xmlns:a16="http://schemas.microsoft.com/office/drawing/2014/main" id="{AF4AE8F4-ADF3-4D69-8859-88EFEC80EC74}"/>
-              </a:ext>
-            </a:extLst>
-          </p:cNvPr>
-          <p:cNvSpPr>
-            <a:spLocks noGrp="1"/>
-          </p:cNvSpPr>
-          <p:nvPr>
-            <p:ph type="title"/>
-          </p:nvPr>
-        </p:nvSpPr>
-        <p:spPr/>
-        <p:txBody>
-          <a:bodyPr/>
-          <a:lstStyle/>
-          <a:p>
-            <a:r>
-              <a:rPr kumimoji="1" lang="en-US" altLang="ja-JP" dirty="0"/>
-              <a:t>1. </a:t>
-            </a:r>
-            <a:r>
-              <a:rPr kumimoji="1" lang="ja-JP" altLang="en-US" dirty="0"/>
-              <a:t>要求分析</a:t>
-            </a:r>
-          </a:p>
-        </p:txBody>
-      </p:sp>
     </p:spTree>
     <p:extLst>
       <p:ext uri="{BB962C8B-B14F-4D97-AF65-F5344CB8AC3E}">
@@ -17447,6 +17530,189 @@
       </p:grpSpPr>
       <p:sp>
         <p:nvSpPr>
+          <p:cNvPr id="11" name="四角形: 角を丸くする 10">
+            <a:extLst>
+              <a:ext uri="{FF2B5EF4-FFF2-40B4-BE49-F238E27FC236}">
+                <a16:creationId xmlns:a16="http://schemas.microsoft.com/office/drawing/2014/main" id="{8D728D74-7BE4-4AAF-9546-CBEB3D136285}"/>
+              </a:ext>
+            </a:extLst>
+          </p:cNvPr>
+          <p:cNvSpPr/>
+          <p:nvPr/>
+        </p:nvSpPr>
+        <p:spPr bwMode="auto">
+          <a:xfrm>
+            <a:off x="9503891" y="1903007"/>
+            <a:ext cx="5544616" cy="8712968"/>
+          </a:xfrm>
+          <a:prstGeom prst="roundRect">
+            <a:avLst>
+              <a:gd name="adj" fmla="val 5155"/>
+            </a:avLst>
+          </a:prstGeom>
+          <a:solidFill>
+            <a:srgbClr val="FFCC33"/>
+          </a:solidFill>
+          <a:ln w="9525" cap="flat" cmpd="sng" algn="ctr">
+            <a:solidFill>
+              <a:schemeClr val="tx1"/>
+            </a:solidFill>
+            <a:prstDash val="solid"/>
+            <a:round/>
+            <a:headEnd type="none" w="med" len="med"/>
+            <a:tailEnd type="none" w="med" len="med"/>
+          </a:ln>
+          <a:effectLst/>
+          <a:extLst/>
+        </p:spPr>
+        <p:txBody>
+          <a:bodyPr vert="horz" wrap="none" lIns="91440" tIns="45720" rIns="91440" bIns="45720" numCol="1" rtlCol="0" anchor="ctr" anchorCtr="0" compatLnSpc="1">
+            <a:prstTxWarp prst="textNoShape">
+              <a:avLst/>
+            </a:prstTxWarp>
+          </a:bodyPr>
+          <a:lstStyle/>
+          <a:p>
+            <a:pPr marL="0" marR="0" indent="0" algn="ctr" defTabSz="914400" rtl="0" eaLnBrk="1" fontAlgn="base" latinLnBrk="0" hangingPunct="1">
+              <a:lnSpc>
+                <a:spcPct val="100000"/>
+              </a:lnSpc>
+              <a:spcBef>
+                <a:spcPct val="0"/>
+              </a:spcBef>
+              <a:spcAft>
+                <a:spcPct val="0"/>
+              </a:spcAft>
+              <a:buClrTx/>
+              <a:buSzTx/>
+              <a:buFontTx/>
+              <a:buNone/>
+              <a:tabLst/>
+            </a:pPr>
+            <a:endParaRPr kumimoji="0" lang="ja-JP" altLang="en-US" sz="1800" b="0" i="0" u="none" strike="noStrike" cap="none" normalizeH="0" baseline="0">
+              <a:ln>
+                <a:noFill/>
+              </a:ln>
+              <a:solidFill>
+                <a:schemeClr val="tx1"/>
+              </a:solidFill>
+              <a:effectLst/>
+              <a:latin typeface="Arial" charset="0"/>
+            </a:endParaRPr>
+          </a:p>
+        </p:txBody>
+      </p:sp>
+      <p:sp>
+        <p:nvSpPr>
+          <p:cNvPr id="12" name="テキスト ボックス 11">
+            <a:extLst>
+              <a:ext uri="{FF2B5EF4-FFF2-40B4-BE49-F238E27FC236}">
+                <a16:creationId xmlns:a16="http://schemas.microsoft.com/office/drawing/2014/main" id="{6DAB8946-024A-424B-9B7B-03ED2B52099B}"/>
+              </a:ext>
+            </a:extLst>
+          </p:cNvPr>
+          <p:cNvSpPr txBox="1"/>
+          <p:nvPr/>
+        </p:nvSpPr>
+        <p:spPr>
+          <a:xfrm>
+            <a:off x="9575899" y="1997199"/>
+            <a:ext cx="1632178" cy="338554"/>
+          </a:xfrm>
+          <a:prstGeom prst="rect">
+            <a:avLst/>
+          </a:prstGeom>
+          <a:noFill/>
+        </p:spPr>
+        <p:txBody>
+          <a:bodyPr wrap="none" rtlCol="0">
+            <a:spAutoFit/>
+          </a:bodyPr>
+          <a:lstStyle/>
+          <a:p>
+            <a:r>
+              <a:rPr kumimoji="1" lang="ja-JP" altLang="en-US" sz="1600" b="1" dirty="0"/>
+              <a:t>コース復帰動作</a:t>
+            </a:r>
+          </a:p>
+        </p:txBody>
+      </p:sp>
+      <p:sp>
+        <p:nvSpPr>
+          <p:cNvPr id="3" name="四角形: 角を丸くする 2">
+            <a:extLst>
+              <a:ext uri="{FF2B5EF4-FFF2-40B4-BE49-F238E27FC236}">
+                <a16:creationId xmlns:a16="http://schemas.microsoft.com/office/drawing/2014/main" id="{2B99B1EA-17D2-4495-A343-2A1713BC8495}"/>
+              </a:ext>
+            </a:extLst>
+          </p:cNvPr>
+          <p:cNvSpPr/>
+          <p:nvPr/>
+        </p:nvSpPr>
+        <p:spPr bwMode="auto">
+          <a:xfrm>
+            <a:off x="70844" y="1889523"/>
+            <a:ext cx="6122268" cy="8712968"/>
+          </a:xfrm>
+          <a:prstGeom prst="roundRect">
+            <a:avLst>
+              <a:gd name="adj" fmla="val 5155"/>
+            </a:avLst>
+          </a:prstGeom>
+          <a:solidFill>
+            <a:srgbClr val="9999FF"/>
+          </a:solidFill>
+          <a:ln w="9525" cap="flat" cmpd="sng" algn="ctr">
+            <a:solidFill>
+              <a:schemeClr val="tx1"/>
+            </a:solidFill>
+            <a:prstDash val="solid"/>
+            <a:round/>
+            <a:headEnd type="none" w="med" len="med"/>
+            <a:tailEnd type="none" w="med" len="med"/>
+          </a:ln>
+          <a:effectLst/>
+          <a:extLst/>
+        </p:spPr>
+        <p:txBody>
+          <a:bodyPr vert="horz" wrap="none" lIns="91440" tIns="45720" rIns="91440" bIns="45720" numCol="1" rtlCol="0" anchor="ctr" anchorCtr="0" compatLnSpc="1">
+            <a:prstTxWarp prst="textNoShape">
+              <a:avLst/>
+            </a:prstTxWarp>
+          </a:bodyPr>
+          <a:lstStyle/>
+          <a:p>
+            <a:pPr marL="0" marR="0" indent="0" algn="ctr" defTabSz="914400" rtl="0" eaLnBrk="1" fontAlgn="base" latinLnBrk="0" hangingPunct="1">
+              <a:lnSpc>
+                <a:spcPct val="100000"/>
+              </a:lnSpc>
+              <a:spcBef>
+                <a:spcPct val="0"/>
+              </a:spcBef>
+              <a:spcAft>
+                <a:spcPct val="0"/>
+              </a:spcAft>
+              <a:buClrTx/>
+              <a:buSzTx/>
+              <a:buFontTx/>
+              <a:buNone/>
+              <a:tabLst/>
+            </a:pPr>
+            <a:endParaRPr kumimoji="0" lang="ja-JP" altLang="en-US" sz="1800" b="0" i="0" u="none" strike="noStrike" cap="none" normalizeH="0" baseline="0">
+              <a:ln>
+                <a:noFill/>
+              </a:ln>
+              <a:solidFill>
+                <a:schemeClr val="tx1"/>
+              </a:solidFill>
+              <a:effectLst/>
+              <a:latin typeface="Arial" charset="0"/>
+            </a:endParaRPr>
+          </a:p>
+        </p:txBody>
+      </p:sp>
+      <p:sp>
+        <p:nvSpPr>
           <p:cNvPr id="2" name="タイトル 1">
             <a:extLst>
               <a:ext uri="{FF2B5EF4-FFF2-40B4-BE49-F238E27FC236}">
@@ -17491,7 +17757,7 @@
           </p:cNvPicPr>
           <p:nvPr/>
         </p:nvPicPr>
-        <p:blipFill>
+        <p:blipFill rotWithShape="1">
           <a:blip r:embed="rId2">
             <a:extLst>
               <a:ext uri="{28A0092B-C50C-407E-A947-70E740481C1C}">
@@ -17499,14 +17765,13 @@
               </a:ext>
             </a:extLst>
           </a:blip>
-          <a:stretch>
-            <a:fillRect/>
-          </a:stretch>
+          <a:srcRect l="3748" t="4110" r="2435" b="3175"/>
+          <a:stretch/>
         </p:blipFill>
         <p:spPr>
           <a:xfrm>
-            <a:off x="142851" y="1745506"/>
-            <a:ext cx="6273417" cy="8761263"/>
+            <a:off x="184218" y="2364546"/>
+            <a:ext cx="5885548" cy="8122961"/>
           </a:xfrm>
           <a:prstGeom prst="rect">
             <a:avLst/>
@@ -17527,7 +17792,7 @@
           </p:cNvPicPr>
           <p:nvPr/>
         </p:nvPicPr>
-        <p:blipFill>
+        <p:blipFill rotWithShape="1">
           <a:blip r:embed="rId3">
             <a:extLst>
               <a:ext uri="{28A0092B-C50C-407E-A947-70E740481C1C}">
@@ -17535,14 +17800,13 @@
               </a:ext>
             </a:extLst>
           </a:blip>
-          <a:stretch>
-            <a:fillRect/>
-          </a:stretch>
+          <a:srcRect l="4909" t="4150" r="2502" b="2074"/>
+          <a:stretch/>
         </p:blipFill>
         <p:spPr>
           <a:xfrm>
-            <a:off x="9221375" y="1817514"/>
-            <a:ext cx="5755124" cy="8676901"/>
+            <a:off x="9575899" y="2357574"/>
+            <a:ext cx="5328592" cy="8136904"/>
           </a:xfrm>
           <a:prstGeom prst="rect">
             <a:avLst/>
@@ -17563,7 +17827,7 @@
           </p:cNvPicPr>
           <p:nvPr/>
         </p:nvPicPr>
-        <p:blipFill>
+        <p:blipFill rotWithShape="1">
           <a:blip r:embed="rId4">
             <a:extLst>
               <a:ext uri="{28A0092B-C50C-407E-A947-70E740481C1C}">
@@ -17571,20 +17835,128 @@
               </a:ext>
             </a:extLst>
           </a:blip>
-          <a:stretch>
-            <a:fillRect/>
-          </a:stretch>
+          <a:srcRect l="8937" t="9934" r="5345" b="6206"/>
+          <a:stretch/>
         </p:blipFill>
         <p:spPr>
           <a:xfrm>
-            <a:off x="6012682" y="4193778"/>
-            <a:ext cx="3612280" cy="4465069"/>
+            <a:off x="6335539" y="4409803"/>
+            <a:ext cx="3096344" cy="3744416"/>
           </a:xfrm>
           <a:prstGeom prst="rect">
             <a:avLst/>
           </a:prstGeom>
         </p:spPr>
       </p:pic>
+      <p:sp>
+        <p:nvSpPr>
+          <p:cNvPr id="6" name="テキスト ボックス 5">
+            <a:extLst>
+              <a:ext uri="{FF2B5EF4-FFF2-40B4-BE49-F238E27FC236}">
+                <a16:creationId xmlns:a16="http://schemas.microsoft.com/office/drawing/2014/main" id="{06515183-CFC8-4407-83E2-F0B90CF31770}"/>
+              </a:ext>
+            </a:extLst>
+          </p:cNvPr>
+          <p:cNvSpPr txBox="1"/>
+          <p:nvPr/>
+        </p:nvSpPr>
+        <p:spPr>
+          <a:xfrm>
+            <a:off x="6442142" y="1950061"/>
+            <a:ext cx="2779233" cy="1569660"/>
+          </a:xfrm>
+          <a:prstGeom prst="rect">
+            <a:avLst/>
+          </a:prstGeom>
+          <a:noFill/>
+        </p:spPr>
+        <p:txBody>
+          <a:bodyPr wrap="square" rtlCol="0">
+            <a:spAutoFit/>
+          </a:bodyPr>
+          <a:lstStyle/>
+          <a:p>
+            <a:pPr algn="l"/>
+            <a:r>
+              <a:rPr kumimoji="1" lang="ja-JP" altLang="en-US" sz="1600" dirty="0"/>
+              <a:t>走行体は常に自己位置推定を行っている。ここではその情報を走行データと呼ぶ。走行データとコース情報を比較することで離脱の判定を実現する。</a:t>
+            </a:r>
+            <a:endParaRPr kumimoji="1" lang="en-US" altLang="ja-JP" sz="1600" dirty="0"/>
+          </a:p>
+        </p:txBody>
+      </p:sp>
+      <p:sp>
+        <p:nvSpPr>
+          <p:cNvPr id="9" name="テキスト ボックス 8">
+            <a:extLst>
+              <a:ext uri="{FF2B5EF4-FFF2-40B4-BE49-F238E27FC236}">
+                <a16:creationId xmlns:a16="http://schemas.microsoft.com/office/drawing/2014/main" id="{DEF4628F-B827-4478-AA7F-AF0DE78A3AE3}"/>
+              </a:ext>
+            </a:extLst>
+          </p:cNvPr>
+          <p:cNvSpPr txBox="1"/>
+          <p:nvPr/>
+        </p:nvSpPr>
+        <p:spPr>
+          <a:xfrm>
+            <a:off x="6458885" y="8658847"/>
+            <a:ext cx="2779233" cy="1569660"/>
+          </a:xfrm>
+          <a:prstGeom prst="rect">
+            <a:avLst/>
+          </a:prstGeom>
+          <a:noFill/>
+        </p:spPr>
+        <p:txBody>
+          <a:bodyPr wrap="square" rtlCol="0">
+            <a:spAutoFit/>
+          </a:bodyPr>
+          <a:lstStyle/>
+          <a:p>
+            <a:pPr algn="l"/>
+            <a:r>
+              <a:rPr kumimoji="1" lang="ja-JP" altLang="en-US" sz="1600" dirty="0"/>
+              <a:t>走行体は常に自己位置推定を行っている。ここではその情報を走行データと呼ぶ。走行データとコース情報を比較することで離脱の判定を実現する。</a:t>
+            </a:r>
+            <a:endParaRPr kumimoji="1" lang="en-US" altLang="ja-JP" sz="1600" dirty="0"/>
+          </a:p>
+        </p:txBody>
+      </p:sp>
+      <p:sp>
+        <p:nvSpPr>
+          <p:cNvPr id="10" name="テキスト ボックス 9">
+            <a:extLst>
+              <a:ext uri="{FF2B5EF4-FFF2-40B4-BE49-F238E27FC236}">
+                <a16:creationId xmlns:a16="http://schemas.microsoft.com/office/drawing/2014/main" id="{825F097D-4588-4F8F-AA42-B0D77B0F9CE3}"/>
+              </a:ext>
+            </a:extLst>
+          </p:cNvPr>
+          <p:cNvSpPr txBox="1"/>
+          <p:nvPr/>
+        </p:nvSpPr>
+        <p:spPr>
+          <a:xfrm>
+            <a:off x="162589" y="1987798"/>
+            <a:ext cx="1632178" cy="338554"/>
+          </a:xfrm>
+          <a:prstGeom prst="rect">
+            <a:avLst/>
+          </a:prstGeom>
+          <a:noFill/>
+        </p:spPr>
+        <p:txBody>
+          <a:bodyPr wrap="none" rtlCol="0">
+            <a:spAutoFit/>
+          </a:bodyPr>
+          <a:lstStyle/>
+          <a:p>
+            <a:r>
+              <a:rPr kumimoji="1" lang="ja-JP" altLang="en-US" sz="1600" b="1" dirty="0"/>
+              <a:t>コース離脱判定</a:t>
+            </a:r>
+          </a:p>
+        </p:txBody>
+      </p:sp>
     </p:spTree>
     <p:extLst>
       <p:ext uri="{BB962C8B-B14F-4D97-AF65-F5344CB8AC3E}">
@@ -17615,6 +17987,42 @@
           <a:chExt cx="0" cy="0"/>
         </a:xfrm>
       </p:grpSpPr>
+      <p:pic>
+        <p:nvPicPr>
+          <p:cNvPr id="7" name="図 6">
+            <a:extLst>
+              <a:ext uri="{FF2B5EF4-FFF2-40B4-BE49-F238E27FC236}">
+                <a16:creationId xmlns:a16="http://schemas.microsoft.com/office/drawing/2014/main" id="{FB46CE88-AA72-4A99-BF9C-029F707F35CA}"/>
+              </a:ext>
+            </a:extLst>
+          </p:cNvPr>
+          <p:cNvPicPr>
+            <a:picLocks noChangeAspect="1"/>
+          </p:cNvPicPr>
+          <p:nvPr/>
+        </p:nvPicPr>
+        <p:blipFill>
+          <a:blip r:embed="rId2">
+            <a:extLst>
+              <a:ext uri="{28A0092B-C50C-407E-A947-70E740481C1C}">
+                <a14:useLocalDpi xmlns:a14="http://schemas.microsoft.com/office/drawing/2010/main" val="0"/>
+              </a:ext>
+            </a:extLst>
+          </a:blip>
+          <a:stretch>
+            <a:fillRect/>
+          </a:stretch>
+        </p:blipFill>
+        <p:spPr>
+          <a:xfrm>
+            <a:off x="0" y="2587382"/>
+            <a:ext cx="15119350" cy="8132474"/>
+          </a:xfrm>
+          <a:prstGeom prst="rect">
+            <a:avLst/>
+          </a:prstGeom>
+        </p:spPr>
+      </p:pic>
       <p:sp>
         <p:nvSpPr>
           <p:cNvPr id="2" name="タイトル 1">
@@ -17647,12 +18055,290 @@
           </a:p>
         </p:txBody>
       </p:sp>
+      <p:graphicFrame>
+        <p:nvGraphicFramePr>
+          <p:cNvPr id="3" name="表 2">
+            <a:extLst>
+              <a:ext uri="{FF2B5EF4-FFF2-40B4-BE49-F238E27FC236}">
+                <a16:creationId xmlns:a16="http://schemas.microsoft.com/office/drawing/2014/main" id="{5EEA8C49-16B3-4EC0-810F-FA6BA141E050}"/>
+              </a:ext>
+            </a:extLst>
+          </p:cNvPr>
+          <p:cNvGraphicFramePr>
+            <a:graphicFrameLocks noGrp="1"/>
+          </p:cNvGraphicFramePr>
+          <p:nvPr>
+            <p:extLst>
+              <p:ext uri="{D42A27DB-BD31-4B8C-83A1-F6EECF244321}">
+                <p14:modId xmlns:p14="http://schemas.microsoft.com/office/powerpoint/2010/main" val="2980130935"/>
+              </p:ext>
+            </p:extLst>
+          </p:nvPr>
+        </p:nvGraphicFramePr>
+        <p:xfrm>
+          <a:off x="142851" y="1961530"/>
+          <a:ext cx="3960440" cy="2108200"/>
+        </p:xfrm>
+        <a:graphic>
+          <a:graphicData uri="http://schemas.openxmlformats.org/drawingml/2006/table">
+            <a:tbl>
+              <a:tblPr firstRow="1" bandRow="1">
+                <a:tableStyleId>{5C22544A-7EE6-4342-B048-85BDC9FD1C3A}</a:tableStyleId>
+              </a:tblPr>
+              <a:tblGrid>
+                <a:gridCol w="1476775">
+                  <a:extLst>
+                    <a:ext uri="{9D8B030D-6E8A-4147-A177-3AD203B41FA5}">
+                      <a16:colId xmlns:a16="http://schemas.microsoft.com/office/drawing/2014/main" val="557032482"/>
+                    </a:ext>
+                  </a:extLst>
+                </a:gridCol>
+                <a:gridCol w="2483665">
+                  <a:extLst>
+                    <a:ext uri="{9D8B030D-6E8A-4147-A177-3AD203B41FA5}">
+                      <a16:colId xmlns:a16="http://schemas.microsoft.com/office/drawing/2014/main" val="3264350795"/>
+                    </a:ext>
+                  </a:extLst>
+                </a:gridCol>
+              </a:tblGrid>
+              <a:tr h="370840">
+                <a:tc>
+                  <a:txBody>
+                    <a:bodyPr/>
+                    <a:lstStyle/>
+                    <a:p>
+                      <a:r>
+                        <a:rPr kumimoji="1" lang="ja-JP" altLang="en-US" sz="1600" dirty="0"/>
+                        <a:t>パッケージ名</a:t>
+                      </a:r>
+                    </a:p>
+                  </a:txBody>
+                  <a:tcPr/>
+                </a:tc>
+                <a:tc>
+                  <a:txBody>
+                    <a:bodyPr/>
+                    <a:lstStyle/>
+                    <a:p>
+                      <a:endParaRPr kumimoji="1" lang="ja-JP" altLang="en-US" sz="1600" dirty="0"/>
+                    </a:p>
+                  </a:txBody>
+                  <a:tcPr/>
+                </a:tc>
+                <a:extLst>
+                  <a:ext uri="{0D108BD9-81ED-4DB2-BD59-A6C34878D82A}">
+                    <a16:rowId xmlns:a16="http://schemas.microsoft.com/office/drawing/2014/main" val="3940226771"/>
+                  </a:ext>
+                </a:extLst>
+              </a:tr>
+              <a:tr h="370840">
+                <a:tc>
+                  <a:txBody>
+                    <a:bodyPr/>
+                    <a:lstStyle/>
+                    <a:p>
+                      <a:r>
+                        <a:rPr kumimoji="1" lang="ja-JP" altLang="en-US" sz="1600" dirty="0"/>
+                        <a:t>メイン制御部</a:t>
+                      </a:r>
+                    </a:p>
+                  </a:txBody>
+                  <a:tcPr/>
+                </a:tc>
+                <a:tc>
+                  <a:txBody>
+                    <a:bodyPr/>
+                    <a:lstStyle/>
+                    <a:p>
+                      <a:endParaRPr kumimoji="1" lang="en-US" altLang="ja-JP" sz="1600" dirty="0"/>
+                    </a:p>
+                    <a:p>
+                      <a:endParaRPr kumimoji="1" lang="ja-JP" altLang="en-US" sz="1600" dirty="0"/>
+                    </a:p>
+                  </a:txBody>
+                  <a:tcPr/>
+                </a:tc>
+                <a:extLst>
+                  <a:ext uri="{0D108BD9-81ED-4DB2-BD59-A6C34878D82A}">
+                    <a16:rowId xmlns:a16="http://schemas.microsoft.com/office/drawing/2014/main" val="1518717711"/>
+                  </a:ext>
+                </a:extLst>
+              </a:tr>
+              <a:tr h="370840">
+                <a:tc>
+                  <a:txBody>
+                    <a:bodyPr/>
+                    <a:lstStyle/>
+                    <a:p>
+                      <a:r>
+                        <a:rPr kumimoji="1" lang="ja-JP" altLang="en-US" sz="1600" dirty="0"/>
+                        <a:t>サブ制御部</a:t>
+                      </a:r>
+                    </a:p>
+                  </a:txBody>
+                  <a:tcPr/>
+                </a:tc>
+                <a:tc>
+                  <a:txBody>
+                    <a:bodyPr/>
+                    <a:lstStyle/>
+                    <a:p>
+                      <a:endParaRPr kumimoji="1" lang="en-US" altLang="ja-JP" sz="1600" dirty="0"/>
+                    </a:p>
+                    <a:p>
+                      <a:endParaRPr kumimoji="1" lang="ja-JP" altLang="en-US" sz="1600" dirty="0"/>
+                    </a:p>
+                  </a:txBody>
+                  <a:tcPr/>
+                </a:tc>
+                <a:extLst>
+                  <a:ext uri="{0D108BD9-81ED-4DB2-BD59-A6C34878D82A}">
+                    <a16:rowId xmlns:a16="http://schemas.microsoft.com/office/drawing/2014/main" val="425586996"/>
+                  </a:ext>
+                </a:extLst>
+              </a:tr>
+              <a:tr h="370840">
+                <a:tc>
+                  <a:txBody>
+                    <a:bodyPr/>
+                    <a:lstStyle/>
+                    <a:p>
+                      <a:r>
+                        <a:rPr kumimoji="1" lang="ja-JP" altLang="en-US" sz="1600" dirty="0"/>
+                        <a:t>情報取得部</a:t>
+                      </a:r>
+                    </a:p>
+                  </a:txBody>
+                  <a:tcPr/>
+                </a:tc>
+                <a:tc>
+                  <a:txBody>
+                    <a:bodyPr/>
+                    <a:lstStyle/>
+                    <a:p>
+                      <a:endParaRPr kumimoji="1" lang="en-US" altLang="ja-JP" sz="1600" dirty="0"/>
+                    </a:p>
+                    <a:p>
+                      <a:endParaRPr kumimoji="1" lang="ja-JP" altLang="en-US" sz="1600" dirty="0"/>
+                    </a:p>
+                  </a:txBody>
+                  <a:tcPr/>
+                </a:tc>
+                <a:extLst>
+                  <a:ext uri="{0D108BD9-81ED-4DB2-BD59-A6C34878D82A}">
+                    <a16:rowId xmlns:a16="http://schemas.microsoft.com/office/drawing/2014/main" val="315821210"/>
+                  </a:ext>
+                </a:extLst>
+              </a:tr>
+            </a:tbl>
+          </a:graphicData>
+        </a:graphic>
+      </p:graphicFrame>
+      <p:sp>
+        <p:nvSpPr>
+          <p:cNvPr id="6" name="テキスト ボックス 5">
+            <a:extLst>
+              <a:ext uri="{FF2B5EF4-FFF2-40B4-BE49-F238E27FC236}">
+                <a16:creationId xmlns:a16="http://schemas.microsoft.com/office/drawing/2014/main" id="{33232B3A-F44E-46F9-9E67-DA16A91F6D03}"/>
+              </a:ext>
+            </a:extLst>
+          </p:cNvPr>
+          <p:cNvSpPr txBox="1"/>
+          <p:nvPr/>
+        </p:nvSpPr>
+        <p:spPr>
+          <a:xfrm>
+            <a:off x="4636425" y="1897805"/>
+            <a:ext cx="5342521" cy="830997"/>
+          </a:xfrm>
+          <a:prstGeom prst="rect">
+            <a:avLst/>
+          </a:prstGeom>
+          <a:noFill/>
+        </p:spPr>
+        <p:txBody>
+          <a:bodyPr wrap="square" rtlCol="0">
+            <a:spAutoFit/>
+          </a:bodyPr>
+          <a:lstStyle/>
+          <a:p>
+            <a:pPr algn="l"/>
+            <a:r>
+              <a:rPr kumimoji="1" lang="ja-JP" altLang="en-US" sz="1600" dirty="0"/>
+              <a:t>走行体は常に自己位置推定を行っている。ここではその情報を走行データと呼ぶ。走行データとコース情報を比較することで離脱の判定を実現する。</a:t>
+            </a:r>
+            <a:endParaRPr kumimoji="1" lang="en-US" altLang="ja-JP" sz="1600" dirty="0"/>
+          </a:p>
+        </p:txBody>
+      </p:sp>
+    </p:spTree>
+    <p:extLst>
+      <p:ext uri="{BB962C8B-B14F-4D97-AF65-F5344CB8AC3E}">
+        <p14:creationId xmlns:p14="http://schemas.microsoft.com/office/powerpoint/2010/main" val="2709897343"/>
+      </p:ext>
+    </p:extLst>
+  </p:cSld>
+  <p:clrMapOvr>
+    <a:masterClrMapping/>
+  </p:clrMapOvr>
+</p:sld>
+</file>
+
+<file path=ppt/slides/slide5.xml><?xml version="1.0" encoding="utf-8"?>
+<p:sld xmlns:a="http://schemas.openxmlformats.org/drawingml/2006/main" xmlns:r="http://schemas.openxmlformats.org/officeDocument/2006/relationships" xmlns:p="http://schemas.openxmlformats.org/presentationml/2006/main">
+  <p:cSld>
+    <p:spTree>
+      <p:nvGrpSpPr>
+        <p:cNvPr id="1" name=""/>
+        <p:cNvGrpSpPr/>
+        <p:nvPr/>
+      </p:nvGrpSpPr>
+      <p:grpSpPr>
+        <a:xfrm>
+          <a:off x="0" y="0"/>
+          <a:ext cx="0" cy="0"/>
+          <a:chOff x="0" y="0"/>
+          <a:chExt cx="0" cy="0"/>
+        </a:xfrm>
+      </p:grpSpPr>
+      <p:sp>
+        <p:nvSpPr>
+          <p:cNvPr id="2" name="タイトル 1">
+            <a:extLst>
+              <a:ext uri="{FF2B5EF4-FFF2-40B4-BE49-F238E27FC236}">
+                <a16:creationId xmlns:a16="http://schemas.microsoft.com/office/drawing/2014/main" id="{6F2F6225-A22A-40FF-9D68-4EE3CAB7BDAB}"/>
+              </a:ext>
+            </a:extLst>
+          </p:cNvPr>
+          <p:cNvSpPr>
+            <a:spLocks noGrp="1"/>
+          </p:cNvSpPr>
+          <p:nvPr>
+            <p:ph type="title"/>
+          </p:nvPr>
+        </p:nvSpPr>
+        <p:spPr/>
+        <p:txBody>
+          <a:bodyPr/>
+          <a:lstStyle/>
+          <a:p>
+            <a:r>
+              <a:rPr kumimoji="1" lang="en-US" altLang="ja-JP" dirty="0"/>
+              <a:t>5. </a:t>
+            </a:r>
+            <a:r>
+              <a:rPr kumimoji="1" lang="ja-JP" altLang="en-US" dirty="0"/>
+              <a:t>振る舞い設計</a:t>
+            </a:r>
+          </a:p>
+        </p:txBody>
+      </p:sp>
       <p:pic>
         <p:nvPicPr>
           <p:cNvPr id="5" name="コンテンツ プレースホルダー 4">
             <a:extLst>
               <a:ext uri="{FF2B5EF4-FFF2-40B4-BE49-F238E27FC236}">
-                <a16:creationId xmlns:a16="http://schemas.microsoft.com/office/drawing/2014/main" id="{F7C2DCF1-3737-4A21-B41B-4DD9FD4795D6}"/>
+                <a16:creationId xmlns:a16="http://schemas.microsoft.com/office/drawing/2014/main" id="{E2911A9E-FD97-4377-84DF-A93886EB4F96}"/>
               </a:ext>
             </a:extLst>
           </p:cNvPr>
@@ -17663,8 +18349,580 @@
             <p:ph idx="1"/>
           </p:nvPr>
         </p:nvPicPr>
+        <p:blipFill rotWithShape="1">
+          <a:blip r:embed="rId2">
+            <a:extLst>
+              <a:ext uri="{28A0092B-C50C-407E-A947-70E740481C1C}">
+                <a14:useLocalDpi xmlns:a14="http://schemas.microsoft.com/office/drawing/2010/main" val="0"/>
+              </a:ext>
+            </a:extLst>
+          </a:blip>
+          <a:srcRect l="6470" t="3664" r="1871" b="3827"/>
+          <a:stretch/>
+        </p:blipFill>
+        <p:spPr>
+          <a:xfrm>
+            <a:off x="9101003" y="3240179"/>
+            <a:ext cx="5969178" cy="7092788"/>
+          </a:xfrm>
+        </p:spPr>
+      </p:pic>
+      <p:pic>
+        <p:nvPicPr>
+          <p:cNvPr id="7" name="図 6">
+            <a:extLst>
+              <a:ext uri="{FF2B5EF4-FFF2-40B4-BE49-F238E27FC236}">
+                <a16:creationId xmlns:a16="http://schemas.microsoft.com/office/drawing/2014/main" id="{F9E3F102-178A-4842-A6EE-2F08A5BF4F31}"/>
+              </a:ext>
+            </a:extLst>
+          </p:cNvPr>
+          <p:cNvPicPr>
+            <a:picLocks noChangeAspect="1"/>
+          </p:cNvPicPr>
+          <p:nvPr/>
+        </p:nvPicPr>
+        <p:blipFill rotWithShape="1">
+          <a:blip r:embed="rId3">
+            <a:extLst>
+              <a:ext uri="{28A0092B-C50C-407E-A947-70E740481C1C}">
+                <a14:useLocalDpi xmlns:a14="http://schemas.microsoft.com/office/drawing/2010/main" val="0"/>
+              </a:ext>
+            </a:extLst>
+          </a:blip>
+          <a:srcRect l="3087" t="2183" r="1225" b="1509"/>
+          <a:stretch/>
+        </p:blipFill>
+        <p:spPr>
+          <a:xfrm>
+            <a:off x="4535339" y="161330"/>
+            <a:ext cx="4565664" cy="10530483"/>
+          </a:xfrm>
+          <a:prstGeom prst="rect">
+            <a:avLst/>
+          </a:prstGeom>
+        </p:spPr>
+      </p:pic>
+      <p:pic>
+        <p:nvPicPr>
+          <p:cNvPr id="11" name="図 10">
+            <a:extLst>
+              <a:ext uri="{FF2B5EF4-FFF2-40B4-BE49-F238E27FC236}">
+                <a16:creationId xmlns:a16="http://schemas.microsoft.com/office/drawing/2014/main" id="{10C07D40-A1CC-4C14-9DF3-B4B141D467DB}"/>
+              </a:ext>
+            </a:extLst>
+          </p:cNvPr>
+          <p:cNvPicPr>
+            <a:picLocks noChangeAspect="1"/>
+          </p:cNvPicPr>
+          <p:nvPr/>
+        </p:nvPicPr>
+        <p:blipFill rotWithShape="1">
+          <a:blip r:embed="rId4">
+            <a:extLst>
+              <a:ext uri="{28A0092B-C50C-407E-A947-70E740481C1C}">
+                <a14:useLocalDpi xmlns:a14="http://schemas.microsoft.com/office/drawing/2010/main" val="0"/>
+              </a:ext>
+            </a:extLst>
+          </a:blip>
+          <a:srcRect l="3633" t="6329" r="3655" b="3798"/>
+          <a:stretch/>
+        </p:blipFill>
+        <p:spPr>
+          <a:xfrm>
+            <a:off x="286867" y="2105546"/>
+            <a:ext cx="3960440" cy="5112568"/>
+          </a:xfrm>
+          <a:prstGeom prst="rect">
+            <a:avLst/>
+          </a:prstGeom>
+        </p:spPr>
+      </p:pic>
+      <p:pic>
+        <p:nvPicPr>
+          <p:cNvPr id="13" name="図 12">
+            <a:extLst>
+              <a:ext uri="{FF2B5EF4-FFF2-40B4-BE49-F238E27FC236}">
+                <a16:creationId xmlns:a16="http://schemas.microsoft.com/office/drawing/2014/main" id="{99099AFB-0C60-4166-87EA-EDA58C852B6A}"/>
+              </a:ext>
+            </a:extLst>
+          </p:cNvPr>
+          <p:cNvPicPr>
+            <a:picLocks noChangeAspect="1"/>
+          </p:cNvPicPr>
+          <p:nvPr/>
+        </p:nvPicPr>
+        <p:blipFill rotWithShape="1">
+          <a:blip r:embed="rId5">
+            <a:extLst>
+              <a:ext uri="{28A0092B-C50C-407E-A947-70E740481C1C}">
+                <a14:useLocalDpi xmlns:a14="http://schemas.microsoft.com/office/drawing/2010/main" val="0"/>
+              </a:ext>
+            </a:extLst>
+          </a:blip>
+          <a:srcRect l="3759" t="9465" r="4478" b="8532"/>
+          <a:stretch/>
+        </p:blipFill>
+        <p:spPr>
+          <a:xfrm>
+            <a:off x="519290" y="7366229"/>
+            <a:ext cx="3874744" cy="2980504"/>
+          </a:xfrm>
+          <a:prstGeom prst="rect">
+            <a:avLst/>
+          </a:prstGeom>
+        </p:spPr>
+      </p:pic>
+      <p:sp>
+        <p:nvSpPr>
+          <p:cNvPr id="14" name="テキスト ボックス 13">
+            <a:extLst>
+              <a:ext uri="{FF2B5EF4-FFF2-40B4-BE49-F238E27FC236}">
+                <a16:creationId xmlns:a16="http://schemas.microsoft.com/office/drawing/2014/main" id="{2EF6DED7-FF70-412C-90A9-CAA991A7AD10}"/>
+              </a:ext>
+            </a:extLst>
+          </p:cNvPr>
+          <p:cNvSpPr txBox="1"/>
+          <p:nvPr/>
+        </p:nvSpPr>
+        <p:spPr>
+          <a:xfrm>
+            <a:off x="-1165" y="7023576"/>
+            <a:ext cx="1415772" cy="338554"/>
+          </a:xfrm>
+          <a:prstGeom prst="rect">
+            <a:avLst/>
+          </a:prstGeom>
+          <a:solidFill>
+            <a:srgbClr val="FFCC33"/>
+          </a:solidFill>
+        </p:spPr>
+        <p:txBody>
+          <a:bodyPr wrap="none" rtlCol="0">
+            <a:spAutoFit/>
+          </a:bodyPr>
+          <a:lstStyle/>
+          <a:p>
+            <a:r>
+              <a:rPr kumimoji="1" lang="ja-JP" altLang="en-US" sz="1600" dirty="0"/>
+              <a:t>自己位置推定</a:t>
+            </a:r>
+          </a:p>
+        </p:txBody>
+      </p:sp>
+      <p:sp>
+        <p:nvSpPr>
+          <p:cNvPr id="15" name="テキスト ボックス 14">
+            <a:extLst>
+              <a:ext uri="{FF2B5EF4-FFF2-40B4-BE49-F238E27FC236}">
+                <a16:creationId xmlns:a16="http://schemas.microsoft.com/office/drawing/2014/main" id="{AFF60F3F-0F4E-4EDE-8E79-72F5BBC5CD08}"/>
+              </a:ext>
+            </a:extLst>
+          </p:cNvPr>
+          <p:cNvSpPr txBox="1"/>
+          <p:nvPr/>
+        </p:nvSpPr>
+        <p:spPr>
+          <a:xfrm>
+            <a:off x="-9201" y="1862212"/>
+            <a:ext cx="2646879" cy="338554"/>
+          </a:xfrm>
+          <a:prstGeom prst="rect">
+            <a:avLst/>
+          </a:prstGeom>
+          <a:solidFill>
+            <a:srgbClr val="FFCC33"/>
+          </a:solidFill>
+        </p:spPr>
+        <p:txBody>
+          <a:bodyPr wrap="none" rtlCol="0">
+            <a:spAutoFit/>
+          </a:bodyPr>
+          <a:lstStyle/>
+          <a:p>
+            <a:r>
+              <a:rPr kumimoji="1" lang="ja-JP" altLang="en-US" sz="1600" dirty="0"/>
+              <a:t>各制御モードの処理フロー</a:t>
+            </a:r>
+          </a:p>
+        </p:txBody>
+      </p:sp>
+      <p:sp>
+        <p:nvSpPr>
+          <p:cNvPr id="16" name="テキスト ボックス 15">
+            <a:extLst>
+              <a:ext uri="{FF2B5EF4-FFF2-40B4-BE49-F238E27FC236}">
+                <a16:creationId xmlns:a16="http://schemas.microsoft.com/office/drawing/2014/main" id="{1D017A09-4FC7-4D74-9E94-80675E550ED6}"/>
+              </a:ext>
+            </a:extLst>
+          </p:cNvPr>
+          <p:cNvSpPr txBox="1"/>
+          <p:nvPr/>
+        </p:nvSpPr>
+        <p:spPr>
+          <a:xfrm>
+            <a:off x="7632637" y="611830"/>
+            <a:ext cx="1620957" cy="338554"/>
+          </a:xfrm>
+          <a:prstGeom prst="rect">
+            <a:avLst/>
+          </a:prstGeom>
+          <a:solidFill>
+            <a:srgbClr val="FFCC33"/>
+          </a:solidFill>
+        </p:spPr>
+        <p:style>
+          <a:lnRef idx="2">
+            <a:schemeClr val="accent3"/>
+          </a:lnRef>
+          <a:fillRef idx="1">
+            <a:schemeClr val="lt1"/>
+          </a:fillRef>
+          <a:effectRef idx="0">
+            <a:schemeClr val="accent3"/>
+          </a:effectRef>
+          <a:fontRef idx="minor">
+            <a:schemeClr val="dk1"/>
+          </a:fontRef>
+        </p:style>
+        <p:txBody>
+          <a:bodyPr wrap="none" rtlCol="0">
+            <a:spAutoFit/>
+          </a:bodyPr>
+          <a:lstStyle/>
+          <a:p>
+            <a:r>
+              <a:rPr kumimoji="1" lang="ja-JP" altLang="en-US" sz="1600" dirty="0"/>
+              <a:t>コース復帰制御</a:t>
+            </a:r>
+            <a:endParaRPr kumimoji="1" lang="en-US" altLang="ja-JP" sz="1600" dirty="0"/>
+          </a:p>
+        </p:txBody>
+      </p:sp>
+      <p:sp>
+        <p:nvSpPr>
+          <p:cNvPr id="17" name="テキスト ボックス 16">
+            <a:extLst>
+              <a:ext uri="{FF2B5EF4-FFF2-40B4-BE49-F238E27FC236}">
+                <a16:creationId xmlns:a16="http://schemas.microsoft.com/office/drawing/2014/main" id="{91A638C3-772E-48B5-94C1-652BE06F5EF7}"/>
+              </a:ext>
+            </a:extLst>
+          </p:cNvPr>
+          <p:cNvSpPr txBox="1"/>
+          <p:nvPr/>
+        </p:nvSpPr>
+        <p:spPr>
+          <a:xfrm>
+            <a:off x="9580008" y="2868310"/>
+            <a:ext cx="1620957" cy="338554"/>
+          </a:xfrm>
+          <a:prstGeom prst="rect">
+            <a:avLst/>
+          </a:prstGeom>
+          <a:solidFill>
+            <a:srgbClr val="FFCC33"/>
+          </a:solidFill>
+        </p:spPr>
+        <p:style>
+          <a:lnRef idx="2">
+            <a:schemeClr val="accent3"/>
+          </a:lnRef>
+          <a:fillRef idx="1">
+            <a:schemeClr val="lt1"/>
+          </a:fillRef>
+          <a:effectRef idx="0">
+            <a:schemeClr val="accent3"/>
+          </a:effectRef>
+          <a:fontRef idx="minor">
+            <a:schemeClr val="dk1"/>
+          </a:fontRef>
+        </p:style>
+        <p:txBody>
+          <a:bodyPr wrap="none" rtlCol="0">
+            <a:spAutoFit/>
+          </a:bodyPr>
+          <a:lstStyle/>
+          <a:p>
+            <a:r>
+              <a:rPr kumimoji="1" lang="ja-JP" altLang="en-US" sz="1600" dirty="0"/>
+              <a:t>コース離脱判定</a:t>
+            </a:r>
+            <a:endParaRPr kumimoji="1" lang="en-US" altLang="ja-JP" sz="1600" dirty="0"/>
+          </a:p>
+        </p:txBody>
+      </p:sp>
+    </p:spTree>
+    <p:extLst>
+      <p:ext uri="{BB962C8B-B14F-4D97-AF65-F5344CB8AC3E}">
+        <p14:creationId xmlns:p14="http://schemas.microsoft.com/office/powerpoint/2010/main" val="3351242010"/>
+      </p:ext>
+    </p:extLst>
+  </p:cSld>
+  <p:clrMapOvr>
+    <a:masterClrMapping/>
+  </p:clrMapOvr>
+</p:sld>
+</file>
+
+<file path=ppt/slides/slide6.xml><?xml version="1.0" encoding="utf-8"?>
+<p:sld xmlns:a="http://schemas.openxmlformats.org/drawingml/2006/main" xmlns:r="http://schemas.openxmlformats.org/officeDocument/2006/relationships" xmlns:p="http://schemas.openxmlformats.org/presentationml/2006/main" show="0">
+  <p:cSld>
+    <p:spTree>
+      <p:nvGrpSpPr>
+        <p:cNvPr id="1" name=""/>
+        <p:cNvGrpSpPr/>
+        <p:nvPr/>
+      </p:nvGrpSpPr>
+      <p:grpSpPr>
+        <a:xfrm>
+          <a:off x="0" y="0"/>
+          <a:ext cx="0" cy="0"/>
+          <a:chOff x="0" y="0"/>
+          <a:chExt cx="0" cy="0"/>
+        </a:xfrm>
+      </p:grpSpPr>
+      <p:sp>
+        <p:nvSpPr>
+          <p:cNvPr id="2" name="タイトル 1">
+            <a:extLst>
+              <a:ext uri="{FF2B5EF4-FFF2-40B4-BE49-F238E27FC236}">
+                <a16:creationId xmlns:a16="http://schemas.microsoft.com/office/drawing/2014/main" id="{8721C73D-A154-46BF-978B-1F344E837A7E}"/>
+              </a:ext>
+            </a:extLst>
+          </p:cNvPr>
+          <p:cNvSpPr>
+            <a:spLocks noGrp="1"/>
+          </p:cNvSpPr>
+          <p:nvPr>
+            <p:ph type="title"/>
+          </p:nvPr>
+        </p:nvSpPr>
+        <p:spPr/>
+        <p:txBody>
+          <a:bodyPr/>
+          <a:lstStyle/>
+          <a:p>
+            <a:r>
+              <a:rPr kumimoji="1" lang="ja-JP" altLang="en-US" dirty="0"/>
+              <a:t>部品庫</a:t>
+            </a:r>
+            <a:br>
+              <a:rPr kumimoji="1" lang="en-US" altLang="ja-JP" dirty="0"/>
+            </a:br>
+            <a:br>
+              <a:rPr kumimoji="1" lang="en-US" altLang="ja-JP" dirty="0"/>
+            </a:br>
+            <a:endParaRPr kumimoji="1" lang="ja-JP" altLang="en-US" dirty="0"/>
+          </a:p>
+        </p:txBody>
+      </p:sp>
+      <p:sp>
+        <p:nvSpPr>
+          <p:cNvPr id="3" name="コンテンツ プレースホルダー 2">
+            <a:extLst>
+              <a:ext uri="{FF2B5EF4-FFF2-40B4-BE49-F238E27FC236}">
+                <a16:creationId xmlns:a16="http://schemas.microsoft.com/office/drawing/2014/main" id="{73A75F05-FFAF-4C91-838A-1DF92D96D4DE}"/>
+              </a:ext>
+            </a:extLst>
+          </p:cNvPr>
+          <p:cNvSpPr>
+            <a:spLocks noGrp="1"/>
+          </p:cNvSpPr>
+          <p:nvPr>
+            <p:ph idx="1"/>
+          </p:nvPr>
+        </p:nvSpPr>
+        <p:spPr/>
+        <p:txBody>
+          <a:bodyPr/>
+          <a:lstStyle/>
+          <a:p>
+            <a:endParaRPr kumimoji="1" lang="ja-JP" altLang="en-US"/>
+          </a:p>
+        </p:txBody>
+      </p:sp>
+      <p:grpSp>
+        <p:nvGrpSpPr>
+          <p:cNvPr id="4" name="グループ化 3">
+            <a:extLst>
+              <a:ext uri="{FF2B5EF4-FFF2-40B4-BE49-F238E27FC236}">
+                <a16:creationId xmlns:a16="http://schemas.microsoft.com/office/drawing/2014/main" id="{78788DF2-5B1F-425C-9A6F-B447652722A1}"/>
+              </a:ext>
+            </a:extLst>
+          </p:cNvPr>
+          <p:cNvGrpSpPr/>
+          <p:nvPr/>
+        </p:nvGrpSpPr>
+        <p:grpSpPr>
+          <a:xfrm>
+            <a:off x="2807147" y="407845"/>
+            <a:ext cx="6198136" cy="3129401"/>
+            <a:chOff x="8070870" y="7181440"/>
+            <a:chExt cx="5753501" cy="2989002"/>
+          </a:xfrm>
+        </p:grpSpPr>
+        <p:sp>
+          <p:nvSpPr>
+            <p:cNvPr id="5" name="四角形: 角を丸くする 4">
+              <a:extLst>
+                <a:ext uri="{FF2B5EF4-FFF2-40B4-BE49-F238E27FC236}">
+                  <a16:creationId xmlns:a16="http://schemas.microsoft.com/office/drawing/2014/main" id="{CC848E82-CF35-4A16-BDE5-C39E1D7BE593}"/>
+                </a:ext>
+              </a:extLst>
+            </p:cNvPr>
+            <p:cNvSpPr/>
+            <p:nvPr/>
+          </p:nvSpPr>
+          <p:spPr bwMode="auto">
+            <a:xfrm>
+              <a:off x="8070870" y="7218114"/>
+              <a:ext cx="5753501" cy="2952328"/>
+            </a:xfrm>
+            <a:prstGeom prst="roundRect">
+              <a:avLst/>
+            </a:prstGeom>
+            <a:solidFill>
+              <a:srgbClr val="FFCCCC"/>
+            </a:solidFill>
+            <a:ln w="9525" cap="flat" cmpd="sng" algn="ctr">
+              <a:solidFill>
+                <a:schemeClr val="tx1"/>
+              </a:solidFill>
+              <a:prstDash val="solid"/>
+              <a:round/>
+              <a:headEnd type="none" w="med" len="med"/>
+              <a:tailEnd type="none" w="med" len="med"/>
+            </a:ln>
+            <a:effectLst/>
+            <a:extLst/>
+          </p:spPr>
+          <p:txBody>
+            <a:bodyPr vert="horz" wrap="none" lIns="91440" tIns="45720" rIns="91440" bIns="45720" numCol="1" rtlCol="0" anchor="ctr" anchorCtr="0" compatLnSpc="1">
+              <a:prstTxWarp prst="textNoShape">
+                <a:avLst/>
+              </a:prstTxWarp>
+            </a:bodyPr>
+            <a:lstStyle/>
+            <a:p>
+              <a:pPr marL="0" marR="0" indent="0" algn="ctr" defTabSz="914400" rtl="0" eaLnBrk="1" fontAlgn="base" latinLnBrk="0" hangingPunct="1">
+                <a:lnSpc>
+                  <a:spcPct val="100000"/>
+                </a:lnSpc>
+                <a:spcBef>
+                  <a:spcPct val="0"/>
+                </a:spcBef>
+                <a:spcAft>
+                  <a:spcPct val="0"/>
+                </a:spcAft>
+                <a:buClrTx/>
+                <a:buSzTx/>
+                <a:buFontTx/>
+                <a:buNone/>
+                <a:tabLst/>
+              </a:pPr>
+              <a:endParaRPr kumimoji="0" lang="ja-JP" altLang="en-US" sz="1800" b="0" i="0" u="none" strike="noStrike" cap="none" normalizeH="0" baseline="0" dirty="0">
+                <a:ln>
+                  <a:noFill/>
+                </a:ln>
+                <a:solidFill>
+                  <a:schemeClr val="tx1"/>
+                </a:solidFill>
+                <a:effectLst/>
+                <a:latin typeface="Arial" charset="0"/>
+              </a:endParaRPr>
+            </a:p>
+          </p:txBody>
+        </p:sp>
+        <p:pic>
+          <p:nvPicPr>
+            <p:cNvPr id="6" name="図 5">
+              <a:extLst>
+                <a:ext uri="{FF2B5EF4-FFF2-40B4-BE49-F238E27FC236}">
+                  <a16:creationId xmlns:a16="http://schemas.microsoft.com/office/drawing/2014/main" id="{7047CDFE-2226-46EE-A2CA-E406E4F38EBC}"/>
+                </a:ext>
+              </a:extLst>
+            </p:cNvPr>
+            <p:cNvPicPr>
+              <a:picLocks noChangeAspect="1"/>
+            </p:cNvPicPr>
+            <p:nvPr/>
+          </p:nvPicPr>
+          <p:blipFill rotWithShape="1">
+            <a:blip r:embed="rId2">
+              <a:extLst>
+                <a:ext uri="{28A0092B-C50C-407E-A947-70E740481C1C}">
+                  <a14:useLocalDpi xmlns:a14="http://schemas.microsoft.com/office/drawing/2010/main" val="0"/>
+                </a:ext>
+              </a:extLst>
+            </a:blip>
+            <a:srcRect l="3006" t="9862" r="3006" b="8038"/>
+            <a:stretch/>
+          </p:blipFill>
+          <p:spPr>
+            <a:xfrm>
+              <a:off x="8279755" y="7454179"/>
+              <a:ext cx="5360864" cy="2622162"/>
+            </a:xfrm>
+            <a:prstGeom prst="rect">
+              <a:avLst/>
+            </a:prstGeom>
+          </p:spPr>
+        </p:pic>
+        <p:sp>
+          <p:nvSpPr>
+            <p:cNvPr id="7" name="テキスト ボックス 6">
+              <a:extLst>
+                <a:ext uri="{FF2B5EF4-FFF2-40B4-BE49-F238E27FC236}">
+                  <a16:creationId xmlns:a16="http://schemas.microsoft.com/office/drawing/2014/main" id="{1CD56992-7D85-415C-86A8-9600396B2F49}"/>
+                </a:ext>
+              </a:extLst>
+            </p:cNvPr>
+            <p:cNvSpPr txBox="1"/>
+            <p:nvPr/>
+          </p:nvSpPr>
+          <p:spPr>
+            <a:xfrm>
+              <a:off x="8351763" y="7181440"/>
+              <a:ext cx="1871025" cy="338554"/>
+            </a:xfrm>
+            <a:prstGeom prst="rect">
+              <a:avLst/>
+            </a:prstGeom>
+            <a:noFill/>
+          </p:spPr>
+          <p:txBody>
+            <a:bodyPr wrap="none" rtlCol="0">
+              <a:spAutoFit/>
+            </a:bodyPr>
+            <a:lstStyle/>
+            <a:p>
+              <a:r>
+                <a:rPr kumimoji="1" lang="en-US" altLang="ja-JP" sz="1600" dirty="0"/>
+                <a:t>Bluetooth</a:t>
+              </a:r>
+              <a:r>
+                <a:rPr kumimoji="1" lang="ja-JP" altLang="en-US" sz="1600" dirty="0"/>
+                <a:t>スタート</a:t>
+              </a:r>
+            </a:p>
+          </p:txBody>
+        </p:sp>
+      </p:grpSp>
+      <p:pic>
+        <p:nvPicPr>
+          <p:cNvPr id="8" name="図 7">
+            <a:extLst>
+              <a:ext uri="{FF2B5EF4-FFF2-40B4-BE49-F238E27FC236}">
+                <a16:creationId xmlns:a16="http://schemas.microsoft.com/office/drawing/2014/main" id="{0CBDE429-237D-4566-8AE9-87E185ED744E}"/>
+              </a:ext>
+            </a:extLst>
+          </p:cNvPr>
+          <p:cNvPicPr>
+            <a:picLocks noChangeAspect="1"/>
+          </p:cNvPicPr>
+          <p:nvPr/>
+        </p:nvPicPr>
         <p:blipFill>
-          <a:blip r:embed="rId2">
+          <a:blip r:embed="rId3">
             <a:extLst>
               <a:ext uri="{28A0092B-C50C-407E-A947-70E740481C1C}">
                 <a14:useLocalDpi xmlns:a14="http://schemas.microsoft.com/office/drawing/2010/main" val="0"/>
@@ -17677,15 +18935,18 @@
         </p:blipFill>
         <p:spPr>
           <a:xfrm>
-            <a:off x="34379" y="2033538"/>
-            <a:ext cx="14768090" cy="8136904"/>
+            <a:off x="3250747" y="3537246"/>
+            <a:ext cx="5310936" cy="7403847"/>
           </a:xfrm>
+          <a:prstGeom prst="rect">
+            <a:avLst/>
+          </a:prstGeom>
         </p:spPr>
       </p:pic>
     </p:spTree>
     <p:extLst>
       <p:ext uri="{BB962C8B-B14F-4D97-AF65-F5344CB8AC3E}">
-        <p14:creationId xmlns:p14="http://schemas.microsoft.com/office/powerpoint/2010/main" val="2709897343"/>
+        <p14:creationId xmlns:p14="http://schemas.microsoft.com/office/powerpoint/2010/main" val="2412207817"/>
       </p:ext>
     </p:extLst>
   </p:cSld>
